--- a/Pic_maker_bdchecks.pptx
+++ b/Pic_maker_bdchecks.pptx
@@ -6,21 +6,24 @@
     <p:sldMasterId id="2147483660" r:id="rId2"/>
   </p:sldMasterIdLst>
   <p:notesMasterIdLst>
-    <p:notesMasterId r:id="rId15"/>
+    <p:notesMasterId r:id="rId18"/>
   </p:notesMasterIdLst>
   <p:sldIdLst>
-    <p:sldId id="260" r:id="rId3"/>
-    <p:sldId id="261" r:id="rId4"/>
-    <p:sldId id="256" r:id="rId5"/>
-    <p:sldId id="257" r:id="rId6"/>
-    <p:sldId id="258" r:id="rId7"/>
-    <p:sldId id="259" r:id="rId8"/>
-    <p:sldId id="266" r:id="rId9"/>
-    <p:sldId id="262" r:id="rId10"/>
-    <p:sldId id="265" r:id="rId11"/>
-    <p:sldId id="263" r:id="rId12"/>
-    <p:sldId id="457" r:id="rId13"/>
-    <p:sldId id="264" r:id="rId14"/>
+    <p:sldId id="458" r:id="rId3"/>
+    <p:sldId id="460" r:id="rId4"/>
+    <p:sldId id="459" r:id="rId5"/>
+    <p:sldId id="457" r:id="rId6"/>
+    <p:sldId id="264" r:id="rId7"/>
+    <p:sldId id="260" r:id="rId8"/>
+    <p:sldId id="261" r:id="rId9"/>
+    <p:sldId id="256" r:id="rId10"/>
+    <p:sldId id="257" r:id="rId11"/>
+    <p:sldId id="258" r:id="rId12"/>
+    <p:sldId id="259" r:id="rId13"/>
+    <p:sldId id="266" r:id="rId14"/>
+    <p:sldId id="262" r:id="rId15"/>
+    <p:sldId id="265" r:id="rId16"/>
+    <p:sldId id="263" r:id="rId17"/>
   </p:sldIdLst>
   <p:sldSz cx="12192000" cy="6858000"/>
   <p:notesSz cx="6858000" cy="9144000"/>
@@ -220,7 +223,7 @@
           <a:p>
             <a:fld id="{03554104-C56E-4ED6-8835-1AB108937455}" type="datetimeFigureOut">
               <a:rPr lang="en-GB" smtClean="0"/>
-              <a:t>03/09/2018</a:t>
+              <a:t>27/09/2018</a:t>
             </a:fld>
             <a:endParaRPr lang="en-GB"/>
           </a:p>
@@ -690,7 +693,7 @@
                 <a:tabLst/>
                 <a:defRPr/>
               </a:pPr>
-              <a:t>11</a:t>
+              <a:t>4</a:t>
             </a:fld>
             <a:endParaRPr kumimoji="0" lang="he-IL" sz="1200" b="0" i="0" u="none" strike="noStrike" kern="1200" cap="none" spc="0" normalizeH="0" baseline="0" noProof="0">
               <a:ln>
@@ -871,7 +874,7 @@
           <a:p>
             <a:fld id="{B1AF5A66-0B22-4445-9954-DE0E7C20DE35}" type="datetimeFigureOut">
               <a:rPr lang="en-GB" smtClean="0"/>
-              <a:t>02/09/2018</a:t>
+              <a:t>27/09/2018</a:t>
             </a:fld>
             <a:endParaRPr lang="en-GB"/>
           </a:p>
@@ -1071,7 +1074,7 @@
           <a:p>
             <a:fld id="{B1AF5A66-0B22-4445-9954-DE0E7C20DE35}" type="datetimeFigureOut">
               <a:rPr lang="en-GB" smtClean="0"/>
-              <a:t>02/09/2018</a:t>
+              <a:t>27/09/2018</a:t>
             </a:fld>
             <a:endParaRPr lang="en-GB"/>
           </a:p>
@@ -1281,7 +1284,7 @@
           <a:p>
             <a:fld id="{B1AF5A66-0B22-4445-9954-DE0E7C20DE35}" type="datetimeFigureOut">
               <a:rPr lang="en-GB" smtClean="0"/>
-              <a:t>02/09/2018</a:t>
+              <a:t>27/09/2018</a:t>
             </a:fld>
             <a:endParaRPr lang="en-GB"/>
           </a:p>
@@ -1537,7 +1540,7 @@
           <a:p>
             <a:fld id="{DCF44842-C67C-4636-9E1A-F6AFB380A03B}" type="datetimeFigureOut">
               <a:rPr lang="he-IL" smtClean="0"/>
-              <a:t>כ"ג/אלול/תשע"ח</a:t>
+              <a:t>י"ח/תשרי/תשע"ט</a:t>
             </a:fld>
             <a:endParaRPr lang="he-IL"/>
           </a:p>
@@ -2671,7 +2674,7 @@
           <a:p>
             <a:fld id="{DCF44842-C67C-4636-9E1A-F6AFB380A03B}" type="datetimeFigureOut">
               <a:rPr lang="he-IL" smtClean="0"/>
-              <a:t>כ"ג/אלול/תשע"ח</a:t>
+              <a:t>י"ח/תשרי/תשע"ט</a:t>
             </a:fld>
             <a:endParaRPr lang="he-IL"/>
           </a:p>
@@ -2939,7 +2942,7 @@
           <a:p>
             <a:fld id="{DCF44842-C67C-4636-9E1A-F6AFB380A03B}" type="datetimeFigureOut">
               <a:rPr lang="he-IL" smtClean="0"/>
-              <a:t>כ"ג/אלול/תשע"ח</a:t>
+              <a:t>י"ח/תשרי/תשע"ט</a:t>
             </a:fld>
             <a:endParaRPr lang="he-IL"/>
           </a:p>
@@ -3354,7 +3357,7 @@
           <a:p>
             <a:fld id="{DCF44842-C67C-4636-9E1A-F6AFB380A03B}" type="datetimeFigureOut">
               <a:rPr lang="he-IL" smtClean="0"/>
-              <a:t>כ"ג/אלול/תשע"ח</a:t>
+              <a:t>י"ח/תשרי/תשע"ט</a:t>
             </a:fld>
             <a:endParaRPr lang="he-IL"/>
           </a:p>
@@ -3496,7 +3499,7 @@
           <a:p>
             <a:fld id="{DCF44842-C67C-4636-9E1A-F6AFB380A03B}" type="datetimeFigureOut">
               <a:rPr lang="he-IL" smtClean="0"/>
-              <a:t>כ"ג/אלול/תשע"ח</a:t>
+              <a:t>י"ח/תשרי/תשע"ט</a:t>
             </a:fld>
             <a:endParaRPr lang="he-IL"/>
           </a:p>
@@ -3609,7 +3612,7 @@
           <a:p>
             <a:fld id="{DCF44842-C67C-4636-9E1A-F6AFB380A03B}" type="datetimeFigureOut">
               <a:rPr lang="he-IL" smtClean="0"/>
-              <a:t>כ"ג/אלול/תשע"ח</a:t>
+              <a:t>י"ח/תשרי/תשע"ט</a:t>
             </a:fld>
             <a:endParaRPr lang="he-IL"/>
           </a:p>
@@ -3922,7 +3925,7 @@
           <a:p>
             <a:fld id="{DCF44842-C67C-4636-9E1A-F6AFB380A03B}" type="datetimeFigureOut">
               <a:rPr lang="he-IL" smtClean="0"/>
-              <a:t>כ"ג/אלול/תשע"ח</a:t>
+              <a:t>י"ח/תשרי/תשע"ט</a:t>
             </a:fld>
             <a:endParaRPr lang="he-IL"/>
           </a:p>
@@ -4122,7 +4125,7 @@
           <a:p>
             <a:fld id="{B1AF5A66-0B22-4445-9954-DE0E7C20DE35}" type="datetimeFigureOut">
               <a:rPr lang="en-GB" smtClean="0"/>
-              <a:t>02/09/2018</a:t>
+              <a:t>27/09/2018</a:t>
             </a:fld>
             <a:endParaRPr lang="en-GB"/>
           </a:p>
@@ -4411,7 +4414,7 @@
           <a:p>
             <a:fld id="{DCF44842-C67C-4636-9E1A-F6AFB380A03B}" type="datetimeFigureOut">
               <a:rPr lang="he-IL" smtClean="0"/>
-              <a:t>כ"ג/אלול/תשע"ח</a:t>
+              <a:t>י"ח/תשרי/תשע"ט</a:t>
             </a:fld>
             <a:endParaRPr lang="he-IL"/>
           </a:p>
@@ -4611,7 +4614,7 @@
           <a:p>
             <a:fld id="{DCF44842-C67C-4636-9E1A-F6AFB380A03B}" type="datetimeFigureOut">
               <a:rPr lang="he-IL" smtClean="0"/>
-              <a:t>כ"ג/אלול/תשע"ח</a:t>
+              <a:t>י"ח/תשרי/תשע"ט</a:t>
             </a:fld>
             <a:endParaRPr lang="he-IL"/>
           </a:p>
@@ -4821,7 +4824,7 @@
           <a:p>
             <a:fld id="{DCF44842-C67C-4636-9E1A-F6AFB380A03B}" type="datetimeFigureOut">
               <a:rPr lang="he-IL" smtClean="0"/>
-              <a:t>כ"ג/אלול/תשע"ח</a:t>
+              <a:t>י"ח/תשרי/תשע"ט</a:t>
             </a:fld>
             <a:endParaRPr lang="he-IL"/>
           </a:p>
@@ -5097,7 +5100,7 @@
           <a:p>
             <a:fld id="{B1AF5A66-0B22-4445-9954-DE0E7C20DE35}" type="datetimeFigureOut">
               <a:rPr lang="en-GB" smtClean="0"/>
-              <a:t>02/09/2018</a:t>
+              <a:t>27/09/2018</a:t>
             </a:fld>
             <a:endParaRPr lang="en-GB"/>
           </a:p>
@@ -5365,7 +5368,7 @@
           <a:p>
             <a:fld id="{B1AF5A66-0B22-4445-9954-DE0E7C20DE35}" type="datetimeFigureOut">
               <a:rPr lang="en-GB" smtClean="0"/>
-              <a:t>02/09/2018</a:t>
+              <a:t>27/09/2018</a:t>
             </a:fld>
             <a:endParaRPr lang="en-GB"/>
           </a:p>
@@ -5780,7 +5783,7 @@
           <a:p>
             <a:fld id="{B1AF5A66-0B22-4445-9954-DE0E7C20DE35}" type="datetimeFigureOut">
               <a:rPr lang="en-GB" smtClean="0"/>
-              <a:t>02/09/2018</a:t>
+              <a:t>27/09/2018</a:t>
             </a:fld>
             <a:endParaRPr lang="en-GB"/>
           </a:p>
@@ -5922,7 +5925,7 @@
           <a:p>
             <a:fld id="{B1AF5A66-0B22-4445-9954-DE0E7C20DE35}" type="datetimeFigureOut">
               <a:rPr lang="en-GB" smtClean="0"/>
-              <a:t>02/09/2018</a:t>
+              <a:t>27/09/2018</a:t>
             </a:fld>
             <a:endParaRPr lang="en-GB"/>
           </a:p>
@@ -6035,7 +6038,7 @@
           <a:p>
             <a:fld id="{B1AF5A66-0B22-4445-9954-DE0E7C20DE35}" type="datetimeFigureOut">
               <a:rPr lang="en-GB" smtClean="0"/>
-              <a:t>02/09/2018</a:t>
+              <a:t>27/09/2018</a:t>
             </a:fld>
             <a:endParaRPr lang="en-GB"/>
           </a:p>
@@ -6348,7 +6351,7 @@
           <a:p>
             <a:fld id="{B1AF5A66-0B22-4445-9954-DE0E7C20DE35}" type="datetimeFigureOut">
               <a:rPr lang="en-GB" smtClean="0"/>
-              <a:t>02/09/2018</a:t>
+              <a:t>27/09/2018</a:t>
             </a:fld>
             <a:endParaRPr lang="en-GB"/>
           </a:p>
@@ -6637,7 +6640,7 @@
           <a:p>
             <a:fld id="{B1AF5A66-0B22-4445-9954-DE0E7C20DE35}" type="datetimeFigureOut">
               <a:rPr lang="en-GB" smtClean="0"/>
-              <a:t>02/09/2018</a:t>
+              <a:t>27/09/2018</a:t>
             </a:fld>
             <a:endParaRPr lang="en-GB"/>
           </a:p>
@@ -6880,7 +6883,7 @@
           <a:p>
             <a:fld id="{B1AF5A66-0B22-4445-9954-DE0E7C20DE35}" type="datetimeFigureOut">
               <a:rPr lang="en-GB" smtClean="0"/>
-              <a:t>02/09/2018</a:t>
+              <a:t>27/09/2018</a:t>
             </a:fld>
             <a:endParaRPr lang="en-GB"/>
           </a:p>
@@ -7450,7 +7453,7 @@
           <a:p>
             <a:fld id="{DCF44842-C67C-4636-9E1A-F6AFB380A03B}" type="datetimeFigureOut">
               <a:rPr lang="he-IL" smtClean="0"/>
-              <a:t>כ"ג/אלול/תשע"ח</a:t>
+              <a:t>י"ח/תשרי/תשע"ט</a:t>
             </a:fld>
             <a:endParaRPr lang="he-IL"/>
           </a:p>
@@ -7869,10 +7872,79 @@
       </p:grpSpPr>
       <p:pic>
         <p:nvPicPr>
+          <p:cNvPr id="4" name="Picture 3">
+            <a:extLst>
+              <a:ext uri="{FF2B5EF4-FFF2-40B4-BE49-F238E27FC236}">
+                <a16:creationId xmlns:a16="http://schemas.microsoft.com/office/drawing/2014/main" id="{B30BC2E7-FB4A-4B85-9371-00F3490C860E}"/>
+              </a:ext>
+            </a:extLst>
+          </p:cNvPr>
+          <p:cNvPicPr>
+            <a:picLocks noChangeAspect="1"/>
+          </p:cNvPicPr>
+          <p:nvPr/>
+        </p:nvPicPr>
+        <p:blipFill rotWithShape="1">
+          <a:blip r:embed="rId2"/>
+          <a:srcRect l="2305"/>
+          <a:stretch/>
+        </p:blipFill>
+        <p:spPr>
+          <a:xfrm>
+            <a:off x="663546" y="814317"/>
+            <a:ext cx="8917423" cy="3876516"/>
+          </a:xfrm>
+          <a:prstGeom prst="rect">
+            <a:avLst/>
+          </a:prstGeom>
+          <a:ln>
+            <a:noFill/>
+          </a:ln>
+          <a:effectLst>
+            <a:outerShdw blurRad="190500" algn="tl" rotWithShape="0">
+              <a:srgbClr val="000000">
+                <a:alpha val="70000"/>
+              </a:srgbClr>
+            </a:outerShdw>
+          </a:effectLst>
+        </p:spPr>
+      </p:pic>
+    </p:spTree>
+    <p:extLst>
+      <p:ext uri="{BB962C8B-B14F-4D97-AF65-F5344CB8AC3E}">
+        <p14:creationId xmlns:p14="http://schemas.microsoft.com/office/powerpoint/2010/main" val="2503459451"/>
+      </p:ext>
+    </p:extLst>
+  </p:cSld>
+  <p:clrMapOvr>
+    <a:masterClrMapping/>
+  </p:clrMapOvr>
+</p:sld>
+</file>
+
+<file path=ppt/slides/slide10.xml><?xml version="1.0" encoding="utf-8"?>
+<p:sld xmlns:a="http://schemas.openxmlformats.org/drawingml/2006/main" xmlns:r="http://schemas.openxmlformats.org/officeDocument/2006/relationships" xmlns:p="http://schemas.openxmlformats.org/presentationml/2006/main">
+  <p:cSld>
+    <p:spTree>
+      <p:nvGrpSpPr>
+        <p:cNvPr id="1" name=""/>
+        <p:cNvGrpSpPr/>
+        <p:nvPr/>
+      </p:nvGrpSpPr>
+      <p:grpSpPr>
+        <a:xfrm>
+          <a:off x="0" y="0"/>
+          <a:ext cx="0" cy="0"/>
+          <a:chOff x="0" y="0"/>
+          <a:chExt cx="0" cy="0"/>
+        </a:xfrm>
+      </p:grpSpPr>
+      <p:pic>
+        <p:nvPicPr>
           <p:cNvPr id="2" name="Picture 1">
             <a:extLst>
               <a:ext uri="{FF2B5EF4-FFF2-40B4-BE49-F238E27FC236}">
-                <a16:creationId xmlns:a16="http://schemas.microsoft.com/office/drawing/2014/main" id="{7B4E9891-4BA9-449E-AC9F-9C1E34A3176C}"/>
+                <a16:creationId xmlns:a16="http://schemas.microsoft.com/office/drawing/2014/main" id="{0A1C8CAC-9F95-4B48-814A-790CA571AD5E}"/>
               </a:ext>
             </a:extLst>
           </p:cNvPr>
@@ -7889,8 +7961,157 @@
         </p:blipFill>
         <p:spPr>
           <a:xfrm>
-            <a:off x="0" y="565036"/>
-            <a:ext cx="12192000" cy="4477626"/>
+            <a:off x="709612" y="633412"/>
+            <a:ext cx="2276475" cy="676275"/>
+          </a:xfrm>
+          <a:prstGeom prst="rect">
+            <a:avLst/>
+          </a:prstGeom>
+          <a:ln>
+            <a:noFill/>
+          </a:ln>
+          <a:effectLst>
+            <a:outerShdw blurRad="190500" algn="tl" rotWithShape="0">
+              <a:srgbClr val="000000">
+                <a:alpha val="70000"/>
+              </a:srgbClr>
+            </a:outerShdw>
+          </a:effectLst>
+        </p:spPr>
+      </p:pic>
+      <p:pic>
+        <p:nvPicPr>
+          <p:cNvPr id="3" name="Picture 2">
+            <a:extLst>
+              <a:ext uri="{FF2B5EF4-FFF2-40B4-BE49-F238E27FC236}">
+                <a16:creationId xmlns:a16="http://schemas.microsoft.com/office/drawing/2014/main" id="{33EDA5F0-E126-4B81-BB6E-D16611F555A2}"/>
+              </a:ext>
+            </a:extLst>
+          </p:cNvPr>
+          <p:cNvPicPr>
+            <a:picLocks noChangeAspect="1"/>
+          </p:cNvPicPr>
+          <p:nvPr/>
+        </p:nvPicPr>
+        <p:blipFill>
+          <a:blip r:embed="rId3"/>
+          <a:stretch>
+            <a:fillRect/>
+          </a:stretch>
+        </p:blipFill>
+        <p:spPr>
+          <a:xfrm>
+            <a:off x="709612" y="4786312"/>
+            <a:ext cx="2686050" cy="666750"/>
+          </a:xfrm>
+          <a:prstGeom prst="rect">
+            <a:avLst/>
+          </a:prstGeom>
+          <a:ln>
+            <a:noFill/>
+          </a:ln>
+          <a:effectLst>
+            <a:outerShdw blurRad="190500" algn="tl" rotWithShape="0">
+              <a:srgbClr val="000000">
+                <a:alpha val="70000"/>
+              </a:srgbClr>
+            </a:outerShdw>
+          </a:effectLst>
+        </p:spPr>
+      </p:pic>
+      <p:pic>
+        <p:nvPicPr>
+          <p:cNvPr id="4" name="Picture 3">
+            <a:extLst>
+              <a:ext uri="{FF2B5EF4-FFF2-40B4-BE49-F238E27FC236}">
+                <a16:creationId xmlns:a16="http://schemas.microsoft.com/office/drawing/2014/main" id="{0D719D84-B151-474F-BD49-1ADE60513A01}"/>
+              </a:ext>
+            </a:extLst>
+          </p:cNvPr>
+          <p:cNvPicPr>
+            <a:picLocks noChangeAspect="1"/>
+          </p:cNvPicPr>
+          <p:nvPr/>
+        </p:nvPicPr>
+        <p:blipFill>
+          <a:blip r:embed="rId4"/>
+          <a:stretch>
+            <a:fillRect/>
+          </a:stretch>
+        </p:blipFill>
+        <p:spPr>
+          <a:xfrm>
+            <a:off x="709612" y="1814512"/>
+            <a:ext cx="6677025" cy="2466975"/>
+          </a:xfrm>
+          <a:prstGeom prst="rect">
+            <a:avLst/>
+          </a:prstGeom>
+          <a:ln>
+            <a:noFill/>
+          </a:ln>
+          <a:effectLst>
+            <a:outerShdw blurRad="190500" algn="tl" rotWithShape="0">
+              <a:srgbClr val="000000">
+                <a:alpha val="70000"/>
+              </a:srgbClr>
+            </a:outerShdw>
+          </a:effectLst>
+        </p:spPr>
+      </p:pic>
+    </p:spTree>
+    <p:extLst>
+      <p:ext uri="{BB962C8B-B14F-4D97-AF65-F5344CB8AC3E}">
+        <p14:creationId xmlns:p14="http://schemas.microsoft.com/office/powerpoint/2010/main" val="738038341"/>
+      </p:ext>
+    </p:extLst>
+  </p:cSld>
+  <p:clrMapOvr>
+    <a:masterClrMapping/>
+  </p:clrMapOvr>
+</p:sld>
+</file>
+
+<file path=ppt/slides/slide11.xml><?xml version="1.0" encoding="utf-8"?>
+<p:sld xmlns:a="http://schemas.openxmlformats.org/drawingml/2006/main" xmlns:r="http://schemas.openxmlformats.org/officeDocument/2006/relationships" xmlns:p="http://schemas.openxmlformats.org/presentationml/2006/main">
+  <p:cSld>
+    <p:spTree>
+      <p:nvGrpSpPr>
+        <p:cNvPr id="1" name=""/>
+        <p:cNvGrpSpPr/>
+        <p:nvPr/>
+      </p:nvGrpSpPr>
+      <p:grpSpPr>
+        <a:xfrm>
+          <a:off x="0" y="0"/>
+          <a:ext cx="0" cy="0"/>
+          <a:chOff x="0" y="0"/>
+          <a:chExt cx="0" cy="0"/>
+        </a:xfrm>
+      </p:grpSpPr>
+      <p:pic>
+        <p:nvPicPr>
+          <p:cNvPr id="3" name="Picture 2">
+            <a:extLst>
+              <a:ext uri="{FF2B5EF4-FFF2-40B4-BE49-F238E27FC236}">
+                <a16:creationId xmlns:a16="http://schemas.microsoft.com/office/drawing/2014/main" id="{914CF819-BF4C-420E-B9BB-C0E102B697BC}"/>
+              </a:ext>
+            </a:extLst>
+          </p:cNvPr>
+          <p:cNvPicPr>
+            <a:picLocks noChangeAspect="1"/>
+          </p:cNvPicPr>
+          <p:nvPr/>
+        </p:nvPicPr>
+        <p:blipFill rotWithShape="1">
+          <a:blip r:embed="rId2"/>
+          <a:srcRect t="755"/>
+          <a:stretch/>
+        </p:blipFill>
+        <p:spPr>
+          <a:xfrm>
+            <a:off x="0" y="495299"/>
+            <a:ext cx="12192000" cy="5912389"/>
           </a:xfrm>
           <a:prstGeom prst="rect">
             <a:avLst/>
@@ -7909,10 +8130,10 @@
       </p:pic>
       <p:sp>
         <p:nvSpPr>
-          <p:cNvPr id="3" name="Rectangle: Rounded Corners 2">
-            <a:extLst>
-              <a:ext uri="{FF2B5EF4-FFF2-40B4-BE49-F238E27FC236}">
-                <a16:creationId xmlns:a16="http://schemas.microsoft.com/office/drawing/2014/main" id="{CD7B379B-6E2C-4976-8D26-DAC99BD19405}"/>
+          <p:cNvPr id="8" name="Rectangle: Rounded Corners 7">
+            <a:extLst>
+              <a:ext uri="{FF2B5EF4-FFF2-40B4-BE49-F238E27FC236}">
+                <a16:creationId xmlns:a16="http://schemas.microsoft.com/office/drawing/2014/main" id="{C44F1B61-BF65-4186-A198-2DB3A0DDA01B}"/>
               </a:ext>
             </a:extLst>
           </p:cNvPr>
@@ -7921,8 +8142,954 @@
         </p:nvSpPr>
         <p:spPr>
           <a:xfrm>
-            <a:off x="-1695" y="928905"/>
-            <a:ext cx="1494985" cy="2700703"/>
+            <a:off x="1612900" y="495299"/>
+            <a:ext cx="10156270" cy="1181102"/>
+          </a:xfrm>
+          <a:prstGeom prst="roundRect">
+            <a:avLst/>
+          </a:prstGeom>
+          <a:noFill/>
+          <a:ln w="57150">
+            <a:solidFill>
+              <a:srgbClr val="7030A0"/>
+            </a:solidFill>
+          </a:ln>
+          <a:effectLst>
+            <a:outerShdw blurRad="50800" dist="38100" dir="2700000" algn="tl" rotWithShape="0">
+              <a:prstClr val="black">
+                <a:alpha val="40000"/>
+              </a:prstClr>
+            </a:outerShdw>
+          </a:effectLst>
+          <a:scene3d>
+            <a:camera prst="orthographicFront"/>
+            <a:lightRig rig="threePt" dir="t"/>
+          </a:scene3d>
+          <a:sp3d>
+            <a:bevelT/>
+          </a:sp3d>
+        </p:spPr>
+        <p:style>
+          <a:lnRef idx="1">
+            <a:schemeClr val="accent4"/>
+          </a:lnRef>
+          <a:fillRef idx="3">
+            <a:schemeClr val="accent4"/>
+          </a:fillRef>
+          <a:effectRef idx="2">
+            <a:schemeClr val="accent4"/>
+          </a:effectRef>
+          <a:fontRef idx="minor">
+            <a:schemeClr val="lt1"/>
+          </a:fontRef>
+        </p:style>
+        <p:txBody>
+          <a:bodyPr rtlCol="0" anchor="ctr"/>
+          <a:lstStyle/>
+          <a:p>
+            <a:pPr algn="ctr"/>
+            <a:endParaRPr lang="en-GB"/>
+          </a:p>
+        </p:txBody>
+      </p:sp>
+      <p:sp>
+        <p:nvSpPr>
+          <p:cNvPr id="12" name="Rectangle: Rounded Corners 11">
+            <a:extLst>
+              <a:ext uri="{FF2B5EF4-FFF2-40B4-BE49-F238E27FC236}">
+                <a16:creationId xmlns:a16="http://schemas.microsoft.com/office/drawing/2014/main" id="{7889CDE5-472A-4A2A-817D-D70048AAE591}"/>
+              </a:ext>
+            </a:extLst>
+          </p:cNvPr>
+          <p:cNvSpPr/>
+          <p:nvPr/>
+        </p:nvSpPr>
+        <p:spPr>
+          <a:xfrm>
+            <a:off x="6458321" y="584199"/>
+            <a:ext cx="1345457" cy="325017"/>
+          </a:xfrm>
+          <a:prstGeom prst="roundRect">
+            <a:avLst/>
+          </a:prstGeom>
+          <a:solidFill>
+            <a:srgbClr val="4F2270"/>
+          </a:solidFill>
+          <a:ln>
+            <a:noFill/>
+          </a:ln>
+          <a:effectLst>
+            <a:outerShdw blurRad="50800" dist="38100" dir="2700000" algn="tl" rotWithShape="0">
+              <a:prstClr val="black">
+                <a:alpha val="40000"/>
+              </a:prstClr>
+            </a:outerShdw>
+          </a:effectLst>
+          <a:scene3d>
+            <a:camera prst="orthographicFront">
+              <a:rot lat="0" lon="0" rev="0"/>
+            </a:camera>
+            <a:lightRig rig="contrasting" dir="t">
+              <a:rot lat="0" lon="0" rev="1500000"/>
+            </a:lightRig>
+          </a:scene3d>
+          <a:sp3d prstMaterial="metal">
+            <a:bevelT w="88900" h="88900"/>
+          </a:sp3d>
+        </p:spPr>
+        <p:style>
+          <a:lnRef idx="0">
+            <a:schemeClr val="accent1"/>
+          </a:lnRef>
+          <a:fillRef idx="3">
+            <a:schemeClr val="accent1"/>
+          </a:fillRef>
+          <a:effectRef idx="3">
+            <a:schemeClr val="accent1"/>
+          </a:effectRef>
+          <a:fontRef idx="minor">
+            <a:schemeClr val="lt1"/>
+          </a:fontRef>
+        </p:style>
+        <p:txBody>
+          <a:bodyPr rtlCol="0" anchor="ctr"/>
+          <a:lstStyle/>
+          <a:p>
+            <a:pPr algn="ctr"/>
+            <a:r>
+              <a:rPr lang="en-US" sz="1600" dirty="0">
+                <a:latin typeface="Segoe Print" panose="02000600000000000000" pitchFamily="2" charset="0"/>
+              </a:rPr>
+              <a:t>Statistics</a:t>
+            </a:r>
+            <a:endParaRPr lang="en-GB" sz="1600" dirty="0">
+              <a:latin typeface="Segoe Print" panose="02000600000000000000" pitchFamily="2" charset="0"/>
+            </a:endParaRPr>
+          </a:p>
+        </p:txBody>
+      </p:sp>
+      <p:sp>
+        <p:nvSpPr>
+          <p:cNvPr id="13" name="Rectangle: Rounded Corners 12">
+            <a:extLst>
+              <a:ext uri="{FF2B5EF4-FFF2-40B4-BE49-F238E27FC236}">
+                <a16:creationId xmlns:a16="http://schemas.microsoft.com/office/drawing/2014/main" id="{CB1B280E-5E03-4CDD-BED6-F98586DF1E5D}"/>
+              </a:ext>
+            </a:extLst>
+          </p:cNvPr>
+          <p:cNvSpPr/>
+          <p:nvPr/>
+        </p:nvSpPr>
+        <p:spPr>
+          <a:xfrm>
+            <a:off x="1524000" y="1848387"/>
+            <a:ext cx="4394200" cy="4514314"/>
+          </a:xfrm>
+          <a:prstGeom prst="roundRect">
+            <a:avLst/>
+          </a:prstGeom>
+          <a:noFill/>
+          <a:ln w="57150">
+            <a:solidFill>
+              <a:srgbClr val="893BC3"/>
+            </a:solidFill>
+          </a:ln>
+          <a:effectLst>
+            <a:outerShdw blurRad="50800" dist="38100" dir="2700000" algn="tl" rotWithShape="0">
+              <a:prstClr val="black">
+                <a:alpha val="40000"/>
+              </a:prstClr>
+            </a:outerShdw>
+          </a:effectLst>
+          <a:scene3d>
+            <a:camera prst="orthographicFront"/>
+            <a:lightRig rig="threePt" dir="t"/>
+          </a:scene3d>
+          <a:sp3d>
+            <a:bevelT/>
+          </a:sp3d>
+        </p:spPr>
+        <p:style>
+          <a:lnRef idx="1">
+            <a:schemeClr val="accent4"/>
+          </a:lnRef>
+          <a:fillRef idx="3">
+            <a:schemeClr val="accent4"/>
+          </a:fillRef>
+          <a:effectRef idx="2">
+            <a:schemeClr val="accent4"/>
+          </a:effectRef>
+          <a:fontRef idx="minor">
+            <a:schemeClr val="lt1"/>
+          </a:fontRef>
+        </p:style>
+        <p:txBody>
+          <a:bodyPr rtlCol="0" anchor="ctr"/>
+          <a:lstStyle/>
+          <a:p>
+            <a:pPr algn="ctr"/>
+            <a:endParaRPr lang="en-GB"/>
+          </a:p>
+        </p:txBody>
+      </p:sp>
+      <p:sp>
+        <p:nvSpPr>
+          <p:cNvPr id="14" name="Rectangle: Rounded Corners 13">
+            <a:extLst>
+              <a:ext uri="{FF2B5EF4-FFF2-40B4-BE49-F238E27FC236}">
+                <a16:creationId xmlns:a16="http://schemas.microsoft.com/office/drawing/2014/main" id="{09A8639F-CD60-4A34-B3CE-6A2396BE1B63}"/>
+              </a:ext>
+            </a:extLst>
+          </p:cNvPr>
+          <p:cNvSpPr/>
+          <p:nvPr/>
+        </p:nvSpPr>
+        <p:spPr>
+          <a:xfrm>
+            <a:off x="2401900" y="5897671"/>
+            <a:ext cx="2232000" cy="325017"/>
+          </a:xfrm>
+          <a:prstGeom prst="roundRect">
+            <a:avLst/>
+          </a:prstGeom>
+          <a:solidFill>
+            <a:srgbClr val="4F2270"/>
+          </a:solidFill>
+          <a:ln>
+            <a:noFill/>
+          </a:ln>
+          <a:effectLst>
+            <a:outerShdw blurRad="50800" dist="38100" dir="2700000" algn="tl" rotWithShape="0">
+              <a:prstClr val="black">
+                <a:alpha val="40000"/>
+              </a:prstClr>
+            </a:outerShdw>
+          </a:effectLst>
+          <a:scene3d>
+            <a:camera prst="orthographicFront">
+              <a:rot lat="0" lon="0" rev="0"/>
+            </a:camera>
+            <a:lightRig rig="contrasting" dir="t">
+              <a:rot lat="0" lon="0" rev="1500000"/>
+            </a:lightRig>
+          </a:scene3d>
+          <a:sp3d prstMaterial="metal">
+            <a:bevelT w="88900" h="88900"/>
+          </a:sp3d>
+        </p:spPr>
+        <p:style>
+          <a:lnRef idx="0">
+            <a:schemeClr val="accent1"/>
+          </a:lnRef>
+          <a:fillRef idx="3">
+            <a:schemeClr val="accent1"/>
+          </a:fillRef>
+          <a:effectRef idx="3">
+            <a:schemeClr val="accent1"/>
+          </a:effectRef>
+          <a:fontRef idx="minor">
+            <a:schemeClr val="lt1"/>
+          </a:fontRef>
+        </p:style>
+        <p:txBody>
+          <a:bodyPr rtlCol="0" anchor="ctr"/>
+          <a:lstStyle/>
+          <a:p>
+            <a:pPr algn="ctr"/>
+            <a:r>
+              <a:rPr lang="en-US" sz="1600" dirty="0">
+                <a:latin typeface="Segoe Print" panose="02000600000000000000" pitchFamily="2" charset="0"/>
+              </a:rPr>
+              <a:t>Manual renaming</a:t>
+            </a:r>
+            <a:endParaRPr lang="en-GB" sz="1600" dirty="0">
+              <a:latin typeface="Segoe Print" panose="02000600000000000000" pitchFamily="2" charset="0"/>
+            </a:endParaRPr>
+          </a:p>
+        </p:txBody>
+      </p:sp>
+      <p:sp>
+        <p:nvSpPr>
+          <p:cNvPr id="15" name="Rectangle: Rounded Corners 14">
+            <a:extLst>
+              <a:ext uri="{FF2B5EF4-FFF2-40B4-BE49-F238E27FC236}">
+                <a16:creationId xmlns:a16="http://schemas.microsoft.com/office/drawing/2014/main" id="{541746EC-6A7A-4643-991C-8E050054D738}"/>
+              </a:ext>
+            </a:extLst>
+          </p:cNvPr>
+          <p:cNvSpPr/>
+          <p:nvPr/>
+        </p:nvSpPr>
+        <p:spPr>
+          <a:xfrm>
+            <a:off x="6096000" y="1848387"/>
+            <a:ext cx="5673170" cy="1136115"/>
+          </a:xfrm>
+          <a:prstGeom prst="roundRect">
+            <a:avLst/>
+          </a:prstGeom>
+          <a:noFill/>
+          <a:ln w="57150">
+            <a:solidFill>
+              <a:srgbClr val="7030A0"/>
+            </a:solidFill>
+          </a:ln>
+          <a:effectLst>
+            <a:outerShdw blurRad="50800" dist="38100" dir="2700000" algn="tl" rotWithShape="0">
+              <a:prstClr val="black">
+                <a:alpha val="40000"/>
+              </a:prstClr>
+            </a:outerShdw>
+          </a:effectLst>
+          <a:scene3d>
+            <a:camera prst="orthographicFront"/>
+            <a:lightRig rig="threePt" dir="t"/>
+          </a:scene3d>
+          <a:sp3d>
+            <a:bevelT/>
+          </a:sp3d>
+        </p:spPr>
+        <p:style>
+          <a:lnRef idx="1">
+            <a:schemeClr val="accent4"/>
+          </a:lnRef>
+          <a:fillRef idx="3">
+            <a:schemeClr val="accent4"/>
+          </a:fillRef>
+          <a:effectRef idx="2">
+            <a:schemeClr val="accent4"/>
+          </a:effectRef>
+          <a:fontRef idx="minor">
+            <a:schemeClr val="lt1"/>
+          </a:fontRef>
+        </p:style>
+        <p:txBody>
+          <a:bodyPr rtlCol="0" anchor="ctr"/>
+          <a:lstStyle/>
+          <a:p>
+            <a:pPr algn="ctr"/>
+            <a:endParaRPr lang="en-GB"/>
+          </a:p>
+        </p:txBody>
+      </p:sp>
+      <p:sp>
+        <p:nvSpPr>
+          <p:cNvPr id="16" name="Rectangle: Rounded Corners 15">
+            <a:extLst>
+              <a:ext uri="{FF2B5EF4-FFF2-40B4-BE49-F238E27FC236}">
+                <a16:creationId xmlns:a16="http://schemas.microsoft.com/office/drawing/2014/main" id="{79FEA730-23BC-48A1-BDFE-50B6C40E90D0}"/>
+              </a:ext>
+            </a:extLst>
+          </p:cNvPr>
+          <p:cNvSpPr/>
+          <p:nvPr/>
+        </p:nvSpPr>
+        <p:spPr>
+          <a:xfrm>
+            <a:off x="8267700" y="2535077"/>
+            <a:ext cx="2232000" cy="325017"/>
+          </a:xfrm>
+          <a:prstGeom prst="roundRect">
+            <a:avLst/>
+          </a:prstGeom>
+          <a:solidFill>
+            <a:srgbClr val="4F2270"/>
+          </a:solidFill>
+          <a:ln>
+            <a:noFill/>
+          </a:ln>
+          <a:effectLst>
+            <a:outerShdw blurRad="50800" dist="38100" dir="2700000" algn="tl" rotWithShape="0">
+              <a:prstClr val="black">
+                <a:alpha val="40000"/>
+              </a:prstClr>
+            </a:outerShdw>
+          </a:effectLst>
+          <a:scene3d>
+            <a:camera prst="orthographicFront">
+              <a:rot lat="0" lon="0" rev="0"/>
+            </a:camera>
+            <a:lightRig rig="contrasting" dir="t">
+              <a:rot lat="0" lon="0" rev="1500000"/>
+            </a:lightRig>
+          </a:scene3d>
+          <a:sp3d prstMaterial="metal">
+            <a:bevelT w="88900" h="88900"/>
+          </a:sp3d>
+        </p:spPr>
+        <p:style>
+          <a:lnRef idx="0">
+            <a:schemeClr val="accent1"/>
+          </a:lnRef>
+          <a:fillRef idx="3">
+            <a:schemeClr val="accent1"/>
+          </a:fillRef>
+          <a:effectRef idx="3">
+            <a:schemeClr val="accent1"/>
+          </a:effectRef>
+          <a:fontRef idx="minor">
+            <a:schemeClr val="lt1"/>
+          </a:fontRef>
+        </p:style>
+        <p:txBody>
+          <a:bodyPr rtlCol="0" anchor="ctr"/>
+          <a:lstStyle/>
+          <a:p>
+            <a:pPr algn="ctr"/>
+            <a:r>
+              <a:rPr lang="en-US" sz="1600" dirty="0">
+                <a:latin typeface="Segoe Print" panose="02000600000000000000" pitchFamily="2" charset="0"/>
+              </a:rPr>
+              <a:t>Action buttons</a:t>
+            </a:r>
+            <a:endParaRPr lang="en-GB" sz="1600" dirty="0">
+              <a:latin typeface="Segoe Print" panose="02000600000000000000" pitchFamily="2" charset="0"/>
+            </a:endParaRPr>
+          </a:p>
+        </p:txBody>
+      </p:sp>
+      <p:sp>
+        <p:nvSpPr>
+          <p:cNvPr id="17" name="Rectangle: Rounded Corners 16">
+            <a:extLst>
+              <a:ext uri="{FF2B5EF4-FFF2-40B4-BE49-F238E27FC236}">
+                <a16:creationId xmlns:a16="http://schemas.microsoft.com/office/drawing/2014/main" id="{4C166B73-D4E0-4772-8B39-1B28424B2D79}"/>
+              </a:ext>
+            </a:extLst>
+          </p:cNvPr>
+          <p:cNvSpPr/>
+          <p:nvPr/>
+        </p:nvSpPr>
+        <p:spPr>
+          <a:xfrm>
+            <a:off x="6282439" y="5897671"/>
+            <a:ext cx="1528390" cy="325017"/>
+          </a:xfrm>
+          <a:prstGeom prst="roundRect">
+            <a:avLst/>
+          </a:prstGeom>
+          <a:solidFill>
+            <a:srgbClr val="4F2270"/>
+          </a:solidFill>
+          <a:ln>
+            <a:noFill/>
+          </a:ln>
+          <a:effectLst>
+            <a:outerShdw blurRad="50800" dist="38100" dir="2700000" algn="tl" rotWithShape="0">
+              <a:prstClr val="black">
+                <a:alpha val="40000"/>
+              </a:prstClr>
+            </a:outerShdw>
+          </a:effectLst>
+          <a:scene3d>
+            <a:camera prst="orthographicFront">
+              <a:rot lat="0" lon="0" rev="0"/>
+            </a:camera>
+            <a:lightRig rig="contrasting" dir="t">
+              <a:rot lat="0" lon="0" rev="1500000"/>
+            </a:lightRig>
+          </a:scene3d>
+          <a:sp3d prstMaterial="metal">
+            <a:bevelT w="88900" h="88900"/>
+          </a:sp3d>
+        </p:spPr>
+        <p:style>
+          <a:lnRef idx="0">
+            <a:schemeClr val="accent1"/>
+          </a:lnRef>
+          <a:fillRef idx="3">
+            <a:schemeClr val="accent1"/>
+          </a:fillRef>
+          <a:effectRef idx="3">
+            <a:schemeClr val="accent1"/>
+          </a:effectRef>
+          <a:fontRef idx="minor">
+            <a:schemeClr val="lt1"/>
+          </a:fontRef>
+        </p:style>
+        <p:txBody>
+          <a:bodyPr rtlCol="0" anchor="ctr"/>
+          <a:lstStyle/>
+          <a:p>
+            <a:pPr algn="ctr"/>
+            <a:r>
+              <a:rPr lang="en-US" sz="1600" dirty="0">
+                <a:latin typeface="Segoe Print" panose="02000600000000000000" pitchFamily="2" charset="0"/>
+              </a:rPr>
+              <a:t>Darwinized</a:t>
+            </a:r>
+            <a:endParaRPr lang="en-GB" sz="1600" dirty="0">
+              <a:latin typeface="Segoe Print" panose="02000600000000000000" pitchFamily="2" charset="0"/>
+            </a:endParaRPr>
+          </a:p>
+        </p:txBody>
+      </p:sp>
+      <p:sp>
+        <p:nvSpPr>
+          <p:cNvPr id="18" name="Rectangle: Rounded Corners 17">
+            <a:extLst>
+              <a:ext uri="{FF2B5EF4-FFF2-40B4-BE49-F238E27FC236}">
+                <a16:creationId xmlns:a16="http://schemas.microsoft.com/office/drawing/2014/main" id="{29537D68-C8D4-4F02-BF6C-EB3C94A6926E}"/>
+              </a:ext>
+            </a:extLst>
+          </p:cNvPr>
+          <p:cNvSpPr/>
+          <p:nvPr/>
+        </p:nvSpPr>
+        <p:spPr>
+          <a:xfrm>
+            <a:off x="9953069" y="3198516"/>
+            <a:ext cx="1816101" cy="3164185"/>
+          </a:xfrm>
+          <a:prstGeom prst="roundRect">
+            <a:avLst/>
+          </a:prstGeom>
+          <a:noFill/>
+          <a:ln w="57150">
+            <a:solidFill>
+              <a:srgbClr val="7030A0"/>
+            </a:solidFill>
+          </a:ln>
+          <a:effectLst>
+            <a:outerShdw blurRad="50800" dist="38100" dir="2700000" algn="tl" rotWithShape="0">
+              <a:prstClr val="black">
+                <a:alpha val="40000"/>
+              </a:prstClr>
+            </a:outerShdw>
+          </a:effectLst>
+          <a:scene3d>
+            <a:camera prst="orthographicFront"/>
+            <a:lightRig rig="threePt" dir="t"/>
+          </a:scene3d>
+          <a:sp3d>
+            <a:bevelT/>
+          </a:sp3d>
+        </p:spPr>
+        <p:style>
+          <a:lnRef idx="1">
+            <a:schemeClr val="accent4"/>
+          </a:lnRef>
+          <a:fillRef idx="3">
+            <a:schemeClr val="accent4"/>
+          </a:fillRef>
+          <a:effectRef idx="2">
+            <a:schemeClr val="accent4"/>
+          </a:effectRef>
+          <a:fontRef idx="minor">
+            <a:schemeClr val="lt1"/>
+          </a:fontRef>
+        </p:style>
+        <p:txBody>
+          <a:bodyPr rtlCol="0" anchor="ctr"/>
+          <a:lstStyle/>
+          <a:p>
+            <a:pPr algn="ctr"/>
+            <a:endParaRPr lang="en-GB"/>
+          </a:p>
+        </p:txBody>
+      </p:sp>
+      <p:sp>
+        <p:nvSpPr>
+          <p:cNvPr id="19" name="Rectangle: Rounded Corners 18">
+            <a:extLst>
+              <a:ext uri="{FF2B5EF4-FFF2-40B4-BE49-F238E27FC236}">
+                <a16:creationId xmlns:a16="http://schemas.microsoft.com/office/drawing/2014/main" id="{08C96C67-24E5-489B-AC60-D67A73A90BEE}"/>
+              </a:ext>
+            </a:extLst>
+          </p:cNvPr>
+          <p:cNvSpPr/>
+          <p:nvPr/>
+        </p:nvSpPr>
+        <p:spPr>
+          <a:xfrm>
+            <a:off x="6138584" y="3198516"/>
+            <a:ext cx="1816100" cy="3164185"/>
+          </a:xfrm>
+          <a:prstGeom prst="roundRect">
+            <a:avLst/>
+          </a:prstGeom>
+          <a:noFill/>
+          <a:ln w="57150">
+            <a:solidFill>
+              <a:srgbClr val="7030A0"/>
+            </a:solidFill>
+          </a:ln>
+          <a:effectLst>
+            <a:outerShdw blurRad="50800" dist="38100" dir="2700000" algn="tl" rotWithShape="0">
+              <a:prstClr val="black">
+                <a:alpha val="40000"/>
+              </a:prstClr>
+            </a:outerShdw>
+          </a:effectLst>
+          <a:scene3d>
+            <a:camera prst="orthographicFront"/>
+            <a:lightRig rig="threePt" dir="t"/>
+          </a:scene3d>
+          <a:sp3d>
+            <a:bevelT/>
+          </a:sp3d>
+        </p:spPr>
+        <p:style>
+          <a:lnRef idx="1">
+            <a:schemeClr val="accent4"/>
+          </a:lnRef>
+          <a:fillRef idx="3">
+            <a:schemeClr val="accent4"/>
+          </a:fillRef>
+          <a:effectRef idx="2">
+            <a:schemeClr val="accent4"/>
+          </a:effectRef>
+          <a:fontRef idx="minor">
+            <a:schemeClr val="lt1"/>
+          </a:fontRef>
+        </p:style>
+        <p:txBody>
+          <a:bodyPr rtlCol="0" anchor="ctr"/>
+          <a:lstStyle/>
+          <a:p>
+            <a:pPr algn="ctr"/>
+            <a:endParaRPr lang="en-GB"/>
+          </a:p>
+        </p:txBody>
+      </p:sp>
+      <p:sp>
+        <p:nvSpPr>
+          <p:cNvPr id="20" name="Rectangle: Rounded Corners 19">
+            <a:extLst>
+              <a:ext uri="{FF2B5EF4-FFF2-40B4-BE49-F238E27FC236}">
+                <a16:creationId xmlns:a16="http://schemas.microsoft.com/office/drawing/2014/main" id="{2013EC83-989D-429D-BA23-BBCD106E4441}"/>
+              </a:ext>
+            </a:extLst>
+          </p:cNvPr>
+          <p:cNvSpPr/>
+          <p:nvPr/>
+        </p:nvSpPr>
+        <p:spPr>
+          <a:xfrm>
+            <a:off x="8045826" y="3198516"/>
+            <a:ext cx="1816100" cy="3164185"/>
+          </a:xfrm>
+          <a:prstGeom prst="roundRect">
+            <a:avLst/>
+          </a:prstGeom>
+          <a:noFill/>
+          <a:ln w="57150">
+            <a:solidFill>
+              <a:srgbClr val="7030A0"/>
+            </a:solidFill>
+          </a:ln>
+          <a:effectLst>
+            <a:outerShdw blurRad="50800" dist="38100" dir="2700000" algn="tl" rotWithShape="0">
+              <a:prstClr val="black">
+                <a:alpha val="40000"/>
+              </a:prstClr>
+            </a:outerShdw>
+          </a:effectLst>
+          <a:scene3d>
+            <a:camera prst="orthographicFront"/>
+            <a:lightRig rig="threePt" dir="t"/>
+          </a:scene3d>
+          <a:sp3d>
+            <a:bevelT/>
+          </a:sp3d>
+        </p:spPr>
+        <p:style>
+          <a:lnRef idx="1">
+            <a:schemeClr val="accent4"/>
+          </a:lnRef>
+          <a:fillRef idx="3">
+            <a:schemeClr val="accent4"/>
+          </a:fillRef>
+          <a:effectRef idx="2">
+            <a:schemeClr val="accent4"/>
+          </a:effectRef>
+          <a:fontRef idx="minor">
+            <a:schemeClr val="lt1"/>
+          </a:fontRef>
+        </p:style>
+        <p:txBody>
+          <a:bodyPr rtlCol="0" anchor="ctr"/>
+          <a:lstStyle/>
+          <a:p>
+            <a:pPr algn="ctr"/>
+            <a:endParaRPr lang="en-GB"/>
+          </a:p>
+        </p:txBody>
+      </p:sp>
+      <p:sp>
+        <p:nvSpPr>
+          <p:cNvPr id="22" name="Rectangle: Rounded Corners 21">
+            <a:extLst>
+              <a:ext uri="{FF2B5EF4-FFF2-40B4-BE49-F238E27FC236}">
+                <a16:creationId xmlns:a16="http://schemas.microsoft.com/office/drawing/2014/main" id="{6FEC8B9E-6426-447B-9F6B-4D9B94202E9D}"/>
+              </a:ext>
+            </a:extLst>
+          </p:cNvPr>
+          <p:cNvSpPr/>
+          <p:nvPr/>
+        </p:nvSpPr>
+        <p:spPr>
+          <a:xfrm>
+            <a:off x="8189681" y="5897671"/>
+            <a:ext cx="1528390" cy="325017"/>
+          </a:xfrm>
+          <a:prstGeom prst="roundRect">
+            <a:avLst/>
+          </a:prstGeom>
+          <a:solidFill>
+            <a:srgbClr val="4F2270"/>
+          </a:solidFill>
+          <a:ln>
+            <a:noFill/>
+          </a:ln>
+          <a:effectLst>
+            <a:outerShdw blurRad="50800" dist="38100" dir="2700000" algn="tl" rotWithShape="0">
+              <a:prstClr val="black">
+                <a:alpha val="40000"/>
+              </a:prstClr>
+            </a:outerShdw>
+          </a:effectLst>
+          <a:scene3d>
+            <a:camera prst="orthographicFront">
+              <a:rot lat="0" lon="0" rev="0"/>
+            </a:camera>
+            <a:lightRig rig="contrasting" dir="t">
+              <a:rot lat="0" lon="0" rev="1500000"/>
+            </a:lightRig>
+          </a:scene3d>
+          <a:sp3d prstMaterial="metal">
+            <a:bevelT w="88900" h="88900"/>
+          </a:sp3d>
+        </p:spPr>
+        <p:style>
+          <a:lnRef idx="0">
+            <a:schemeClr val="accent1"/>
+          </a:lnRef>
+          <a:fillRef idx="3">
+            <a:schemeClr val="accent1"/>
+          </a:fillRef>
+          <a:effectRef idx="3">
+            <a:schemeClr val="accent1"/>
+          </a:effectRef>
+          <a:fontRef idx="minor">
+            <a:schemeClr val="lt1"/>
+          </a:fontRef>
+        </p:style>
+        <p:txBody>
+          <a:bodyPr rtlCol="0" anchor="ctr"/>
+          <a:lstStyle/>
+          <a:p>
+            <a:pPr algn="ctr"/>
+            <a:r>
+              <a:rPr lang="en-US" sz="1600" dirty="0">
+                <a:latin typeface="Segoe Print" panose="02000600000000000000" pitchFamily="2" charset="0"/>
+              </a:rPr>
+              <a:t>Manual</a:t>
+            </a:r>
+            <a:endParaRPr lang="en-GB" sz="1600" dirty="0">
+              <a:latin typeface="Segoe Print" panose="02000600000000000000" pitchFamily="2" charset="0"/>
+            </a:endParaRPr>
+          </a:p>
+        </p:txBody>
+      </p:sp>
+      <p:sp>
+        <p:nvSpPr>
+          <p:cNvPr id="23" name="Rectangle: Rounded Corners 22">
+            <a:extLst>
+              <a:ext uri="{FF2B5EF4-FFF2-40B4-BE49-F238E27FC236}">
+                <a16:creationId xmlns:a16="http://schemas.microsoft.com/office/drawing/2014/main" id="{8CA80F59-583B-47CA-A1B6-11C09D4887C6}"/>
+              </a:ext>
+            </a:extLst>
+          </p:cNvPr>
+          <p:cNvSpPr/>
+          <p:nvPr/>
+        </p:nvSpPr>
+        <p:spPr>
+          <a:xfrm>
+            <a:off x="10110830" y="5897671"/>
+            <a:ext cx="1528390" cy="325017"/>
+          </a:xfrm>
+          <a:prstGeom prst="roundRect">
+            <a:avLst/>
+          </a:prstGeom>
+          <a:solidFill>
+            <a:srgbClr val="4F2270"/>
+          </a:solidFill>
+          <a:ln>
+            <a:noFill/>
+          </a:ln>
+          <a:effectLst>
+            <a:outerShdw blurRad="50800" dist="38100" dir="2700000" algn="tl" rotWithShape="0">
+              <a:prstClr val="black">
+                <a:alpha val="40000"/>
+              </a:prstClr>
+            </a:outerShdw>
+          </a:effectLst>
+          <a:scene3d>
+            <a:camera prst="orthographicFront">
+              <a:rot lat="0" lon="0" rev="0"/>
+            </a:camera>
+            <a:lightRig rig="contrasting" dir="t">
+              <a:rot lat="0" lon="0" rev="1500000"/>
+            </a:lightRig>
+          </a:scene3d>
+          <a:sp3d prstMaterial="metal">
+            <a:bevelT w="88900" h="88900"/>
+          </a:sp3d>
+        </p:spPr>
+        <p:style>
+          <a:lnRef idx="0">
+            <a:schemeClr val="accent1"/>
+          </a:lnRef>
+          <a:fillRef idx="3">
+            <a:schemeClr val="accent1"/>
+          </a:fillRef>
+          <a:effectRef idx="3">
+            <a:schemeClr val="accent1"/>
+          </a:effectRef>
+          <a:fontRef idx="minor">
+            <a:schemeClr val="lt1"/>
+          </a:fontRef>
+        </p:style>
+        <p:txBody>
+          <a:bodyPr rtlCol="0" anchor="ctr"/>
+          <a:lstStyle/>
+          <a:p>
+            <a:pPr algn="ctr"/>
+            <a:r>
+              <a:rPr lang="en-US" sz="1600" dirty="0">
+                <a:latin typeface="Segoe Print" panose="02000600000000000000" pitchFamily="2" charset="0"/>
+              </a:rPr>
+              <a:t>Identical</a:t>
+            </a:r>
+            <a:endParaRPr lang="en-GB" sz="1600" dirty="0">
+              <a:latin typeface="Segoe Print" panose="02000600000000000000" pitchFamily="2" charset="0"/>
+            </a:endParaRPr>
+          </a:p>
+        </p:txBody>
+      </p:sp>
+      <p:sp>
+        <p:nvSpPr>
+          <p:cNvPr id="24" name="Rectangle: Rounded Corners 23">
+            <a:extLst>
+              <a:ext uri="{FF2B5EF4-FFF2-40B4-BE49-F238E27FC236}">
+                <a16:creationId xmlns:a16="http://schemas.microsoft.com/office/drawing/2014/main" id="{434DD7FD-3D31-4FC8-8B55-916A66B16B5C}"/>
+              </a:ext>
+            </a:extLst>
+          </p:cNvPr>
+          <p:cNvSpPr/>
+          <p:nvPr/>
+        </p:nvSpPr>
+        <p:spPr>
+          <a:xfrm>
+            <a:off x="7529987" y="5234232"/>
+            <a:ext cx="2847778" cy="325017"/>
+          </a:xfrm>
+          <a:prstGeom prst="roundRect">
+            <a:avLst/>
+          </a:prstGeom>
+          <a:solidFill>
+            <a:srgbClr val="4F2270"/>
+          </a:solidFill>
+          <a:ln>
+            <a:noFill/>
+          </a:ln>
+          <a:effectLst>
+            <a:outerShdw blurRad="50800" dist="38100" dir="2700000" algn="tl" rotWithShape="0">
+              <a:prstClr val="black">
+                <a:alpha val="40000"/>
+              </a:prstClr>
+            </a:outerShdw>
+          </a:effectLst>
+          <a:scene3d>
+            <a:camera prst="orthographicFront">
+              <a:rot lat="0" lon="0" rev="0"/>
+            </a:camera>
+            <a:lightRig rig="contrasting" dir="t">
+              <a:rot lat="0" lon="0" rev="1500000"/>
+            </a:lightRig>
+          </a:scene3d>
+          <a:sp3d prstMaterial="metal">
+            <a:bevelT w="88900" h="88900"/>
+          </a:sp3d>
+        </p:spPr>
+        <p:style>
+          <a:lnRef idx="0">
+            <a:schemeClr val="accent1"/>
+          </a:lnRef>
+          <a:fillRef idx="3">
+            <a:schemeClr val="accent1"/>
+          </a:fillRef>
+          <a:effectRef idx="3">
+            <a:schemeClr val="accent1"/>
+          </a:effectRef>
+          <a:fontRef idx="minor">
+            <a:schemeClr val="lt1"/>
+          </a:fontRef>
+        </p:style>
+        <p:txBody>
+          <a:bodyPr rtlCol="0" anchor="ctr"/>
+          <a:lstStyle/>
+          <a:p>
+            <a:pPr algn="ctr"/>
+            <a:r>
+              <a:rPr lang="en-US" sz="1600" dirty="0">
+                <a:latin typeface="Segoe Print" panose="02000600000000000000" pitchFamily="2" charset="0"/>
+              </a:rPr>
+              <a:t>Name conversion results</a:t>
+            </a:r>
+            <a:endParaRPr lang="en-GB" sz="1600" dirty="0">
+              <a:latin typeface="Segoe Print" panose="02000600000000000000" pitchFamily="2" charset="0"/>
+            </a:endParaRPr>
+          </a:p>
+        </p:txBody>
+      </p:sp>
+    </p:spTree>
+    <p:extLst>
+      <p:ext uri="{BB962C8B-B14F-4D97-AF65-F5344CB8AC3E}">
+        <p14:creationId xmlns:p14="http://schemas.microsoft.com/office/powerpoint/2010/main" val="1956307915"/>
+      </p:ext>
+    </p:extLst>
+  </p:cSld>
+  <p:clrMapOvr>
+    <a:masterClrMapping/>
+  </p:clrMapOvr>
+</p:sld>
+</file>
+
+<file path=ppt/slides/slide12.xml><?xml version="1.0" encoding="utf-8"?>
+<p:sld xmlns:a="http://schemas.openxmlformats.org/drawingml/2006/main" xmlns:r="http://schemas.openxmlformats.org/officeDocument/2006/relationships" xmlns:p="http://schemas.openxmlformats.org/presentationml/2006/main">
+  <p:cSld>
+    <p:spTree>
+      <p:nvGrpSpPr>
+        <p:cNvPr id="1" name=""/>
+        <p:cNvGrpSpPr/>
+        <p:nvPr/>
+      </p:nvGrpSpPr>
+      <p:grpSpPr>
+        <a:xfrm>
+          <a:off x="0" y="0"/>
+          <a:ext cx="0" cy="0"/>
+          <a:chOff x="0" y="0"/>
+          <a:chExt cx="0" cy="0"/>
+        </a:xfrm>
+      </p:grpSpPr>
+      <p:sp>
+        <p:nvSpPr>
+          <p:cNvPr id="3" name="Rectangle: Rounded Corners 2">
+            <a:extLst>
+              <a:ext uri="{FF2B5EF4-FFF2-40B4-BE49-F238E27FC236}">
+                <a16:creationId xmlns:a16="http://schemas.microsoft.com/office/drawing/2014/main" id="{CD7B379B-6E2C-4976-8D26-DAC99BD19405}"/>
+              </a:ext>
+            </a:extLst>
+          </p:cNvPr>
+          <p:cNvSpPr/>
+          <p:nvPr/>
+        </p:nvSpPr>
+        <p:spPr>
+          <a:xfrm>
+            <a:off x="-111964" y="928906"/>
+            <a:ext cx="1586204" cy="3073925"/>
           </a:xfrm>
           <a:prstGeom prst="roundRect">
             <a:avLst/>
@@ -8229,10 +9396,11 @@
       </p:sp>
       <p:sp>
         <p:nvSpPr>
-          <p:cNvPr id="13" name="Rectangle: Rounded Corners 12">
-            <a:extLst>
-              <a:ext uri="{FF2B5EF4-FFF2-40B4-BE49-F238E27FC236}">
-                <a16:creationId xmlns:a16="http://schemas.microsoft.com/office/drawing/2014/main" id="{8683C4ED-7E2E-4AE3-8F2D-9664C90DFFCD}"/>
+          <p:cNvPr id="9" name="Action Button: Blank 8">
+            <a:hlinkClick r:id="" action="ppaction://noaction" highlightClick="1"/>
+            <a:extLst>
+              <a:ext uri="{FF2B5EF4-FFF2-40B4-BE49-F238E27FC236}">
+                <a16:creationId xmlns:a16="http://schemas.microsoft.com/office/drawing/2014/main" id="{D5AB0C11-996A-400F-B24A-CAFBC3EF2249}"/>
               </a:ext>
             </a:extLst>
           </p:cNvPr>
@@ -8241,8 +9409,54 @@
         </p:nvSpPr>
         <p:spPr>
           <a:xfrm>
-            <a:off x="1696911" y="928906"/>
-            <a:ext cx="4982447" cy="2700702"/>
+            <a:off x="1474240" y="5417953"/>
+            <a:ext cx="942392" cy="289249"/>
+          </a:xfrm>
+          <a:prstGeom prst="actionButtonBlank">
+            <a:avLst/>
+          </a:prstGeom>
+        </p:spPr>
+        <p:style>
+          <a:lnRef idx="2">
+            <a:schemeClr val="accent1">
+              <a:shade val="50000"/>
+            </a:schemeClr>
+          </a:lnRef>
+          <a:fillRef idx="1">
+            <a:schemeClr val="accent1"/>
+          </a:fillRef>
+          <a:effectRef idx="0">
+            <a:schemeClr val="accent1"/>
+          </a:effectRef>
+          <a:fontRef idx="minor">
+            <a:schemeClr val="lt1"/>
+          </a:fontRef>
+        </p:style>
+        <p:txBody>
+          <a:bodyPr rtlCol="0" anchor="ctr"/>
+          <a:lstStyle/>
+          <a:p>
+            <a:pPr algn="ctr"/>
+            <a:endParaRPr lang="en-GB"/>
+          </a:p>
+        </p:txBody>
+      </p:sp>
+      <p:sp>
+        <p:nvSpPr>
+          <p:cNvPr id="13" name="Rectangle: Rounded Corners 12">
+            <a:extLst>
+              <a:ext uri="{FF2B5EF4-FFF2-40B4-BE49-F238E27FC236}">
+                <a16:creationId xmlns:a16="http://schemas.microsoft.com/office/drawing/2014/main" id="{8683C4ED-7E2E-4AE3-8F2D-9664C90DFFCD}"/>
+              </a:ext>
+            </a:extLst>
+          </p:cNvPr>
+          <p:cNvSpPr/>
+          <p:nvPr/>
+        </p:nvSpPr>
+        <p:spPr>
+          <a:xfrm>
+            <a:off x="1671738" y="928906"/>
+            <a:ext cx="5158270" cy="2700702"/>
           </a:xfrm>
           <a:prstGeom prst="roundRect">
             <a:avLst/>
@@ -8305,8 +9519,8 @@
         </p:nvSpPr>
         <p:spPr>
           <a:xfrm>
-            <a:off x="2601926" y="1009258"/>
-            <a:ext cx="3172416" cy="325017"/>
+            <a:off x="2954891" y="1009258"/>
+            <a:ext cx="2591965" cy="325017"/>
           </a:xfrm>
           <a:prstGeom prst="roundRect">
             <a:avLst/>
@@ -8356,12 +9570,12 @@
           <a:p>
             <a:pPr algn="ctr"/>
             <a:r>
-              <a:rPr lang="en-US" sz="1600" dirty="0">
+              <a:rPr lang="en-US" sz="1400" dirty="0">
                 <a:latin typeface="Segoe Print" panose="02000600000000000000" pitchFamily="2" charset="0"/>
               </a:rPr>
               <a:t>Upload or download data</a:t>
             </a:r>
-            <a:endParaRPr lang="en-GB" sz="1600" dirty="0">
+            <a:endParaRPr lang="en-GB" sz="1400" dirty="0">
               <a:latin typeface="Segoe Print" panose="02000600000000000000" pitchFamily="2" charset="0"/>
             </a:endParaRPr>
           </a:p>
@@ -8381,148 +9595,8 @@
         </p:nvSpPr>
         <p:spPr>
           <a:xfrm>
-            <a:off x="319702" y="3172411"/>
+            <a:off x="255043" y="3023384"/>
             <a:ext cx="852190" cy="325017"/>
-          </a:xfrm>
-          <a:prstGeom prst="roundRect">
-            <a:avLst/>
-          </a:prstGeom>
-          <a:solidFill>
-            <a:srgbClr val="4F2270"/>
-          </a:solidFill>
-          <a:ln>
-            <a:noFill/>
-          </a:ln>
-          <a:effectLst>
-            <a:outerShdw blurRad="50800" dist="38100" dir="2700000" algn="tl" rotWithShape="0">
-              <a:prstClr val="black">
-                <a:alpha val="40000"/>
-              </a:prstClr>
-            </a:outerShdw>
-          </a:effectLst>
-          <a:scene3d>
-            <a:camera prst="orthographicFront">
-              <a:rot lat="0" lon="0" rev="0"/>
-            </a:camera>
-            <a:lightRig rig="contrasting" dir="t">
-              <a:rot lat="0" lon="0" rev="1500000"/>
-            </a:lightRig>
-          </a:scene3d>
-          <a:sp3d prstMaterial="metal">
-            <a:bevelT w="88900" h="88900"/>
-          </a:sp3d>
-        </p:spPr>
-        <p:style>
-          <a:lnRef idx="0">
-            <a:schemeClr val="accent1"/>
-          </a:lnRef>
-          <a:fillRef idx="3">
-            <a:schemeClr val="accent1"/>
-          </a:fillRef>
-          <a:effectRef idx="3">
-            <a:schemeClr val="accent1"/>
-          </a:effectRef>
-          <a:fontRef idx="minor">
-            <a:schemeClr val="lt1"/>
-          </a:fontRef>
-        </p:style>
-        <p:txBody>
-          <a:bodyPr rtlCol="0" anchor="t"/>
-          <a:lstStyle/>
-          <a:p>
-            <a:pPr algn="ctr"/>
-            <a:r>
-              <a:rPr lang="en-US" sz="1600" dirty="0">
-                <a:latin typeface="Segoe Print" panose="02000600000000000000" pitchFamily="2" charset="0"/>
-              </a:rPr>
-              <a:t>Tabs</a:t>
-            </a:r>
-            <a:endParaRPr lang="en-GB" sz="1400" dirty="0">
-              <a:latin typeface="Segoe Print" panose="02000600000000000000" pitchFamily="2" charset="0"/>
-            </a:endParaRPr>
-          </a:p>
-        </p:txBody>
-      </p:sp>
-      <p:sp>
-        <p:nvSpPr>
-          <p:cNvPr id="17" name="Rectangle: Rounded Corners 16">
-            <a:extLst>
-              <a:ext uri="{FF2B5EF4-FFF2-40B4-BE49-F238E27FC236}">
-                <a16:creationId xmlns:a16="http://schemas.microsoft.com/office/drawing/2014/main" id="{B2A0CE68-D68C-44A0-87A4-1400F7401755}"/>
-              </a:ext>
-            </a:extLst>
-          </p:cNvPr>
-          <p:cNvSpPr/>
-          <p:nvPr/>
-        </p:nvSpPr>
-        <p:spPr>
-          <a:xfrm>
-            <a:off x="6856247" y="901959"/>
-            <a:ext cx="5158270" cy="2700702"/>
-          </a:xfrm>
-          <a:prstGeom prst="roundRect">
-            <a:avLst/>
-          </a:prstGeom>
-          <a:noFill/>
-          <a:ln w="57150">
-            <a:solidFill>
-              <a:srgbClr val="7030A0"/>
-            </a:solidFill>
-          </a:ln>
-          <a:effectLst>
-            <a:outerShdw blurRad="50800" dist="38100" dir="2700000" algn="tl" rotWithShape="0">
-              <a:prstClr val="black">
-                <a:alpha val="40000"/>
-              </a:prstClr>
-            </a:outerShdw>
-          </a:effectLst>
-          <a:scene3d>
-            <a:camera prst="orthographicFront"/>
-            <a:lightRig rig="threePt" dir="t"/>
-          </a:scene3d>
-          <a:sp3d>
-            <a:bevelT/>
-          </a:sp3d>
-        </p:spPr>
-        <p:style>
-          <a:lnRef idx="1">
-            <a:schemeClr val="accent4"/>
-          </a:lnRef>
-          <a:fillRef idx="3">
-            <a:schemeClr val="accent4"/>
-          </a:fillRef>
-          <a:effectRef idx="2">
-            <a:schemeClr val="accent4"/>
-          </a:effectRef>
-          <a:fontRef idx="minor">
-            <a:schemeClr val="lt1"/>
-          </a:fontRef>
-        </p:style>
-        <p:txBody>
-          <a:bodyPr rtlCol="0" anchor="ctr"/>
-          <a:lstStyle/>
-          <a:p>
-            <a:pPr algn="ctr"/>
-            <a:endParaRPr lang="en-GB"/>
-          </a:p>
-        </p:txBody>
-      </p:sp>
-      <p:sp>
-        <p:nvSpPr>
-          <p:cNvPr id="18" name="Rectangle: Rounded Corners 17">
-            <a:extLst>
-              <a:ext uri="{FF2B5EF4-FFF2-40B4-BE49-F238E27FC236}">
-                <a16:creationId xmlns:a16="http://schemas.microsoft.com/office/drawing/2014/main" id="{AC8B7FF1-BB5D-4693-8163-217F84BCE04E}"/>
-              </a:ext>
-            </a:extLst>
-          </p:cNvPr>
-          <p:cNvSpPr/>
-          <p:nvPr/>
-        </p:nvSpPr>
-        <p:spPr>
-          <a:xfrm>
-            <a:off x="8392042" y="1009258"/>
-            <a:ext cx="2086680" cy="325017"/>
           </a:xfrm>
           <a:prstGeom prst="roundRect">
             <a:avLst/>
@@ -8572,12 +9646,12 @@
           <a:p>
             <a:pPr algn="ctr"/>
             <a:r>
-              <a:rPr lang="en-US" sz="1600" dirty="0">
+              <a:rPr lang="en-US" sz="1400" dirty="0">
                 <a:latin typeface="Segoe Print" panose="02000600000000000000" pitchFamily="2" charset="0"/>
               </a:rPr>
-              <a:t>Add dictionary</a:t>
+              <a:t>Tabs</a:t>
             </a:r>
-            <a:endParaRPr lang="en-GB" sz="1600" dirty="0">
+            <a:endParaRPr lang="en-GB" sz="1400" dirty="0">
               <a:latin typeface="Segoe Print" panose="02000600000000000000" pitchFamily="2" charset="0"/>
             </a:endParaRPr>
           </a:p>
@@ -8585,10 +9659,10 @@
       </p:sp>
       <p:sp>
         <p:nvSpPr>
-          <p:cNvPr id="19" name="Rectangle: Rounded Corners 18">
-            <a:extLst>
-              <a:ext uri="{FF2B5EF4-FFF2-40B4-BE49-F238E27FC236}">
-                <a16:creationId xmlns:a16="http://schemas.microsoft.com/office/drawing/2014/main" id="{40C542D8-9AA8-4EC0-95B2-CE735B8AE1E0}"/>
+          <p:cNvPr id="17" name="Rectangle: Rounded Corners 16">
+            <a:extLst>
+              <a:ext uri="{FF2B5EF4-FFF2-40B4-BE49-F238E27FC236}">
+                <a16:creationId xmlns:a16="http://schemas.microsoft.com/office/drawing/2014/main" id="{B2A0CE68-D68C-44A0-87A4-1400F7401755}"/>
               </a:ext>
             </a:extLst>
           </p:cNvPr>
@@ -8597,8 +9671,8 @@
         </p:nvSpPr>
         <p:spPr>
           <a:xfrm>
-            <a:off x="1671737" y="3791340"/>
-            <a:ext cx="5007621" cy="594048"/>
+            <a:off x="6941972" y="901959"/>
+            <a:ext cx="5158270" cy="2700702"/>
           </a:xfrm>
           <a:prstGeom prst="roundRect">
             <a:avLst/>
@@ -8649,10 +9723,10 @@
       </p:sp>
       <p:sp>
         <p:nvSpPr>
-          <p:cNvPr id="20" name="Rectangle: Rounded Corners 19">
-            <a:extLst>
-              <a:ext uri="{FF2B5EF4-FFF2-40B4-BE49-F238E27FC236}">
-                <a16:creationId xmlns:a16="http://schemas.microsoft.com/office/drawing/2014/main" id="{13E1F524-2C0E-4836-97CC-408D664A5176}"/>
+          <p:cNvPr id="18" name="Rectangle: Rounded Corners 17">
+            <a:extLst>
+              <a:ext uri="{FF2B5EF4-FFF2-40B4-BE49-F238E27FC236}">
+                <a16:creationId xmlns:a16="http://schemas.microsoft.com/office/drawing/2014/main" id="{AC8B7FF1-BB5D-4693-8163-217F84BCE04E}"/>
               </a:ext>
             </a:extLst>
           </p:cNvPr>
@@ -8661,8 +9735,8 @@
         </p:nvSpPr>
         <p:spPr>
           <a:xfrm>
-            <a:off x="4064000" y="3925856"/>
-            <a:ext cx="2425700" cy="325017"/>
+            <a:off x="8613800" y="1009258"/>
+            <a:ext cx="2232000" cy="325017"/>
           </a:xfrm>
           <a:prstGeom prst="roundRect">
             <a:avLst/>
@@ -8715,15 +9789,155 @@
               <a:rPr lang="en-US" sz="1600" dirty="0">
                 <a:latin typeface="Segoe Print" panose="02000600000000000000" pitchFamily="2" charset="0"/>
               </a:rPr>
+              <a:t>Add dictionary</a:t>
+            </a:r>
+            <a:endParaRPr lang="en-GB" sz="1600" dirty="0">
+              <a:latin typeface="Segoe Print" panose="02000600000000000000" pitchFamily="2" charset="0"/>
+            </a:endParaRPr>
+          </a:p>
+        </p:txBody>
+      </p:sp>
+      <p:sp>
+        <p:nvSpPr>
+          <p:cNvPr id="19" name="Rectangle: Rounded Corners 18">
+            <a:extLst>
+              <a:ext uri="{FF2B5EF4-FFF2-40B4-BE49-F238E27FC236}">
+                <a16:creationId xmlns:a16="http://schemas.microsoft.com/office/drawing/2014/main" id="{40C542D8-9AA8-4EC0-95B2-CE735B8AE1E0}"/>
+              </a:ext>
+            </a:extLst>
+          </p:cNvPr>
+          <p:cNvSpPr/>
+          <p:nvPr/>
+        </p:nvSpPr>
+        <p:spPr>
+          <a:xfrm>
+            <a:off x="1671737" y="3791340"/>
+            <a:ext cx="5074296" cy="594048"/>
+          </a:xfrm>
+          <a:prstGeom prst="roundRect">
+            <a:avLst/>
+          </a:prstGeom>
+          <a:noFill/>
+          <a:ln w="57150">
+            <a:solidFill>
+              <a:srgbClr val="7030A0"/>
+            </a:solidFill>
+          </a:ln>
+          <a:effectLst>
+            <a:outerShdw blurRad="50800" dist="38100" dir="2700000" algn="tl" rotWithShape="0">
+              <a:prstClr val="black">
+                <a:alpha val="40000"/>
+              </a:prstClr>
+            </a:outerShdw>
+          </a:effectLst>
+          <a:scene3d>
+            <a:camera prst="orthographicFront"/>
+            <a:lightRig rig="threePt" dir="t"/>
+          </a:scene3d>
+          <a:sp3d>
+            <a:bevelT/>
+          </a:sp3d>
+        </p:spPr>
+        <p:style>
+          <a:lnRef idx="1">
+            <a:schemeClr val="accent4"/>
+          </a:lnRef>
+          <a:fillRef idx="3">
+            <a:schemeClr val="accent4"/>
+          </a:fillRef>
+          <a:effectRef idx="2">
+            <a:schemeClr val="accent4"/>
+          </a:effectRef>
+          <a:fontRef idx="minor">
+            <a:schemeClr val="lt1"/>
+          </a:fontRef>
+        </p:style>
+        <p:txBody>
+          <a:bodyPr rtlCol="0" anchor="ctr"/>
+          <a:lstStyle/>
+          <a:p>
+            <a:pPr algn="ctr"/>
+            <a:endParaRPr lang="en-GB"/>
+          </a:p>
+        </p:txBody>
+      </p:sp>
+      <p:sp>
+        <p:nvSpPr>
+          <p:cNvPr id="20" name="Rectangle: Rounded Corners 19">
+            <a:extLst>
+              <a:ext uri="{FF2B5EF4-FFF2-40B4-BE49-F238E27FC236}">
+                <a16:creationId xmlns:a16="http://schemas.microsoft.com/office/drawing/2014/main" id="{13E1F524-2C0E-4836-97CC-408D664A5176}"/>
+              </a:ext>
+            </a:extLst>
+          </p:cNvPr>
+          <p:cNvSpPr/>
+          <p:nvPr/>
+        </p:nvSpPr>
+        <p:spPr>
+          <a:xfrm>
+            <a:off x="4250873" y="3925855"/>
+            <a:ext cx="2132918" cy="325017"/>
+          </a:xfrm>
+          <a:prstGeom prst="roundRect">
+            <a:avLst/>
+          </a:prstGeom>
+          <a:solidFill>
+            <a:srgbClr val="4F2270"/>
+          </a:solidFill>
+          <a:ln>
+            <a:noFill/>
+          </a:ln>
+          <a:effectLst>
+            <a:outerShdw blurRad="50800" dist="38100" dir="2700000" algn="tl" rotWithShape="0">
+              <a:prstClr val="black">
+                <a:alpha val="40000"/>
+              </a:prstClr>
+            </a:outerShdw>
+          </a:effectLst>
+          <a:scene3d>
+            <a:camera prst="orthographicFront">
+              <a:rot lat="0" lon="0" rev="0"/>
+            </a:camera>
+            <a:lightRig rig="contrasting" dir="t">
+              <a:rot lat="0" lon="0" rev="1500000"/>
+            </a:lightRig>
+          </a:scene3d>
+          <a:sp3d prstMaterial="metal">
+            <a:bevelT w="88900" h="88900"/>
+          </a:sp3d>
+        </p:spPr>
+        <p:style>
+          <a:lnRef idx="0">
+            <a:schemeClr val="accent1"/>
+          </a:lnRef>
+          <a:fillRef idx="3">
+            <a:schemeClr val="accent1"/>
+          </a:fillRef>
+          <a:effectRef idx="3">
+            <a:schemeClr val="accent1"/>
+          </a:effectRef>
+          <a:fontRef idx="minor">
+            <a:schemeClr val="lt1"/>
+          </a:fontRef>
+        </p:style>
+        <p:txBody>
+          <a:bodyPr rtlCol="0" anchor="ctr"/>
+          <a:lstStyle/>
+          <a:p>
+            <a:pPr algn="ctr"/>
+            <a:r>
+              <a:rPr lang="en-US" sz="1400" dirty="0">
+                <a:latin typeface="Segoe Print" panose="02000600000000000000" pitchFamily="2" charset="0"/>
+              </a:rPr>
               <a:t>Execute </a:t>
             </a:r>
             <a:r>
-              <a:rPr lang="en-US" sz="1600" dirty="0" err="1">
+              <a:rPr lang="en-US" sz="1400" dirty="0" err="1">
                 <a:latin typeface="Segoe Print" panose="02000600000000000000" pitchFamily="2" charset="0"/>
               </a:rPr>
               <a:t>Darwinizer</a:t>
             </a:r>
-            <a:endParaRPr lang="en-GB" sz="1600" dirty="0">
+            <a:endParaRPr lang="en-GB" sz="1400" dirty="0">
               <a:latin typeface="Segoe Print" panose="02000600000000000000" pitchFamily="2" charset="0"/>
             </a:endParaRPr>
           </a:p>
@@ -8732,7 +9946,7 @@
     </p:spTree>
     <p:extLst>
       <p:ext uri="{BB962C8B-B14F-4D97-AF65-F5344CB8AC3E}">
-        <p14:creationId xmlns:p14="http://schemas.microsoft.com/office/powerpoint/2010/main" val="3687270441"/>
+        <p14:creationId xmlns:p14="http://schemas.microsoft.com/office/powerpoint/2010/main" val="1335674216"/>
       </p:ext>
     </p:extLst>
   </p:cSld>
@@ -8742,7 +9956,185 @@
 </p:sld>
 </file>
 
-<file path=ppt/slides/slide10.xml><?xml version="1.0" encoding="utf-8"?>
+<file path=ppt/slides/slide13.xml><?xml version="1.0" encoding="utf-8"?>
+<p:sld xmlns:a="http://schemas.openxmlformats.org/drawingml/2006/main" xmlns:r="http://schemas.openxmlformats.org/officeDocument/2006/relationships" xmlns:p="http://schemas.openxmlformats.org/presentationml/2006/main">
+  <p:cSld>
+    <p:spTree>
+      <p:nvGrpSpPr>
+        <p:cNvPr id="1" name=""/>
+        <p:cNvGrpSpPr/>
+        <p:nvPr/>
+      </p:nvGrpSpPr>
+      <p:grpSpPr>
+        <a:xfrm>
+          <a:off x="0" y="0"/>
+          <a:ext cx="0" cy="0"/>
+          <a:chOff x="0" y="0"/>
+          <a:chExt cx="0" cy="0"/>
+        </a:xfrm>
+      </p:grpSpPr>
+      <p:pic>
+        <p:nvPicPr>
+          <p:cNvPr id="2" name="Picture 1">
+            <a:extLst>
+              <a:ext uri="{FF2B5EF4-FFF2-40B4-BE49-F238E27FC236}">
+                <a16:creationId xmlns:a16="http://schemas.microsoft.com/office/drawing/2014/main" id="{2C1ABA05-23CD-4E8F-8089-E6A1F273D0A8}"/>
+              </a:ext>
+            </a:extLst>
+          </p:cNvPr>
+          <p:cNvPicPr>
+            <a:picLocks noChangeAspect="1"/>
+          </p:cNvPicPr>
+          <p:nvPr/>
+        </p:nvPicPr>
+        <p:blipFill>
+          <a:blip r:embed="rId2"/>
+          <a:stretch>
+            <a:fillRect/>
+          </a:stretch>
+        </p:blipFill>
+        <p:spPr>
+          <a:xfrm>
+            <a:off x="65088" y="558800"/>
+            <a:ext cx="6210300" cy="4476750"/>
+          </a:xfrm>
+          <a:prstGeom prst="rect">
+            <a:avLst/>
+          </a:prstGeom>
+          <a:ln>
+            <a:noFill/>
+          </a:ln>
+          <a:effectLst>
+            <a:outerShdw blurRad="190500" algn="tl" rotWithShape="0">
+              <a:srgbClr val="000000">
+                <a:alpha val="70000"/>
+              </a:srgbClr>
+            </a:outerShdw>
+          </a:effectLst>
+        </p:spPr>
+      </p:pic>
+      <p:pic>
+        <p:nvPicPr>
+          <p:cNvPr id="3" name="Picture 2">
+            <a:extLst>
+              <a:ext uri="{FF2B5EF4-FFF2-40B4-BE49-F238E27FC236}">
+                <a16:creationId xmlns:a16="http://schemas.microsoft.com/office/drawing/2014/main" id="{B30ECEC1-4D7E-4408-8F61-519A7D826719}"/>
+              </a:ext>
+            </a:extLst>
+          </p:cNvPr>
+          <p:cNvPicPr>
+            <a:picLocks noChangeAspect="1"/>
+          </p:cNvPicPr>
+          <p:nvPr/>
+        </p:nvPicPr>
+        <p:blipFill rotWithShape="1">
+          <a:blip r:embed="rId3"/>
+          <a:srcRect l="11314" t="28927" r="48528" b="28814"/>
+          <a:stretch/>
+        </p:blipFill>
+        <p:spPr>
+          <a:xfrm>
+            <a:off x="6459348" y="2402883"/>
+            <a:ext cx="4896039" cy="2898184"/>
+          </a:xfrm>
+          <a:prstGeom prst="rect">
+            <a:avLst/>
+          </a:prstGeom>
+          <a:ln>
+            <a:noFill/>
+          </a:ln>
+          <a:effectLst>
+            <a:outerShdw blurRad="190500" algn="tl" rotWithShape="0">
+              <a:srgbClr val="000000">
+                <a:alpha val="70000"/>
+              </a:srgbClr>
+            </a:outerShdw>
+          </a:effectLst>
+        </p:spPr>
+      </p:pic>
+    </p:spTree>
+    <p:extLst>
+      <p:ext uri="{BB962C8B-B14F-4D97-AF65-F5344CB8AC3E}">
+        <p14:creationId xmlns:p14="http://schemas.microsoft.com/office/powerpoint/2010/main" val="1177328285"/>
+      </p:ext>
+    </p:extLst>
+  </p:cSld>
+  <p:clrMapOvr>
+    <a:masterClrMapping/>
+  </p:clrMapOvr>
+</p:sld>
+</file>
+
+<file path=ppt/slides/slide14.xml><?xml version="1.0" encoding="utf-8"?>
+<p:sld xmlns:a="http://schemas.openxmlformats.org/drawingml/2006/main" xmlns:r="http://schemas.openxmlformats.org/officeDocument/2006/relationships" xmlns:p="http://schemas.openxmlformats.org/presentationml/2006/main">
+  <p:cSld>
+    <p:spTree>
+      <p:nvGrpSpPr>
+        <p:cNvPr id="1" name=""/>
+        <p:cNvGrpSpPr/>
+        <p:nvPr/>
+      </p:nvGrpSpPr>
+      <p:grpSpPr>
+        <a:xfrm>
+          <a:off x="0" y="0"/>
+          <a:ext cx="0" cy="0"/>
+          <a:chOff x="0" y="0"/>
+          <a:chExt cx="0" cy="0"/>
+        </a:xfrm>
+      </p:grpSpPr>
+      <p:pic>
+        <p:nvPicPr>
+          <p:cNvPr id="4" name="Picture 3">
+            <a:extLst>
+              <a:ext uri="{FF2B5EF4-FFF2-40B4-BE49-F238E27FC236}">
+                <a16:creationId xmlns:a16="http://schemas.microsoft.com/office/drawing/2014/main" id="{71220EA4-6764-4E19-907B-6417126EEEF8}"/>
+              </a:ext>
+            </a:extLst>
+          </p:cNvPr>
+          <p:cNvPicPr>
+            <a:picLocks noChangeAspect="1"/>
+          </p:cNvPicPr>
+          <p:nvPr/>
+        </p:nvPicPr>
+        <p:blipFill rotWithShape="1">
+          <a:blip r:embed="rId2"/>
+          <a:srcRect t="11442"/>
+          <a:stretch/>
+        </p:blipFill>
+        <p:spPr>
+          <a:xfrm>
+            <a:off x="1209675" y="1016000"/>
+            <a:ext cx="4133850" cy="3821112"/>
+          </a:xfrm>
+          <a:prstGeom prst="rect">
+            <a:avLst/>
+          </a:prstGeom>
+          <a:ln>
+            <a:noFill/>
+          </a:ln>
+          <a:effectLst>
+            <a:outerShdw blurRad="190500" algn="tl" rotWithShape="0">
+              <a:srgbClr val="000000">
+                <a:alpha val="70000"/>
+              </a:srgbClr>
+            </a:outerShdw>
+          </a:effectLst>
+        </p:spPr>
+      </p:pic>
+    </p:spTree>
+    <p:extLst>
+      <p:ext uri="{BB962C8B-B14F-4D97-AF65-F5344CB8AC3E}">
+        <p14:creationId xmlns:p14="http://schemas.microsoft.com/office/powerpoint/2010/main" val="3073105940"/>
+      </p:ext>
+    </p:extLst>
+  </p:cSld>
+  <p:clrMapOvr>
+    <a:masterClrMapping/>
+  </p:clrMapOvr>
+</p:sld>
+</file>
+
+<file path=ppt/slides/slide15.xml><?xml version="1.0" encoding="utf-8"?>
 <p:sld xmlns:a="http://schemas.openxmlformats.org/drawingml/2006/main" xmlns:r="http://schemas.openxmlformats.org/officeDocument/2006/relationships" xmlns:p="http://schemas.openxmlformats.org/presentationml/2006/main">
   <p:cSld>
     <p:spTree>
@@ -9431,7 +10823,145 @@
 </p:sld>
 </file>
 
-<file path=ppt/slides/slide11.xml><?xml version="1.0" encoding="utf-8"?>
+<file path=ppt/slides/slide2.xml><?xml version="1.0" encoding="utf-8"?>
+<p:sld xmlns:a="http://schemas.openxmlformats.org/drawingml/2006/main" xmlns:r="http://schemas.openxmlformats.org/officeDocument/2006/relationships" xmlns:p="http://schemas.openxmlformats.org/presentationml/2006/main">
+  <p:cSld>
+    <p:spTree>
+      <p:nvGrpSpPr>
+        <p:cNvPr id="1" name=""/>
+        <p:cNvGrpSpPr/>
+        <p:nvPr/>
+      </p:nvGrpSpPr>
+      <p:grpSpPr>
+        <a:xfrm>
+          <a:off x="0" y="0"/>
+          <a:ext cx="0" cy="0"/>
+          <a:chOff x="0" y="0"/>
+          <a:chExt cx="0" cy="0"/>
+        </a:xfrm>
+      </p:grpSpPr>
+      <p:pic>
+        <p:nvPicPr>
+          <p:cNvPr id="2" name="Picture 1">
+            <a:extLst>
+              <a:ext uri="{FF2B5EF4-FFF2-40B4-BE49-F238E27FC236}">
+                <a16:creationId xmlns:a16="http://schemas.microsoft.com/office/drawing/2014/main" id="{0852CFB2-8227-4466-8CF7-083A9C09356A}"/>
+              </a:ext>
+            </a:extLst>
+          </p:cNvPr>
+          <p:cNvPicPr>
+            <a:picLocks noChangeAspect="1"/>
+          </p:cNvPicPr>
+          <p:nvPr/>
+        </p:nvPicPr>
+        <p:blipFill rotWithShape="1">
+          <a:blip r:embed="rId2"/>
+          <a:srcRect l="3802"/>
+          <a:stretch/>
+        </p:blipFill>
+        <p:spPr>
+          <a:xfrm>
+            <a:off x="736375" y="1154930"/>
+            <a:ext cx="9621430" cy="3771914"/>
+          </a:xfrm>
+          <a:prstGeom prst="rect">
+            <a:avLst/>
+          </a:prstGeom>
+          <a:ln>
+            <a:noFill/>
+          </a:ln>
+          <a:effectLst>
+            <a:outerShdw blurRad="190500" algn="tl" rotWithShape="0">
+              <a:srgbClr val="000000">
+                <a:alpha val="70000"/>
+              </a:srgbClr>
+            </a:outerShdw>
+          </a:effectLst>
+        </p:spPr>
+      </p:pic>
+    </p:spTree>
+    <p:extLst>
+      <p:ext uri="{BB962C8B-B14F-4D97-AF65-F5344CB8AC3E}">
+        <p14:creationId xmlns:p14="http://schemas.microsoft.com/office/powerpoint/2010/main" val="1543056528"/>
+      </p:ext>
+    </p:extLst>
+  </p:cSld>
+  <p:clrMapOvr>
+    <a:masterClrMapping/>
+  </p:clrMapOvr>
+</p:sld>
+</file>
+
+<file path=ppt/slides/slide3.xml><?xml version="1.0" encoding="utf-8"?>
+<p:sld xmlns:a="http://schemas.openxmlformats.org/drawingml/2006/main" xmlns:r="http://schemas.openxmlformats.org/officeDocument/2006/relationships" xmlns:p="http://schemas.openxmlformats.org/presentationml/2006/main">
+  <p:cSld>
+    <p:spTree>
+      <p:nvGrpSpPr>
+        <p:cNvPr id="1" name=""/>
+        <p:cNvGrpSpPr/>
+        <p:nvPr/>
+      </p:nvGrpSpPr>
+      <p:grpSpPr>
+        <a:xfrm>
+          <a:off x="0" y="0"/>
+          <a:ext cx="0" cy="0"/>
+          <a:chOff x="0" y="0"/>
+          <a:chExt cx="0" cy="0"/>
+        </a:xfrm>
+      </p:grpSpPr>
+      <p:pic>
+        <p:nvPicPr>
+          <p:cNvPr id="2" name="Picture 1">
+            <a:extLst>
+              <a:ext uri="{FF2B5EF4-FFF2-40B4-BE49-F238E27FC236}">
+                <a16:creationId xmlns:a16="http://schemas.microsoft.com/office/drawing/2014/main" id="{BC6DFD47-1A91-4DF4-AD6C-A4F6940554DB}"/>
+              </a:ext>
+            </a:extLst>
+          </p:cNvPr>
+          <p:cNvPicPr>
+            <a:picLocks noChangeAspect="1"/>
+          </p:cNvPicPr>
+          <p:nvPr/>
+        </p:nvPicPr>
+        <p:blipFill rotWithShape="1">
+          <a:blip r:embed="rId2"/>
+          <a:srcRect l="158" b="13793"/>
+          <a:stretch/>
+        </p:blipFill>
+        <p:spPr>
+          <a:xfrm>
+            <a:off x="817295" y="937662"/>
+            <a:ext cx="10212149" cy="4694394"/>
+          </a:xfrm>
+          <a:prstGeom prst="rect">
+            <a:avLst/>
+          </a:prstGeom>
+          <a:ln>
+            <a:noFill/>
+          </a:ln>
+          <a:effectLst>
+            <a:outerShdw blurRad="190500" algn="tl" rotWithShape="0">
+              <a:srgbClr val="000000">
+                <a:alpha val="70000"/>
+              </a:srgbClr>
+            </a:outerShdw>
+          </a:effectLst>
+        </p:spPr>
+      </p:pic>
+    </p:spTree>
+    <p:extLst>
+      <p:ext uri="{BB962C8B-B14F-4D97-AF65-F5344CB8AC3E}">
+        <p14:creationId xmlns:p14="http://schemas.microsoft.com/office/powerpoint/2010/main" val="3235263874"/>
+      </p:ext>
+    </p:extLst>
+  </p:cSld>
+  <p:clrMapOvr>
+    <a:masterClrMapping/>
+  </p:clrMapOvr>
+</p:sld>
+</file>
+
+<file path=ppt/slides/slide4.xml><?xml version="1.0" encoding="utf-8"?>
 <p:sld xmlns:a="http://schemas.openxmlformats.org/drawingml/2006/main" xmlns:r="http://schemas.openxmlformats.org/officeDocument/2006/relationships" xmlns:p="http://schemas.openxmlformats.org/presentationml/2006/main">
   <p:cSld>
     <p:spTree>
@@ -17810,7 +19340,7 @@
 </p:sld>
 </file>
 
-<file path=ppt/slides/slide12.xml><?xml version="1.0" encoding="utf-8"?>
+<file path=ppt/slides/slide5.xml><?xml version="1.0" encoding="utf-8"?>
 <p:sld xmlns:a="http://schemas.openxmlformats.org/drawingml/2006/main" xmlns:r="http://schemas.openxmlformats.org/officeDocument/2006/relationships" xmlns:p="http://schemas.openxmlformats.org/presentationml/2006/main">
   <p:cSld>
     <p:spTree>
@@ -17827,65 +19357,12 @@
           <a:chExt cx="0" cy="0"/>
         </a:xfrm>
       </p:grpSpPr>
-      <p:sp>
-        <p:nvSpPr>
-          <p:cNvPr id="76" name="Action Button: Blank 75">
-            <a:hlinkClick r:id="" action="ppaction://noaction" highlightClick="1"/>
-            <a:extLst>
-              <a:ext uri="{FF2B5EF4-FFF2-40B4-BE49-F238E27FC236}">
-                <a16:creationId xmlns:a16="http://schemas.microsoft.com/office/drawing/2014/main" id="{3EB1C214-5961-4C7F-AEED-BC0E8524C54B}"/>
-              </a:ext>
-            </a:extLst>
-          </p:cNvPr>
-          <p:cNvSpPr/>
-          <p:nvPr/>
-        </p:nvSpPr>
-        <p:spPr>
-          <a:xfrm>
-            <a:off x="1079500" y="495299"/>
-            <a:ext cx="10706100" cy="5292571"/>
-          </a:xfrm>
-          <a:prstGeom prst="actionButtonBlank">
-            <a:avLst/>
-          </a:prstGeom>
-          <a:solidFill>
-            <a:schemeClr val="bg1"/>
-          </a:solidFill>
-          <a:ln>
-            <a:noFill/>
-          </a:ln>
-        </p:spPr>
-        <p:style>
-          <a:lnRef idx="2">
-            <a:schemeClr val="accent1">
-              <a:shade val="50000"/>
-            </a:schemeClr>
-          </a:lnRef>
-          <a:fillRef idx="1">
-            <a:schemeClr val="accent1"/>
-          </a:fillRef>
-          <a:effectRef idx="0">
-            <a:schemeClr val="accent1"/>
-          </a:effectRef>
-          <a:fontRef idx="minor">
-            <a:schemeClr val="lt1"/>
-          </a:fontRef>
-        </p:style>
-        <p:txBody>
-          <a:bodyPr rtlCol="0" anchor="ctr"/>
-          <a:lstStyle/>
-          <a:p>
-            <a:pPr algn="ctr"/>
-            <a:endParaRPr lang="en-GB"/>
-          </a:p>
-        </p:txBody>
-      </p:sp>
       <p:pic>
         <p:nvPicPr>
-          <p:cNvPr id="132" name="Picture 131">
-            <a:extLst>
-              <a:ext uri="{FF2B5EF4-FFF2-40B4-BE49-F238E27FC236}">
-                <a16:creationId xmlns:a16="http://schemas.microsoft.com/office/drawing/2014/main" id="{765C0048-E3B5-4F18-A131-19113F201572}"/>
+          <p:cNvPr id="77" name="Picture 76">
+            <a:extLst>
+              <a:ext uri="{FF2B5EF4-FFF2-40B4-BE49-F238E27FC236}">
+                <a16:creationId xmlns:a16="http://schemas.microsoft.com/office/drawing/2014/main" id="{FF007FEC-1318-4793-8A42-FBBC8BCBA942}"/>
               </a:ext>
             </a:extLst>
           </p:cNvPr>
@@ -17902,7 +19379,7 @@
         </p:blipFill>
         <p:spPr>
           <a:xfrm>
-            <a:off x="4764300" y="2161782"/>
+            <a:off x="1356982" y="3083908"/>
             <a:ext cx="6281511" cy="3626089"/>
           </a:xfrm>
           <a:prstGeom prst="rect">
@@ -17928,7 +19405,7 @@
           </a:effectLst>
           <a:scene3d>
             <a:camera prst="perspectiveRelaxed">
-              <a:rot lat="18660000" lon="0" rev="0"/>
+              <a:rot lat="18300000" lon="0" rev="0"/>
             </a:camera>
             <a:lightRig rig="twoPt" dir="t">
               <a:rot lat="0" lon="0" rev="7200000"/>
@@ -17942,135 +19419,12 @@
           </a:sp3d>
         </p:spPr>
       </p:pic>
-      <p:pic>
-        <p:nvPicPr>
-          <p:cNvPr id="4" name="Picture 3">
-            <a:extLst>
-              <a:ext uri="{FF2B5EF4-FFF2-40B4-BE49-F238E27FC236}">
-                <a16:creationId xmlns:a16="http://schemas.microsoft.com/office/drawing/2014/main" id="{3D3EAE40-F42C-41FE-8F43-84FFECF64045}"/>
-              </a:ext>
-            </a:extLst>
-          </p:cNvPr>
-          <p:cNvPicPr>
-            <a:picLocks noChangeAspect="1"/>
-          </p:cNvPicPr>
-          <p:nvPr/>
-        </p:nvPicPr>
-        <p:blipFill rotWithShape="1">
-          <a:blip r:embed="rId3"/>
-          <a:srcRect r="20043"/>
-          <a:stretch/>
-        </p:blipFill>
-        <p:spPr>
-          <a:xfrm>
-            <a:off x="1475394" y="1613625"/>
-            <a:ext cx="3098406" cy="1423162"/>
-          </a:xfrm>
-          <a:prstGeom prst="rect">
-            <a:avLst/>
-          </a:prstGeom>
-          <a:ln w="57150">
-            <a:solidFill>
-              <a:srgbClr val="31937B"/>
-            </a:solidFill>
-          </a:ln>
-          <a:effectLst>
-            <a:outerShdw blurRad="190500" algn="tl" rotWithShape="0">
-              <a:srgbClr val="000000">
-                <a:alpha val="70000"/>
-              </a:srgbClr>
-            </a:outerShdw>
-          </a:effectLst>
-        </p:spPr>
-      </p:pic>
-      <p:pic>
-        <p:nvPicPr>
-          <p:cNvPr id="3" name="Picture 2">
-            <a:extLst>
-              <a:ext uri="{FF2B5EF4-FFF2-40B4-BE49-F238E27FC236}">
-                <a16:creationId xmlns:a16="http://schemas.microsoft.com/office/drawing/2014/main" id="{0EB0544B-A263-491B-8391-4E9869D13933}"/>
-              </a:ext>
-            </a:extLst>
-          </p:cNvPr>
-          <p:cNvPicPr>
-            <a:picLocks noChangeAspect="1"/>
-          </p:cNvPicPr>
-          <p:nvPr/>
-        </p:nvPicPr>
-        <p:blipFill rotWithShape="1">
-          <a:blip r:embed="rId4"/>
-          <a:srcRect l="12604" t="6724" r="3854" b="5659"/>
-          <a:stretch/>
-        </p:blipFill>
-        <p:spPr>
-          <a:xfrm>
-            <a:off x="2748990" y="2519025"/>
-            <a:ext cx="2807502" cy="1438757"/>
-          </a:xfrm>
-          <a:prstGeom prst="rect">
-            <a:avLst/>
-          </a:prstGeom>
-          <a:ln w="57150">
-            <a:solidFill>
-              <a:srgbClr val="31937B"/>
-            </a:solidFill>
-          </a:ln>
-          <a:effectLst>
-            <a:outerShdw blurRad="190500" algn="tl" rotWithShape="0">
-              <a:srgbClr val="000000">
-                <a:alpha val="70000"/>
-              </a:srgbClr>
-            </a:outerShdw>
-          </a:effectLst>
-        </p:spPr>
-      </p:pic>
-      <p:pic>
-        <p:nvPicPr>
-          <p:cNvPr id="5" name="Picture 4">
-            <a:extLst>
-              <a:ext uri="{FF2B5EF4-FFF2-40B4-BE49-F238E27FC236}">
-                <a16:creationId xmlns:a16="http://schemas.microsoft.com/office/drawing/2014/main" id="{DFF05B92-FEC2-4E82-A74F-5675C7250046}"/>
-              </a:ext>
-            </a:extLst>
-          </p:cNvPr>
-          <p:cNvPicPr>
-            <a:picLocks noChangeAspect="1"/>
-          </p:cNvPicPr>
-          <p:nvPr/>
-        </p:nvPicPr>
-        <p:blipFill rotWithShape="1">
-          <a:blip r:embed="rId5"/>
-          <a:srcRect r="2145"/>
-          <a:stretch/>
-        </p:blipFill>
-        <p:spPr>
-          <a:xfrm>
-            <a:off x="4212900" y="3751904"/>
-            <a:ext cx="1883100" cy="477682"/>
-          </a:xfrm>
-          <a:prstGeom prst="rect">
-            <a:avLst/>
-          </a:prstGeom>
-          <a:ln w="57150">
-            <a:solidFill>
-              <a:srgbClr val="31937B"/>
-            </a:solidFill>
-          </a:ln>
-          <a:effectLst>
-            <a:outerShdw blurRad="190500" algn="tl" rotWithShape="0">
-              <a:srgbClr val="000000">
-                <a:alpha val="70000"/>
-              </a:srgbClr>
-            </a:outerShdw>
-          </a:effectLst>
-        </p:spPr>
-      </p:pic>
       <p:grpSp>
         <p:nvGrpSpPr>
-          <p:cNvPr id="50" name="Group 49">
-            <a:extLst>
-              <a:ext uri="{FF2B5EF4-FFF2-40B4-BE49-F238E27FC236}">
-                <a16:creationId xmlns:a16="http://schemas.microsoft.com/office/drawing/2014/main" id="{6C07AF0A-5BC8-412B-BF00-2D7A13ED3AFD}"/>
+          <p:cNvPr id="2" name="Group 1">
+            <a:extLst>
+              <a:ext uri="{FF2B5EF4-FFF2-40B4-BE49-F238E27FC236}">
+                <a16:creationId xmlns:a16="http://schemas.microsoft.com/office/drawing/2014/main" id="{A930F471-B159-48CA-BE02-834B44A39A31}"/>
               </a:ext>
             </a:extLst>
           </p:cNvPr>
@@ -18079,2132 +19433,18 @@
         </p:nvGrpSpPr>
         <p:grpSpPr>
           <a:xfrm>
-            <a:off x="4989367" y="737978"/>
-            <a:ext cx="1184958" cy="1414567"/>
-            <a:chOff x="568331" y="5003724"/>
-            <a:chExt cx="1184958" cy="1414567"/>
-          </a:xfrm>
-        </p:grpSpPr>
-        <p:grpSp>
-          <p:nvGrpSpPr>
-            <p:cNvPr id="51" name="Group 50">
-              <a:extLst>
-                <a:ext uri="{FF2B5EF4-FFF2-40B4-BE49-F238E27FC236}">
-                  <a16:creationId xmlns:a16="http://schemas.microsoft.com/office/drawing/2014/main" id="{7289AC6E-114A-464A-AA1A-4F5A2E92D936}"/>
-                </a:ext>
-              </a:extLst>
-            </p:cNvPr>
-            <p:cNvGrpSpPr/>
-            <p:nvPr/>
-          </p:nvGrpSpPr>
-          <p:grpSpPr>
-            <a:xfrm>
-              <a:off x="894319" y="5317773"/>
-              <a:ext cx="534596" cy="547441"/>
-              <a:chOff x="1975124" y="4310420"/>
-              <a:chExt cx="742074" cy="759904"/>
-            </a:xfrm>
-          </p:grpSpPr>
-          <p:sp>
-            <p:nvSpPr>
-              <p:cNvPr id="66" name="Freeform: Shape 65">
-                <a:extLst>
-                  <a:ext uri="{FF2B5EF4-FFF2-40B4-BE49-F238E27FC236}">
-                    <a16:creationId xmlns:a16="http://schemas.microsoft.com/office/drawing/2014/main" id="{ABB0CE22-1238-4488-802E-4193A6EA8CC4}"/>
-                  </a:ext>
-                </a:extLst>
-              </p:cNvPr>
-              <p:cNvSpPr/>
-              <p:nvPr/>
-            </p:nvSpPr>
-            <p:spPr>
-              <a:xfrm flipV="1">
-                <a:off x="2175212" y="4310420"/>
-                <a:ext cx="351563" cy="404096"/>
-              </a:xfrm>
-              <a:custGeom>
-                <a:avLst/>
-                <a:gdLst>
-                  <a:gd name="connsiteX0" fmla="*/ 0 w 404095"/>
-                  <a:gd name="connsiteY0" fmla="*/ 175781 h 351562"/>
-                  <a:gd name="connsiteX1" fmla="*/ 87891 w 404095"/>
-                  <a:gd name="connsiteY1" fmla="*/ 0 h 351562"/>
-                  <a:gd name="connsiteX2" fmla="*/ 316205 w 404095"/>
-                  <a:gd name="connsiteY2" fmla="*/ 0 h 351562"/>
-                  <a:gd name="connsiteX3" fmla="*/ 404095 w 404095"/>
-                  <a:gd name="connsiteY3" fmla="*/ 175781 h 351562"/>
-                  <a:gd name="connsiteX4" fmla="*/ 316205 w 404095"/>
-                  <a:gd name="connsiteY4" fmla="*/ 351562 h 351562"/>
-                  <a:gd name="connsiteX5" fmla="*/ 87891 w 404095"/>
-                  <a:gd name="connsiteY5" fmla="*/ 351562 h 351562"/>
-                  <a:gd name="connsiteX6" fmla="*/ 0 w 404095"/>
-                  <a:gd name="connsiteY6" fmla="*/ 175781 h 351562"/>
-                </a:gdLst>
-                <a:ahLst/>
-                <a:cxnLst>
-                  <a:cxn ang="0">
-                    <a:pos x="connsiteX0" y="connsiteY0"/>
-                  </a:cxn>
-                  <a:cxn ang="0">
-                    <a:pos x="connsiteX1" y="connsiteY1"/>
-                  </a:cxn>
-                  <a:cxn ang="0">
-                    <a:pos x="connsiteX2" y="connsiteY2"/>
-                  </a:cxn>
-                  <a:cxn ang="0">
-                    <a:pos x="connsiteX3" y="connsiteY3"/>
-                  </a:cxn>
-                  <a:cxn ang="0">
-                    <a:pos x="connsiteX4" y="connsiteY4"/>
-                  </a:cxn>
-                  <a:cxn ang="0">
-                    <a:pos x="connsiteX5" y="connsiteY5"/>
-                  </a:cxn>
-                  <a:cxn ang="0">
-                    <a:pos x="connsiteX6" y="connsiteY6"/>
-                  </a:cxn>
-                </a:cxnLst>
-                <a:rect l="l" t="t" r="r" b="b"/>
-                <a:pathLst>
-                  <a:path w="404095" h="351562">
-                    <a:moveTo>
-                      <a:pt x="202048" y="0"/>
-                    </a:moveTo>
-                    <a:lnTo>
-                      <a:pt x="404094" y="76465"/>
-                    </a:lnTo>
-                    <a:lnTo>
-                      <a:pt x="404094" y="275098"/>
-                    </a:lnTo>
-                    <a:lnTo>
-                      <a:pt x="202048" y="351562"/>
-                    </a:lnTo>
-                    <a:lnTo>
-                      <a:pt x="1" y="275098"/>
-                    </a:lnTo>
-                    <a:lnTo>
-                      <a:pt x="1" y="76465"/>
-                    </a:lnTo>
-                    <a:lnTo>
-                      <a:pt x="202048" y="0"/>
-                    </a:lnTo>
-                    <a:close/>
-                  </a:path>
-                </a:pathLst>
-              </a:custGeom>
-              <a:solidFill>
-                <a:srgbClr val="44C1A3">
-                  <a:hueOff val="329087"/>
-                  <a:satOff val="1426"/>
-                  <a:lumOff val="941"/>
-                  <a:alphaOff val="0"/>
-                </a:srgbClr>
-              </a:solidFill>
-              <a:ln w="12700" cap="flat" cmpd="sng" algn="ctr">
-                <a:solidFill>
-                  <a:sysClr val="window" lastClr="FFFFFF">
-                    <a:hueOff val="0"/>
-                    <a:satOff val="0"/>
-                    <a:lumOff val="0"/>
-                    <a:alphaOff val="0"/>
-                  </a:sysClr>
-                </a:solidFill>
-                <a:prstDash val="solid"/>
-                <a:miter lim="800000"/>
-              </a:ln>
-              <a:effectLst/>
-            </p:spPr>
-            <p:txBody>
-              <a:bodyPr spcFirstLastPara="0" vert="horz" wrap="square" lIns="54785" tIns="62972" rIns="54786" bIns="62971" numCol="1" spcCol="1270" anchor="ctr" anchorCtr="0">
-                <a:noAutofit/>
-              </a:bodyPr>
-              <a:lstStyle/>
-              <a:p>
-                <a:pPr marL="0" marR="0" lvl="0" indent="0" algn="ctr" defTabSz="933450" rtl="1" eaLnBrk="1" fontAlgn="auto" latinLnBrk="0" hangingPunct="1">
-                  <a:lnSpc>
-                    <a:spcPct val="90000"/>
-                  </a:lnSpc>
-                  <a:spcBef>
-                    <a:spcPct val="0"/>
-                  </a:spcBef>
-                  <a:spcAft>
-                    <a:spcPct val="35000"/>
-                  </a:spcAft>
-                  <a:buClrTx/>
-                  <a:buSzTx/>
-                  <a:buFontTx/>
-                  <a:buNone/>
-                  <a:tabLst/>
-                  <a:defRPr/>
-                </a:pPr>
-                <a:endParaRPr kumimoji="0" lang="he-IL" sz="2100" b="0" i="0" u="none" strike="noStrike" kern="0" cap="none" spc="0" normalizeH="0" baseline="0" noProof="0">
-                  <a:ln>
-                    <a:noFill/>
-                  </a:ln>
-                  <a:solidFill>
-                    <a:prstClr val="white"/>
-                  </a:solidFill>
-                  <a:effectLst/>
-                  <a:uLnTx/>
-                  <a:uFillTx/>
-                  <a:latin typeface="Calibri" panose="020F0502020204030204"/>
-                  <a:ea typeface="+mn-ea"/>
-                  <a:cs typeface="Arial" panose="020B0604020202020204" pitchFamily="34" charset="0"/>
-                </a:endParaRPr>
-              </a:p>
-            </p:txBody>
-          </p:sp>
-          <p:sp>
-            <p:nvSpPr>
-              <p:cNvPr id="67" name="Freeform: Shape 66">
-                <a:extLst>
-                  <a:ext uri="{FF2B5EF4-FFF2-40B4-BE49-F238E27FC236}">
-                    <a16:creationId xmlns:a16="http://schemas.microsoft.com/office/drawing/2014/main" id="{27D1AD8E-E1EC-4E77-B549-99760D78D09D}"/>
-                  </a:ext>
-                </a:extLst>
-              </p:cNvPr>
-              <p:cNvSpPr/>
-              <p:nvPr/>
-            </p:nvSpPr>
-            <p:spPr>
-              <a:xfrm flipV="1">
-                <a:off x="2365635" y="4666228"/>
-                <a:ext cx="351563" cy="404096"/>
-              </a:xfrm>
-              <a:custGeom>
-                <a:avLst/>
-                <a:gdLst>
-                  <a:gd name="connsiteX0" fmla="*/ 0 w 404095"/>
-                  <a:gd name="connsiteY0" fmla="*/ 175781 h 351562"/>
-                  <a:gd name="connsiteX1" fmla="*/ 87891 w 404095"/>
-                  <a:gd name="connsiteY1" fmla="*/ 0 h 351562"/>
-                  <a:gd name="connsiteX2" fmla="*/ 316205 w 404095"/>
-                  <a:gd name="connsiteY2" fmla="*/ 0 h 351562"/>
-                  <a:gd name="connsiteX3" fmla="*/ 404095 w 404095"/>
-                  <a:gd name="connsiteY3" fmla="*/ 175781 h 351562"/>
-                  <a:gd name="connsiteX4" fmla="*/ 316205 w 404095"/>
-                  <a:gd name="connsiteY4" fmla="*/ 351562 h 351562"/>
-                  <a:gd name="connsiteX5" fmla="*/ 87891 w 404095"/>
-                  <a:gd name="connsiteY5" fmla="*/ 351562 h 351562"/>
-                  <a:gd name="connsiteX6" fmla="*/ 0 w 404095"/>
-                  <a:gd name="connsiteY6" fmla="*/ 175781 h 351562"/>
-                </a:gdLst>
-                <a:ahLst/>
-                <a:cxnLst>
-                  <a:cxn ang="0">
-                    <a:pos x="connsiteX0" y="connsiteY0"/>
-                  </a:cxn>
-                  <a:cxn ang="0">
-                    <a:pos x="connsiteX1" y="connsiteY1"/>
-                  </a:cxn>
-                  <a:cxn ang="0">
-                    <a:pos x="connsiteX2" y="connsiteY2"/>
-                  </a:cxn>
-                  <a:cxn ang="0">
-                    <a:pos x="connsiteX3" y="connsiteY3"/>
-                  </a:cxn>
-                  <a:cxn ang="0">
-                    <a:pos x="connsiteX4" y="connsiteY4"/>
-                  </a:cxn>
-                  <a:cxn ang="0">
-                    <a:pos x="connsiteX5" y="connsiteY5"/>
-                  </a:cxn>
-                  <a:cxn ang="0">
-                    <a:pos x="connsiteX6" y="connsiteY6"/>
-                  </a:cxn>
-                </a:cxnLst>
-                <a:rect l="l" t="t" r="r" b="b"/>
-                <a:pathLst>
-                  <a:path w="404095" h="351562">
-                    <a:moveTo>
-                      <a:pt x="202048" y="0"/>
-                    </a:moveTo>
-                    <a:lnTo>
-                      <a:pt x="404094" y="76465"/>
-                    </a:lnTo>
-                    <a:lnTo>
-                      <a:pt x="404094" y="275098"/>
-                    </a:lnTo>
-                    <a:lnTo>
-                      <a:pt x="202048" y="351562"/>
-                    </a:lnTo>
-                    <a:lnTo>
-                      <a:pt x="1" y="275098"/>
-                    </a:lnTo>
-                    <a:lnTo>
-                      <a:pt x="1" y="76465"/>
-                    </a:lnTo>
-                    <a:lnTo>
-                      <a:pt x="202048" y="0"/>
-                    </a:lnTo>
-                    <a:close/>
-                  </a:path>
-                </a:pathLst>
-              </a:custGeom>
-              <a:solidFill>
-                <a:srgbClr val="44C1A3">
-                  <a:hueOff val="658174"/>
-                  <a:satOff val="2853"/>
-                  <a:lumOff val="1882"/>
-                  <a:alphaOff val="0"/>
-                </a:srgbClr>
-              </a:solidFill>
-              <a:ln w="12700" cap="flat" cmpd="sng" algn="ctr">
-                <a:solidFill>
-                  <a:sysClr val="window" lastClr="FFFFFF">
-                    <a:hueOff val="0"/>
-                    <a:satOff val="0"/>
-                    <a:lumOff val="0"/>
-                    <a:alphaOff val="0"/>
-                  </a:sysClr>
-                </a:solidFill>
-                <a:prstDash val="solid"/>
-                <a:miter lim="800000"/>
-              </a:ln>
-              <a:effectLst/>
-            </p:spPr>
-            <p:txBody>
-              <a:bodyPr spcFirstLastPara="0" vert="horz" wrap="square" lIns="104315" tIns="112502" rIns="104316" bIns="112501" numCol="1" spcCol="1270" anchor="ctr" anchorCtr="0">
-                <a:noAutofit/>
-              </a:bodyPr>
-              <a:lstStyle/>
-              <a:p>
-                <a:pPr marL="0" marR="0" lvl="0" indent="0" algn="ctr" defTabSz="577850" rtl="1" eaLnBrk="1" fontAlgn="auto" latinLnBrk="0" hangingPunct="1">
-                  <a:lnSpc>
-                    <a:spcPct val="90000"/>
-                  </a:lnSpc>
-                  <a:spcBef>
-                    <a:spcPct val="0"/>
-                  </a:spcBef>
-                  <a:spcAft>
-                    <a:spcPct val="35000"/>
-                  </a:spcAft>
-                  <a:buClrTx/>
-                  <a:buSzTx/>
-                  <a:buFontTx/>
-                  <a:buNone/>
-                  <a:tabLst/>
-                  <a:defRPr/>
-                </a:pPr>
-                <a:r>
-                  <a:rPr kumimoji="0" lang="he-IL" sz="1300" b="0" i="0" u="none" strike="noStrike" kern="0" cap="none" spc="0" normalizeH="0" baseline="0" noProof="0" dirty="0">
-                    <a:ln>
-                      <a:noFill/>
-                    </a:ln>
-                    <a:solidFill>
-                      <a:prstClr val="white"/>
-                    </a:solidFill>
-                    <a:effectLst/>
-                    <a:uLnTx/>
-                    <a:uFillTx/>
-                    <a:latin typeface="Calibri" panose="020F0502020204030204"/>
-                    <a:ea typeface="+mn-ea"/>
-                    <a:cs typeface="Arial" panose="020B0604020202020204" pitchFamily="34" charset="0"/>
-                  </a:rPr>
-                  <a:t> </a:t>
-                </a:r>
-              </a:p>
-            </p:txBody>
-          </p:sp>
-          <p:sp>
-            <p:nvSpPr>
-              <p:cNvPr id="68" name="Freeform: Shape 67">
-                <a:extLst>
-                  <a:ext uri="{FF2B5EF4-FFF2-40B4-BE49-F238E27FC236}">
-                    <a16:creationId xmlns:a16="http://schemas.microsoft.com/office/drawing/2014/main" id="{D38D2221-B808-4E90-8E2B-CCCE3850A939}"/>
-                  </a:ext>
-                </a:extLst>
-              </p:cNvPr>
-              <p:cNvSpPr/>
-              <p:nvPr/>
-            </p:nvSpPr>
-            <p:spPr>
-              <a:xfrm flipV="1">
-                <a:off x="1975124" y="4654780"/>
-                <a:ext cx="351563" cy="404096"/>
-              </a:xfrm>
-              <a:custGeom>
-                <a:avLst/>
-                <a:gdLst>
-                  <a:gd name="connsiteX0" fmla="*/ 0 w 404095"/>
-                  <a:gd name="connsiteY0" fmla="*/ 175781 h 351562"/>
-                  <a:gd name="connsiteX1" fmla="*/ 87891 w 404095"/>
-                  <a:gd name="connsiteY1" fmla="*/ 0 h 351562"/>
-                  <a:gd name="connsiteX2" fmla="*/ 316205 w 404095"/>
-                  <a:gd name="connsiteY2" fmla="*/ 0 h 351562"/>
-                  <a:gd name="connsiteX3" fmla="*/ 404095 w 404095"/>
-                  <a:gd name="connsiteY3" fmla="*/ 175781 h 351562"/>
-                  <a:gd name="connsiteX4" fmla="*/ 316205 w 404095"/>
-                  <a:gd name="connsiteY4" fmla="*/ 351562 h 351562"/>
-                  <a:gd name="connsiteX5" fmla="*/ 87891 w 404095"/>
-                  <a:gd name="connsiteY5" fmla="*/ 351562 h 351562"/>
-                  <a:gd name="connsiteX6" fmla="*/ 0 w 404095"/>
-                  <a:gd name="connsiteY6" fmla="*/ 175781 h 351562"/>
-                </a:gdLst>
-                <a:ahLst/>
-                <a:cxnLst>
-                  <a:cxn ang="0">
-                    <a:pos x="connsiteX0" y="connsiteY0"/>
-                  </a:cxn>
-                  <a:cxn ang="0">
-                    <a:pos x="connsiteX1" y="connsiteY1"/>
-                  </a:cxn>
-                  <a:cxn ang="0">
-                    <a:pos x="connsiteX2" y="connsiteY2"/>
-                  </a:cxn>
-                  <a:cxn ang="0">
-                    <a:pos x="connsiteX3" y="connsiteY3"/>
-                  </a:cxn>
-                  <a:cxn ang="0">
-                    <a:pos x="connsiteX4" y="connsiteY4"/>
-                  </a:cxn>
-                  <a:cxn ang="0">
-                    <a:pos x="connsiteX5" y="connsiteY5"/>
-                  </a:cxn>
-                  <a:cxn ang="0">
-                    <a:pos x="connsiteX6" y="connsiteY6"/>
-                  </a:cxn>
-                </a:cxnLst>
-                <a:rect l="l" t="t" r="r" b="b"/>
-                <a:pathLst>
-                  <a:path w="404095" h="351562">
-                    <a:moveTo>
-                      <a:pt x="202048" y="0"/>
-                    </a:moveTo>
-                    <a:lnTo>
-                      <a:pt x="404094" y="76465"/>
-                    </a:lnTo>
-                    <a:lnTo>
-                      <a:pt x="404094" y="275098"/>
-                    </a:lnTo>
-                    <a:lnTo>
-                      <a:pt x="202048" y="351562"/>
-                    </a:lnTo>
-                    <a:lnTo>
-                      <a:pt x="1" y="275098"/>
-                    </a:lnTo>
-                    <a:lnTo>
-                      <a:pt x="1" y="76465"/>
-                    </a:lnTo>
-                    <a:lnTo>
-                      <a:pt x="202048" y="0"/>
-                    </a:lnTo>
-                    <a:close/>
-                  </a:path>
-                </a:pathLst>
-              </a:custGeom>
-              <a:solidFill>
-                <a:srgbClr val="44C1A3">
-                  <a:hueOff val="0"/>
-                  <a:satOff val="0"/>
-                  <a:lumOff val="0"/>
-                  <a:alphaOff val="0"/>
-                </a:srgbClr>
-              </a:solidFill>
-              <a:ln w="12700" cap="flat" cmpd="sng" algn="ctr">
-                <a:solidFill>
-                  <a:sysClr val="window" lastClr="FFFFFF">
-                    <a:hueOff val="0"/>
-                    <a:satOff val="0"/>
-                    <a:lumOff val="0"/>
-                    <a:alphaOff val="0"/>
-                  </a:sysClr>
-                </a:solidFill>
-                <a:prstDash val="solid"/>
-                <a:miter lim="800000"/>
-              </a:ln>
-              <a:effectLst/>
-            </p:spPr>
-            <p:txBody>
-              <a:bodyPr spcFirstLastPara="0" vert="horz" wrap="square" lIns="104315" tIns="112502" rIns="104316" bIns="112501" numCol="1" spcCol="1270" anchor="ctr" anchorCtr="0">
-                <a:noAutofit/>
-              </a:bodyPr>
-              <a:lstStyle/>
-              <a:p>
-                <a:pPr marL="0" marR="0" lvl="0" indent="0" algn="ctr" defTabSz="577850" rtl="1" eaLnBrk="1" fontAlgn="auto" latinLnBrk="0" hangingPunct="1">
-                  <a:lnSpc>
-                    <a:spcPct val="90000"/>
-                  </a:lnSpc>
-                  <a:spcBef>
-                    <a:spcPct val="0"/>
-                  </a:spcBef>
-                  <a:spcAft>
-                    <a:spcPct val="35000"/>
-                  </a:spcAft>
-                  <a:buClrTx/>
-                  <a:buSzTx/>
-                  <a:buFontTx/>
-                  <a:buNone/>
-                  <a:tabLst/>
-                  <a:defRPr/>
-                </a:pPr>
-                <a:r>
-                  <a:rPr kumimoji="0" lang="he-IL" sz="1300" b="0" i="0" u="none" strike="noStrike" kern="0" cap="none" spc="0" normalizeH="0" baseline="0" noProof="0" dirty="0">
-                    <a:ln>
-                      <a:noFill/>
-                    </a:ln>
-                    <a:solidFill>
-                      <a:prstClr val="white"/>
-                    </a:solidFill>
-                    <a:effectLst/>
-                    <a:uLnTx/>
-                    <a:uFillTx/>
-                    <a:latin typeface="Calibri" panose="020F0502020204030204"/>
-                    <a:ea typeface="+mn-ea"/>
-                    <a:cs typeface="Arial" panose="020B0604020202020204" pitchFamily="34" charset="0"/>
-                  </a:rPr>
-                  <a:t> </a:t>
-                </a:r>
-              </a:p>
-            </p:txBody>
-          </p:sp>
-        </p:grpSp>
-        <p:grpSp>
-          <p:nvGrpSpPr>
-            <p:cNvPr id="52" name="Group 51">
-              <a:extLst>
-                <a:ext uri="{FF2B5EF4-FFF2-40B4-BE49-F238E27FC236}">
-                  <a16:creationId xmlns:a16="http://schemas.microsoft.com/office/drawing/2014/main" id="{B0D9940E-C2E4-45E8-9155-71C60B415802}"/>
-                </a:ext>
-              </a:extLst>
-            </p:cNvPr>
-            <p:cNvGrpSpPr/>
-            <p:nvPr/>
-          </p:nvGrpSpPr>
-          <p:grpSpPr>
-            <a:xfrm>
-              <a:off x="1010033" y="5003724"/>
-              <a:ext cx="320259" cy="322611"/>
-              <a:chOff x="9982067" y="5906244"/>
-              <a:chExt cx="569852" cy="574921"/>
-            </a:xfrm>
-          </p:grpSpPr>
-          <p:sp>
-            <p:nvSpPr>
-              <p:cNvPr id="63" name="Freeform: Shape 62">
-                <a:extLst>
-                  <a:ext uri="{FF2B5EF4-FFF2-40B4-BE49-F238E27FC236}">
-                    <a16:creationId xmlns:a16="http://schemas.microsoft.com/office/drawing/2014/main" id="{39E39BAB-F576-4C0D-9FB4-DED6A4EB5D0C}"/>
-                  </a:ext>
-                </a:extLst>
-              </p:cNvPr>
-              <p:cNvSpPr/>
-              <p:nvPr/>
-            </p:nvSpPr>
-            <p:spPr>
-              <a:xfrm flipV="1">
-                <a:off x="10131415" y="5906244"/>
-                <a:ext cx="271155" cy="311673"/>
-              </a:xfrm>
-              <a:custGeom>
-                <a:avLst/>
-                <a:gdLst>
-                  <a:gd name="connsiteX0" fmla="*/ 0 w 404095"/>
-                  <a:gd name="connsiteY0" fmla="*/ 175781 h 351562"/>
-                  <a:gd name="connsiteX1" fmla="*/ 87891 w 404095"/>
-                  <a:gd name="connsiteY1" fmla="*/ 0 h 351562"/>
-                  <a:gd name="connsiteX2" fmla="*/ 316205 w 404095"/>
-                  <a:gd name="connsiteY2" fmla="*/ 0 h 351562"/>
-                  <a:gd name="connsiteX3" fmla="*/ 404095 w 404095"/>
-                  <a:gd name="connsiteY3" fmla="*/ 175781 h 351562"/>
-                  <a:gd name="connsiteX4" fmla="*/ 316205 w 404095"/>
-                  <a:gd name="connsiteY4" fmla="*/ 351562 h 351562"/>
-                  <a:gd name="connsiteX5" fmla="*/ 87891 w 404095"/>
-                  <a:gd name="connsiteY5" fmla="*/ 351562 h 351562"/>
-                  <a:gd name="connsiteX6" fmla="*/ 0 w 404095"/>
-                  <a:gd name="connsiteY6" fmla="*/ 175781 h 351562"/>
-                </a:gdLst>
-                <a:ahLst/>
-                <a:cxnLst>
-                  <a:cxn ang="0">
-                    <a:pos x="connsiteX0" y="connsiteY0"/>
-                  </a:cxn>
-                  <a:cxn ang="0">
-                    <a:pos x="connsiteX1" y="connsiteY1"/>
-                  </a:cxn>
-                  <a:cxn ang="0">
-                    <a:pos x="connsiteX2" y="connsiteY2"/>
-                  </a:cxn>
-                  <a:cxn ang="0">
-                    <a:pos x="connsiteX3" y="connsiteY3"/>
-                  </a:cxn>
-                  <a:cxn ang="0">
-                    <a:pos x="connsiteX4" y="connsiteY4"/>
-                  </a:cxn>
-                  <a:cxn ang="0">
-                    <a:pos x="connsiteX5" y="connsiteY5"/>
-                  </a:cxn>
-                  <a:cxn ang="0">
-                    <a:pos x="connsiteX6" y="connsiteY6"/>
-                  </a:cxn>
-                </a:cxnLst>
-                <a:rect l="l" t="t" r="r" b="b"/>
-                <a:pathLst>
-                  <a:path w="404095" h="351562">
-                    <a:moveTo>
-                      <a:pt x="202048" y="0"/>
-                    </a:moveTo>
-                    <a:lnTo>
-                      <a:pt x="404094" y="76465"/>
-                    </a:lnTo>
-                    <a:lnTo>
-                      <a:pt x="404094" y="275098"/>
-                    </a:lnTo>
-                    <a:lnTo>
-                      <a:pt x="202048" y="351562"/>
-                    </a:lnTo>
-                    <a:lnTo>
-                      <a:pt x="1" y="275098"/>
-                    </a:lnTo>
-                    <a:lnTo>
-                      <a:pt x="1" y="76465"/>
-                    </a:lnTo>
-                    <a:lnTo>
-                      <a:pt x="202048" y="0"/>
-                    </a:lnTo>
-                    <a:close/>
-                  </a:path>
-                </a:pathLst>
-              </a:custGeom>
-              <a:solidFill>
-                <a:srgbClr val="44C1A3">
-                  <a:hueOff val="0"/>
-                  <a:satOff val="0"/>
-                  <a:lumOff val="0"/>
-                  <a:alphaOff val="0"/>
-                </a:srgbClr>
-              </a:solidFill>
-              <a:ln w="12700" cap="flat" cmpd="sng" algn="ctr">
-                <a:solidFill>
-                  <a:sysClr val="window" lastClr="FFFFFF">
-                    <a:hueOff val="0"/>
-                    <a:satOff val="0"/>
-                    <a:lumOff val="0"/>
-                    <a:alphaOff val="0"/>
-                  </a:sysClr>
-                </a:solidFill>
-                <a:prstDash val="solid"/>
-                <a:miter lim="800000"/>
-              </a:ln>
-              <a:effectLst/>
-            </p:spPr>
-            <p:txBody>
-              <a:bodyPr spcFirstLastPara="0" vert="horz" wrap="square" lIns="104315" tIns="112502" rIns="104316" bIns="112501" numCol="1" spcCol="1270" anchor="ctr" anchorCtr="0">
-                <a:noAutofit/>
-              </a:bodyPr>
-              <a:lstStyle/>
-              <a:p>
-                <a:pPr marL="0" marR="0" lvl="0" indent="0" algn="ctr" defTabSz="577850" eaLnBrk="1" fontAlgn="auto" latinLnBrk="0" hangingPunct="1">
-                  <a:lnSpc>
-                    <a:spcPct val="90000"/>
-                  </a:lnSpc>
-                  <a:spcBef>
-                    <a:spcPct val="0"/>
-                  </a:spcBef>
-                  <a:spcAft>
-                    <a:spcPct val="35000"/>
-                  </a:spcAft>
-                  <a:buClrTx/>
-                  <a:buSzTx/>
-                  <a:buFontTx/>
-                  <a:buNone/>
-                  <a:tabLst/>
-                  <a:defRPr/>
-                </a:pPr>
-                <a:r>
-                  <a:rPr kumimoji="0" lang="he-IL" sz="1300" b="0" i="0" u="none" strike="noStrike" kern="0" cap="none" spc="0" normalizeH="0" baseline="0" noProof="0" dirty="0">
-                    <a:ln>
-                      <a:noFill/>
-                    </a:ln>
-                    <a:solidFill>
-                      <a:prstClr val="white"/>
-                    </a:solidFill>
-                    <a:effectLst/>
-                    <a:uLnTx/>
-                    <a:uFillTx/>
-                    <a:latin typeface="Calibri" panose="020F0502020204030204"/>
-                    <a:ea typeface="+mn-ea"/>
-                    <a:cs typeface="Arial" panose="020B0604020202020204" pitchFamily="34" charset="0"/>
-                  </a:rPr>
-                  <a:t> </a:t>
-                </a:r>
-              </a:p>
-            </p:txBody>
-          </p:sp>
-          <p:sp>
-            <p:nvSpPr>
-              <p:cNvPr id="64" name="Freeform: Shape 63">
-                <a:extLst>
-                  <a:ext uri="{FF2B5EF4-FFF2-40B4-BE49-F238E27FC236}">
-                    <a16:creationId xmlns:a16="http://schemas.microsoft.com/office/drawing/2014/main" id="{0E0D6B2A-AC3C-47E0-88CC-D8C82D4A656E}"/>
-                  </a:ext>
-                </a:extLst>
-              </p:cNvPr>
-              <p:cNvSpPr/>
-              <p:nvPr/>
-            </p:nvSpPr>
-            <p:spPr>
-              <a:xfrm flipV="1">
-                <a:off x="10280764" y="6169492"/>
-                <a:ext cx="271155" cy="311673"/>
-              </a:xfrm>
-              <a:custGeom>
-                <a:avLst/>
-                <a:gdLst>
-                  <a:gd name="connsiteX0" fmla="*/ 0 w 404095"/>
-                  <a:gd name="connsiteY0" fmla="*/ 175781 h 351562"/>
-                  <a:gd name="connsiteX1" fmla="*/ 87891 w 404095"/>
-                  <a:gd name="connsiteY1" fmla="*/ 0 h 351562"/>
-                  <a:gd name="connsiteX2" fmla="*/ 316205 w 404095"/>
-                  <a:gd name="connsiteY2" fmla="*/ 0 h 351562"/>
-                  <a:gd name="connsiteX3" fmla="*/ 404095 w 404095"/>
-                  <a:gd name="connsiteY3" fmla="*/ 175781 h 351562"/>
-                  <a:gd name="connsiteX4" fmla="*/ 316205 w 404095"/>
-                  <a:gd name="connsiteY4" fmla="*/ 351562 h 351562"/>
-                  <a:gd name="connsiteX5" fmla="*/ 87891 w 404095"/>
-                  <a:gd name="connsiteY5" fmla="*/ 351562 h 351562"/>
-                  <a:gd name="connsiteX6" fmla="*/ 0 w 404095"/>
-                  <a:gd name="connsiteY6" fmla="*/ 175781 h 351562"/>
-                </a:gdLst>
-                <a:ahLst/>
-                <a:cxnLst>
-                  <a:cxn ang="0">
-                    <a:pos x="connsiteX0" y="connsiteY0"/>
-                  </a:cxn>
-                  <a:cxn ang="0">
-                    <a:pos x="connsiteX1" y="connsiteY1"/>
-                  </a:cxn>
-                  <a:cxn ang="0">
-                    <a:pos x="connsiteX2" y="connsiteY2"/>
-                  </a:cxn>
-                  <a:cxn ang="0">
-                    <a:pos x="connsiteX3" y="connsiteY3"/>
-                  </a:cxn>
-                  <a:cxn ang="0">
-                    <a:pos x="connsiteX4" y="connsiteY4"/>
-                  </a:cxn>
-                  <a:cxn ang="0">
-                    <a:pos x="connsiteX5" y="connsiteY5"/>
-                  </a:cxn>
-                  <a:cxn ang="0">
-                    <a:pos x="connsiteX6" y="connsiteY6"/>
-                  </a:cxn>
-                </a:cxnLst>
-                <a:rect l="l" t="t" r="r" b="b"/>
-                <a:pathLst>
-                  <a:path w="404095" h="351562">
-                    <a:moveTo>
-                      <a:pt x="202048" y="0"/>
-                    </a:moveTo>
-                    <a:lnTo>
-                      <a:pt x="404094" y="76465"/>
-                    </a:lnTo>
-                    <a:lnTo>
-                      <a:pt x="404094" y="275098"/>
-                    </a:lnTo>
-                    <a:lnTo>
-                      <a:pt x="202048" y="351562"/>
-                    </a:lnTo>
-                    <a:lnTo>
-                      <a:pt x="1" y="275098"/>
-                    </a:lnTo>
-                    <a:lnTo>
-                      <a:pt x="1" y="76465"/>
-                    </a:lnTo>
-                    <a:lnTo>
-                      <a:pt x="202048" y="0"/>
-                    </a:lnTo>
-                    <a:close/>
-                  </a:path>
-                </a:pathLst>
-              </a:custGeom>
-              <a:solidFill>
-                <a:srgbClr val="4EB3CF">
-                  <a:lumMod val="75000"/>
-                </a:srgbClr>
-              </a:solidFill>
-              <a:ln w="12700" cap="flat" cmpd="sng" algn="ctr">
-                <a:solidFill>
-                  <a:sysClr val="window" lastClr="FFFFFF">
-                    <a:hueOff val="0"/>
-                    <a:satOff val="0"/>
-                    <a:lumOff val="0"/>
-                    <a:alphaOff val="0"/>
-                  </a:sysClr>
-                </a:solidFill>
-                <a:prstDash val="solid"/>
-                <a:miter lim="800000"/>
-              </a:ln>
-              <a:effectLst/>
-            </p:spPr>
-            <p:txBody>
-              <a:bodyPr spcFirstLastPara="0" vert="horz" wrap="square" lIns="104315" tIns="112502" rIns="104316" bIns="112501" numCol="1" spcCol="1270" anchor="ctr" anchorCtr="0">
-                <a:noAutofit/>
-              </a:bodyPr>
-              <a:lstStyle/>
-              <a:p>
-                <a:pPr marL="0" marR="0" lvl="0" indent="0" algn="ctr" defTabSz="577850" eaLnBrk="1" fontAlgn="auto" latinLnBrk="0" hangingPunct="1">
-                  <a:lnSpc>
-                    <a:spcPct val="90000"/>
-                  </a:lnSpc>
-                  <a:spcBef>
-                    <a:spcPct val="0"/>
-                  </a:spcBef>
-                  <a:spcAft>
-                    <a:spcPct val="35000"/>
-                  </a:spcAft>
-                  <a:buClrTx/>
-                  <a:buSzTx/>
-                  <a:buFontTx/>
-                  <a:buNone/>
-                  <a:tabLst/>
-                  <a:defRPr/>
-                </a:pPr>
-                <a:r>
-                  <a:rPr kumimoji="0" lang="he-IL" sz="1300" b="0" i="0" u="none" strike="noStrike" kern="0" cap="none" spc="0" normalizeH="0" baseline="0" noProof="0" dirty="0">
-                    <a:ln>
-                      <a:noFill/>
-                    </a:ln>
-                    <a:solidFill>
-                      <a:prstClr val="white"/>
-                    </a:solidFill>
-                    <a:effectLst/>
-                    <a:uLnTx/>
-                    <a:uFillTx/>
-                    <a:latin typeface="Calibri" panose="020F0502020204030204"/>
-                    <a:ea typeface="+mn-ea"/>
-                    <a:cs typeface="Arial" panose="020B0604020202020204" pitchFamily="34" charset="0"/>
-                  </a:rPr>
-                  <a:t> </a:t>
-                </a:r>
-              </a:p>
-            </p:txBody>
-          </p:sp>
-          <p:sp>
-            <p:nvSpPr>
-              <p:cNvPr id="65" name="Freeform: Shape 64">
-                <a:extLst>
-                  <a:ext uri="{FF2B5EF4-FFF2-40B4-BE49-F238E27FC236}">
-                    <a16:creationId xmlns:a16="http://schemas.microsoft.com/office/drawing/2014/main" id="{B5C46AA9-3A7A-45A1-83D3-B0BB3C9AF521}"/>
-                  </a:ext>
-                </a:extLst>
-              </p:cNvPr>
-              <p:cNvSpPr/>
-              <p:nvPr/>
-            </p:nvSpPr>
-            <p:spPr>
-              <a:xfrm flipV="1">
-                <a:off x="9982067" y="6169485"/>
-                <a:ext cx="271155" cy="311673"/>
-              </a:xfrm>
-              <a:custGeom>
-                <a:avLst/>
-                <a:gdLst>
-                  <a:gd name="connsiteX0" fmla="*/ 0 w 404095"/>
-                  <a:gd name="connsiteY0" fmla="*/ 175781 h 351562"/>
-                  <a:gd name="connsiteX1" fmla="*/ 87891 w 404095"/>
-                  <a:gd name="connsiteY1" fmla="*/ 0 h 351562"/>
-                  <a:gd name="connsiteX2" fmla="*/ 316205 w 404095"/>
-                  <a:gd name="connsiteY2" fmla="*/ 0 h 351562"/>
-                  <a:gd name="connsiteX3" fmla="*/ 404095 w 404095"/>
-                  <a:gd name="connsiteY3" fmla="*/ 175781 h 351562"/>
-                  <a:gd name="connsiteX4" fmla="*/ 316205 w 404095"/>
-                  <a:gd name="connsiteY4" fmla="*/ 351562 h 351562"/>
-                  <a:gd name="connsiteX5" fmla="*/ 87891 w 404095"/>
-                  <a:gd name="connsiteY5" fmla="*/ 351562 h 351562"/>
-                  <a:gd name="connsiteX6" fmla="*/ 0 w 404095"/>
-                  <a:gd name="connsiteY6" fmla="*/ 175781 h 351562"/>
-                </a:gdLst>
-                <a:ahLst/>
-                <a:cxnLst>
-                  <a:cxn ang="0">
-                    <a:pos x="connsiteX0" y="connsiteY0"/>
-                  </a:cxn>
-                  <a:cxn ang="0">
-                    <a:pos x="connsiteX1" y="connsiteY1"/>
-                  </a:cxn>
-                  <a:cxn ang="0">
-                    <a:pos x="connsiteX2" y="connsiteY2"/>
-                  </a:cxn>
-                  <a:cxn ang="0">
-                    <a:pos x="connsiteX3" y="connsiteY3"/>
-                  </a:cxn>
-                  <a:cxn ang="0">
-                    <a:pos x="connsiteX4" y="connsiteY4"/>
-                  </a:cxn>
-                  <a:cxn ang="0">
-                    <a:pos x="connsiteX5" y="connsiteY5"/>
-                  </a:cxn>
-                  <a:cxn ang="0">
-                    <a:pos x="connsiteX6" y="connsiteY6"/>
-                  </a:cxn>
-                </a:cxnLst>
-                <a:rect l="l" t="t" r="r" b="b"/>
-                <a:pathLst>
-                  <a:path w="404095" h="351562">
-                    <a:moveTo>
-                      <a:pt x="202048" y="0"/>
-                    </a:moveTo>
-                    <a:lnTo>
-                      <a:pt x="404094" y="76465"/>
-                    </a:lnTo>
-                    <a:lnTo>
-                      <a:pt x="404094" y="275098"/>
-                    </a:lnTo>
-                    <a:lnTo>
-                      <a:pt x="202048" y="351562"/>
-                    </a:lnTo>
-                    <a:lnTo>
-                      <a:pt x="1" y="275098"/>
-                    </a:lnTo>
-                    <a:lnTo>
-                      <a:pt x="1" y="76465"/>
-                    </a:lnTo>
-                    <a:lnTo>
-                      <a:pt x="202048" y="0"/>
-                    </a:lnTo>
-                    <a:close/>
-                  </a:path>
-                </a:pathLst>
-              </a:custGeom>
-              <a:solidFill>
-                <a:srgbClr val="4EB3CF">
-                  <a:lumMod val="75000"/>
-                </a:srgbClr>
-              </a:solidFill>
-              <a:ln w="12700" cap="flat" cmpd="sng" algn="ctr">
-                <a:solidFill>
-                  <a:sysClr val="window" lastClr="FFFFFF">
-                    <a:hueOff val="0"/>
-                    <a:satOff val="0"/>
-                    <a:lumOff val="0"/>
-                    <a:alphaOff val="0"/>
-                  </a:sysClr>
-                </a:solidFill>
-                <a:prstDash val="solid"/>
-                <a:miter lim="800000"/>
-              </a:ln>
-              <a:effectLst/>
-            </p:spPr>
-            <p:txBody>
-              <a:bodyPr spcFirstLastPara="0" vert="horz" wrap="square" lIns="104315" tIns="112502" rIns="104316" bIns="112501" numCol="1" spcCol="1270" anchor="ctr" anchorCtr="0">
-                <a:noAutofit/>
-              </a:bodyPr>
-              <a:lstStyle/>
-              <a:p>
-                <a:pPr marL="0" marR="0" lvl="0" indent="0" algn="ctr" defTabSz="577850" eaLnBrk="1" fontAlgn="auto" latinLnBrk="0" hangingPunct="1">
-                  <a:lnSpc>
-                    <a:spcPct val="90000"/>
-                  </a:lnSpc>
-                  <a:spcBef>
-                    <a:spcPct val="0"/>
-                  </a:spcBef>
-                  <a:spcAft>
-                    <a:spcPct val="35000"/>
-                  </a:spcAft>
-                  <a:buClrTx/>
-                  <a:buSzTx/>
-                  <a:buFontTx/>
-                  <a:buNone/>
-                  <a:tabLst/>
-                  <a:defRPr/>
-                </a:pPr>
-                <a:r>
-                  <a:rPr kumimoji="0" lang="he-IL" sz="1300" b="0" i="0" u="none" strike="noStrike" kern="0" cap="none" spc="0" normalizeH="0" baseline="0" noProof="0" dirty="0">
-                    <a:ln>
-                      <a:noFill/>
-                    </a:ln>
-                    <a:solidFill>
-                      <a:prstClr val="white"/>
-                    </a:solidFill>
-                    <a:effectLst/>
-                    <a:uLnTx/>
-                    <a:uFillTx/>
-                    <a:latin typeface="Calibri" panose="020F0502020204030204"/>
-                    <a:ea typeface="+mn-ea"/>
-                    <a:cs typeface="Arial" panose="020B0604020202020204" pitchFamily="34" charset="0"/>
-                  </a:rPr>
-                  <a:t> </a:t>
-                </a:r>
-              </a:p>
-            </p:txBody>
-          </p:sp>
-        </p:grpSp>
-        <p:grpSp>
-          <p:nvGrpSpPr>
-            <p:cNvPr id="53" name="Group 52">
-              <a:extLst>
-                <a:ext uri="{FF2B5EF4-FFF2-40B4-BE49-F238E27FC236}">
-                  <a16:creationId xmlns:a16="http://schemas.microsoft.com/office/drawing/2014/main" id="{C2F68616-C56D-4F19-85B3-0EC39B3C2B6B}"/>
-                </a:ext>
-              </a:extLst>
-            </p:cNvPr>
-            <p:cNvGrpSpPr/>
-            <p:nvPr/>
-          </p:nvGrpSpPr>
-          <p:grpSpPr>
-            <a:xfrm flipV="1">
-              <a:off x="568331" y="5831329"/>
-              <a:ext cx="1184958" cy="586962"/>
-              <a:chOff x="9450558" y="3990020"/>
-              <a:chExt cx="1523096" cy="754457"/>
-            </a:xfrm>
-          </p:grpSpPr>
-          <p:sp>
-            <p:nvSpPr>
-              <p:cNvPr id="56" name="Freeform: Shape 55">
-                <a:extLst>
-                  <a:ext uri="{FF2B5EF4-FFF2-40B4-BE49-F238E27FC236}">
-                    <a16:creationId xmlns:a16="http://schemas.microsoft.com/office/drawing/2014/main" id="{72C77442-594D-47D0-9154-776EE82614FA}"/>
-                  </a:ext>
-                </a:extLst>
-              </p:cNvPr>
-              <p:cNvSpPr/>
-              <p:nvPr/>
-            </p:nvSpPr>
-            <p:spPr>
-              <a:xfrm>
-                <a:off x="10438959" y="4340379"/>
-                <a:ext cx="351564" cy="404096"/>
-              </a:xfrm>
-              <a:custGeom>
-                <a:avLst/>
-                <a:gdLst>
-                  <a:gd name="connsiteX0" fmla="*/ 0 w 404095"/>
-                  <a:gd name="connsiteY0" fmla="*/ 175781 h 351562"/>
-                  <a:gd name="connsiteX1" fmla="*/ 87891 w 404095"/>
-                  <a:gd name="connsiteY1" fmla="*/ 0 h 351562"/>
-                  <a:gd name="connsiteX2" fmla="*/ 316205 w 404095"/>
-                  <a:gd name="connsiteY2" fmla="*/ 0 h 351562"/>
-                  <a:gd name="connsiteX3" fmla="*/ 404095 w 404095"/>
-                  <a:gd name="connsiteY3" fmla="*/ 175781 h 351562"/>
-                  <a:gd name="connsiteX4" fmla="*/ 316205 w 404095"/>
-                  <a:gd name="connsiteY4" fmla="*/ 351562 h 351562"/>
-                  <a:gd name="connsiteX5" fmla="*/ 87891 w 404095"/>
-                  <a:gd name="connsiteY5" fmla="*/ 351562 h 351562"/>
-                  <a:gd name="connsiteX6" fmla="*/ 0 w 404095"/>
-                  <a:gd name="connsiteY6" fmla="*/ 175781 h 351562"/>
-                </a:gdLst>
-                <a:ahLst/>
-                <a:cxnLst>
-                  <a:cxn ang="0">
-                    <a:pos x="connsiteX0" y="connsiteY0"/>
-                  </a:cxn>
-                  <a:cxn ang="0">
-                    <a:pos x="connsiteX1" y="connsiteY1"/>
-                  </a:cxn>
-                  <a:cxn ang="0">
-                    <a:pos x="connsiteX2" y="connsiteY2"/>
-                  </a:cxn>
-                  <a:cxn ang="0">
-                    <a:pos x="connsiteX3" y="connsiteY3"/>
-                  </a:cxn>
-                  <a:cxn ang="0">
-                    <a:pos x="connsiteX4" y="connsiteY4"/>
-                  </a:cxn>
-                  <a:cxn ang="0">
-                    <a:pos x="connsiteX5" y="connsiteY5"/>
-                  </a:cxn>
-                  <a:cxn ang="0">
-                    <a:pos x="connsiteX6" y="connsiteY6"/>
-                  </a:cxn>
-                </a:cxnLst>
-                <a:rect l="l" t="t" r="r" b="b"/>
-                <a:pathLst>
-                  <a:path w="404095" h="351562">
-                    <a:moveTo>
-                      <a:pt x="202048" y="0"/>
-                    </a:moveTo>
-                    <a:lnTo>
-                      <a:pt x="404094" y="76465"/>
-                    </a:lnTo>
-                    <a:lnTo>
-                      <a:pt x="404094" y="275098"/>
-                    </a:lnTo>
-                    <a:lnTo>
-                      <a:pt x="202048" y="351562"/>
-                    </a:lnTo>
-                    <a:lnTo>
-                      <a:pt x="1" y="275098"/>
-                    </a:lnTo>
-                    <a:lnTo>
-                      <a:pt x="1" y="76465"/>
-                    </a:lnTo>
-                    <a:lnTo>
-                      <a:pt x="202048" y="0"/>
-                    </a:lnTo>
-                    <a:close/>
-                  </a:path>
-                </a:pathLst>
-              </a:custGeom>
-              <a:solidFill>
-                <a:srgbClr val="44C1A3">
-                  <a:hueOff val="0"/>
-                  <a:satOff val="0"/>
-                  <a:lumOff val="0"/>
-                  <a:alphaOff val="0"/>
-                </a:srgbClr>
-              </a:solidFill>
-              <a:ln w="12700" cap="flat" cmpd="sng" algn="ctr">
-                <a:solidFill>
-                  <a:sysClr val="window" lastClr="FFFFFF">
-                    <a:hueOff val="0"/>
-                    <a:satOff val="0"/>
-                    <a:lumOff val="0"/>
-                    <a:alphaOff val="0"/>
-                  </a:sysClr>
-                </a:solidFill>
-                <a:prstDash val="solid"/>
-                <a:miter lim="800000"/>
-              </a:ln>
-              <a:effectLst/>
-            </p:spPr>
-            <p:txBody>
-              <a:bodyPr spcFirstLastPara="0" vert="horz" wrap="square" lIns="104315" tIns="112502" rIns="104316" bIns="112501" numCol="1" spcCol="1270" anchor="ctr" anchorCtr="0">
-                <a:noAutofit/>
-              </a:bodyPr>
-              <a:lstStyle/>
-              <a:p>
-                <a:pPr marL="0" marR="0" lvl="0" indent="0" algn="ctr" defTabSz="577850" rtl="1" eaLnBrk="1" fontAlgn="auto" latinLnBrk="0" hangingPunct="1">
-                  <a:lnSpc>
-                    <a:spcPct val="90000"/>
-                  </a:lnSpc>
-                  <a:spcBef>
-                    <a:spcPct val="0"/>
-                  </a:spcBef>
-                  <a:spcAft>
-                    <a:spcPct val="35000"/>
-                  </a:spcAft>
-                  <a:buClrTx/>
-                  <a:buSzTx/>
-                  <a:buFontTx/>
-                  <a:buNone/>
-                  <a:tabLst/>
-                  <a:defRPr/>
-                </a:pPr>
-                <a:r>
-                  <a:rPr kumimoji="0" lang="he-IL" sz="1300" b="0" i="0" u="none" strike="noStrike" kern="0" cap="none" spc="0" normalizeH="0" baseline="0" noProof="0" dirty="0">
-                    <a:ln>
-                      <a:noFill/>
-                    </a:ln>
-                    <a:solidFill>
-                      <a:prstClr val="white"/>
-                    </a:solidFill>
-                    <a:effectLst/>
-                    <a:uLnTx/>
-                    <a:uFillTx/>
-                    <a:latin typeface="Calibri" panose="020F0502020204030204"/>
-                    <a:ea typeface="+mn-ea"/>
-                    <a:cs typeface="Arial" panose="020B0604020202020204" pitchFamily="34" charset="0"/>
-                  </a:rPr>
-                  <a:t> </a:t>
-                </a:r>
-              </a:p>
-            </p:txBody>
-          </p:sp>
-          <p:sp>
-            <p:nvSpPr>
-              <p:cNvPr id="57" name="Freeform: Shape 56">
-                <a:extLst>
-                  <a:ext uri="{FF2B5EF4-FFF2-40B4-BE49-F238E27FC236}">
-                    <a16:creationId xmlns:a16="http://schemas.microsoft.com/office/drawing/2014/main" id="{0CEF6F33-1EDC-4B09-AAC0-9EA23D13AFB5}"/>
-                  </a:ext>
-                </a:extLst>
-              </p:cNvPr>
-              <p:cNvSpPr/>
-              <p:nvPr/>
-            </p:nvSpPr>
-            <p:spPr>
-              <a:xfrm>
-                <a:off x="9641981" y="4340381"/>
-                <a:ext cx="351563" cy="404096"/>
-              </a:xfrm>
-              <a:custGeom>
-                <a:avLst/>
-                <a:gdLst>
-                  <a:gd name="connsiteX0" fmla="*/ 0 w 404095"/>
-                  <a:gd name="connsiteY0" fmla="*/ 175781 h 351562"/>
-                  <a:gd name="connsiteX1" fmla="*/ 87891 w 404095"/>
-                  <a:gd name="connsiteY1" fmla="*/ 0 h 351562"/>
-                  <a:gd name="connsiteX2" fmla="*/ 316205 w 404095"/>
-                  <a:gd name="connsiteY2" fmla="*/ 0 h 351562"/>
-                  <a:gd name="connsiteX3" fmla="*/ 404095 w 404095"/>
-                  <a:gd name="connsiteY3" fmla="*/ 175781 h 351562"/>
-                  <a:gd name="connsiteX4" fmla="*/ 316205 w 404095"/>
-                  <a:gd name="connsiteY4" fmla="*/ 351562 h 351562"/>
-                  <a:gd name="connsiteX5" fmla="*/ 87891 w 404095"/>
-                  <a:gd name="connsiteY5" fmla="*/ 351562 h 351562"/>
-                  <a:gd name="connsiteX6" fmla="*/ 0 w 404095"/>
-                  <a:gd name="connsiteY6" fmla="*/ 175781 h 351562"/>
-                </a:gdLst>
-                <a:ahLst/>
-                <a:cxnLst>
-                  <a:cxn ang="0">
-                    <a:pos x="connsiteX0" y="connsiteY0"/>
-                  </a:cxn>
-                  <a:cxn ang="0">
-                    <a:pos x="connsiteX1" y="connsiteY1"/>
-                  </a:cxn>
-                  <a:cxn ang="0">
-                    <a:pos x="connsiteX2" y="connsiteY2"/>
-                  </a:cxn>
-                  <a:cxn ang="0">
-                    <a:pos x="connsiteX3" y="connsiteY3"/>
-                  </a:cxn>
-                  <a:cxn ang="0">
-                    <a:pos x="connsiteX4" y="connsiteY4"/>
-                  </a:cxn>
-                  <a:cxn ang="0">
-                    <a:pos x="connsiteX5" y="connsiteY5"/>
-                  </a:cxn>
-                  <a:cxn ang="0">
-                    <a:pos x="connsiteX6" y="connsiteY6"/>
-                  </a:cxn>
-                </a:cxnLst>
-                <a:rect l="l" t="t" r="r" b="b"/>
-                <a:pathLst>
-                  <a:path w="404095" h="351562">
-                    <a:moveTo>
-                      <a:pt x="202048" y="0"/>
-                    </a:moveTo>
-                    <a:lnTo>
-                      <a:pt x="404094" y="76465"/>
-                    </a:lnTo>
-                    <a:lnTo>
-                      <a:pt x="404094" y="275098"/>
-                    </a:lnTo>
-                    <a:lnTo>
-                      <a:pt x="202048" y="351562"/>
-                    </a:lnTo>
-                    <a:lnTo>
-                      <a:pt x="1" y="275098"/>
-                    </a:lnTo>
-                    <a:lnTo>
-                      <a:pt x="1" y="76465"/>
-                    </a:lnTo>
-                    <a:lnTo>
-                      <a:pt x="202048" y="0"/>
-                    </a:lnTo>
-                    <a:close/>
-                  </a:path>
-                </a:pathLst>
-              </a:custGeom>
-              <a:solidFill>
-                <a:srgbClr val="44C1A3">
-                  <a:hueOff val="329087"/>
-                  <a:satOff val="1426"/>
-                  <a:lumOff val="941"/>
-                  <a:alphaOff val="0"/>
-                </a:srgbClr>
-              </a:solidFill>
-              <a:ln w="12700" cap="flat" cmpd="sng" algn="ctr">
-                <a:solidFill>
-                  <a:sysClr val="window" lastClr="FFFFFF">
-                    <a:hueOff val="0"/>
-                    <a:satOff val="0"/>
-                    <a:lumOff val="0"/>
-                    <a:alphaOff val="0"/>
-                  </a:sysClr>
-                </a:solidFill>
-                <a:prstDash val="solid"/>
-                <a:miter lim="800000"/>
-              </a:ln>
-              <a:effectLst/>
-            </p:spPr>
-            <p:txBody>
-              <a:bodyPr spcFirstLastPara="0" vert="horz" wrap="square" lIns="54785" tIns="62972" rIns="54786" bIns="62971" numCol="1" spcCol="1270" anchor="ctr" anchorCtr="0">
-                <a:noAutofit/>
-              </a:bodyPr>
-              <a:lstStyle/>
-              <a:p>
-                <a:pPr marL="0" marR="0" lvl="0" indent="0" algn="ctr" defTabSz="933450" rtl="1" eaLnBrk="1" fontAlgn="auto" latinLnBrk="0" hangingPunct="1">
-                  <a:lnSpc>
-                    <a:spcPct val="90000"/>
-                  </a:lnSpc>
-                  <a:spcBef>
-                    <a:spcPct val="0"/>
-                  </a:spcBef>
-                  <a:spcAft>
-                    <a:spcPct val="35000"/>
-                  </a:spcAft>
-                  <a:buClrTx/>
-                  <a:buSzTx/>
-                  <a:buFontTx/>
-                  <a:buNone/>
-                  <a:tabLst/>
-                  <a:defRPr/>
-                </a:pPr>
-                <a:endParaRPr kumimoji="0" lang="he-IL" sz="2100" b="0" i="0" u="none" strike="noStrike" kern="0" cap="none" spc="0" normalizeH="0" baseline="0" noProof="0">
-                  <a:ln>
-                    <a:noFill/>
-                  </a:ln>
-                  <a:solidFill>
-                    <a:prstClr val="white"/>
-                  </a:solidFill>
-                  <a:effectLst/>
-                  <a:uLnTx/>
-                  <a:uFillTx/>
-                  <a:latin typeface="Calibri" panose="020F0502020204030204"/>
-                  <a:ea typeface="+mn-ea"/>
-                  <a:cs typeface="Arial" panose="020B0604020202020204" pitchFamily="34" charset="0"/>
-                </a:endParaRPr>
-              </a:p>
-            </p:txBody>
-          </p:sp>
-          <p:sp>
-            <p:nvSpPr>
-              <p:cNvPr id="58" name="Freeform: Shape 57">
-                <a:extLst>
-                  <a:ext uri="{FF2B5EF4-FFF2-40B4-BE49-F238E27FC236}">
-                    <a16:creationId xmlns:a16="http://schemas.microsoft.com/office/drawing/2014/main" id="{7024171F-B9B0-44AD-A9E0-3A05D6069E68}"/>
-                  </a:ext>
-                </a:extLst>
-              </p:cNvPr>
-              <p:cNvSpPr/>
-              <p:nvPr/>
-            </p:nvSpPr>
-            <p:spPr>
-              <a:xfrm>
-                <a:off x="9841069" y="3990020"/>
-                <a:ext cx="351563" cy="404096"/>
-              </a:xfrm>
-              <a:custGeom>
-                <a:avLst/>
-                <a:gdLst>
-                  <a:gd name="connsiteX0" fmla="*/ 0 w 404095"/>
-                  <a:gd name="connsiteY0" fmla="*/ 175781 h 351562"/>
-                  <a:gd name="connsiteX1" fmla="*/ 87891 w 404095"/>
-                  <a:gd name="connsiteY1" fmla="*/ 0 h 351562"/>
-                  <a:gd name="connsiteX2" fmla="*/ 316205 w 404095"/>
-                  <a:gd name="connsiteY2" fmla="*/ 0 h 351562"/>
-                  <a:gd name="connsiteX3" fmla="*/ 404095 w 404095"/>
-                  <a:gd name="connsiteY3" fmla="*/ 175781 h 351562"/>
-                  <a:gd name="connsiteX4" fmla="*/ 316205 w 404095"/>
-                  <a:gd name="connsiteY4" fmla="*/ 351562 h 351562"/>
-                  <a:gd name="connsiteX5" fmla="*/ 87891 w 404095"/>
-                  <a:gd name="connsiteY5" fmla="*/ 351562 h 351562"/>
-                  <a:gd name="connsiteX6" fmla="*/ 0 w 404095"/>
-                  <a:gd name="connsiteY6" fmla="*/ 175781 h 351562"/>
-                </a:gdLst>
-                <a:ahLst/>
-                <a:cxnLst>
-                  <a:cxn ang="0">
-                    <a:pos x="connsiteX0" y="connsiteY0"/>
-                  </a:cxn>
-                  <a:cxn ang="0">
-                    <a:pos x="connsiteX1" y="connsiteY1"/>
-                  </a:cxn>
-                  <a:cxn ang="0">
-                    <a:pos x="connsiteX2" y="connsiteY2"/>
-                  </a:cxn>
-                  <a:cxn ang="0">
-                    <a:pos x="connsiteX3" y="connsiteY3"/>
-                  </a:cxn>
-                  <a:cxn ang="0">
-                    <a:pos x="connsiteX4" y="connsiteY4"/>
-                  </a:cxn>
-                  <a:cxn ang="0">
-                    <a:pos x="connsiteX5" y="connsiteY5"/>
-                  </a:cxn>
-                  <a:cxn ang="0">
-                    <a:pos x="connsiteX6" y="connsiteY6"/>
-                  </a:cxn>
-                </a:cxnLst>
-                <a:rect l="l" t="t" r="r" b="b"/>
-                <a:pathLst>
-                  <a:path w="404095" h="351562">
-                    <a:moveTo>
-                      <a:pt x="202048" y="0"/>
-                    </a:moveTo>
-                    <a:lnTo>
-                      <a:pt x="404094" y="76465"/>
-                    </a:lnTo>
-                    <a:lnTo>
-                      <a:pt x="404094" y="275098"/>
-                    </a:lnTo>
-                    <a:lnTo>
-                      <a:pt x="202048" y="351562"/>
-                    </a:lnTo>
-                    <a:lnTo>
-                      <a:pt x="1" y="275098"/>
-                    </a:lnTo>
-                    <a:lnTo>
-                      <a:pt x="1" y="76465"/>
-                    </a:lnTo>
-                    <a:lnTo>
-                      <a:pt x="202048" y="0"/>
-                    </a:lnTo>
-                    <a:close/>
-                  </a:path>
-                </a:pathLst>
-              </a:custGeom>
-              <a:solidFill>
-                <a:srgbClr val="44C1A3">
-                  <a:hueOff val="658174"/>
-                  <a:satOff val="2853"/>
-                  <a:lumOff val="1882"/>
-                  <a:alphaOff val="0"/>
-                </a:srgbClr>
-              </a:solidFill>
-              <a:ln w="12700" cap="flat" cmpd="sng" algn="ctr">
-                <a:solidFill>
-                  <a:sysClr val="window" lastClr="FFFFFF">
-                    <a:hueOff val="0"/>
-                    <a:satOff val="0"/>
-                    <a:lumOff val="0"/>
-                    <a:alphaOff val="0"/>
-                  </a:sysClr>
-                </a:solidFill>
-                <a:prstDash val="solid"/>
-                <a:miter lim="800000"/>
-              </a:ln>
-              <a:effectLst/>
-            </p:spPr>
-            <p:txBody>
-              <a:bodyPr spcFirstLastPara="0" vert="horz" wrap="square" lIns="104315" tIns="112502" rIns="104316" bIns="112501" numCol="1" spcCol="1270" anchor="ctr" anchorCtr="0">
-                <a:noAutofit/>
-              </a:bodyPr>
-              <a:lstStyle/>
-              <a:p>
-                <a:pPr marL="0" marR="0" lvl="0" indent="0" algn="ctr" defTabSz="577850" rtl="1" eaLnBrk="1" fontAlgn="auto" latinLnBrk="0" hangingPunct="1">
-                  <a:lnSpc>
-                    <a:spcPct val="90000"/>
-                  </a:lnSpc>
-                  <a:spcBef>
-                    <a:spcPct val="0"/>
-                  </a:spcBef>
-                  <a:spcAft>
-                    <a:spcPct val="35000"/>
-                  </a:spcAft>
-                  <a:buClrTx/>
-                  <a:buSzTx/>
-                  <a:buFontTx/>
-                  <a:buNone/>
-                  <a:tabLst/>
-                  <a:defRPr/>
-                </a:pPr>
-                <a:r>
-                  <a:rPr kumimoji="0" lang="he-IL" sz="1300" b="0" i="0" u="none" strike="noStrike" kern="0" cap="none" spc="0" normalizeH="0" baseline="0" noProof="0" dirty="0">
-                    <a:ln>
-                      <a:noFill/>
-                    </a:ln>
-                    <a:solidFill>
-                      <a:prstClr val="white"/>
-                    </a:solidFill>
-                    <a:effectLst/>
-                    <a:uLnTx/>
-                    <a:uFillTx/>
-                    <a:latin typeface="Calibri" panose="020F0502020204030204"/>
-                    <a:ea typeface="+mn-ea"/>
-                    <a:cs typeface="Arial" panose="020B0604020202020204" pitchFamily="34" charset="0"/>
-                  </a:rPr>
-                  <a:t> </a:t>
-                </a:r>
-              </a:p>
-            </p:txBody>
-          </p:sp>
-          <p:sp>
-            <p:nvSpPr>
-              <p:cNvPr id="59" name="Freeform: Shape 58">
-                <a:extLst>
-                  <a:ext uri="{FF2B5EF4-FFF2-40B4-BE49-F238E27FC236}">
-                    <a16:creationId xmlns:a16="http://schemas.microsoft.com/office/drawing/2014/main" id="{D4D2E544-96B6-468A-B6CB-7317735E335A}"/>
-                  </a:ext>
-                </a:extLst>
-              </p:cNvPr>
-              <p:cNvSpPr/>
-              <p:nvPr/>
-            </p:nvSpPr>
-            <p:spPr>
-              <a:xfrm>
-                <a:off x="10622091" y="3990020"/>
-                <a:ext cx="351563" cy="404096"/>
-              </a:xfrm>
-              <a:custGeom>
-                <a:avLst/>
-                <a:gdLst>
-                  <a:gd name="connsiteX0" fmla="*/ 0 w 404095"/>
-                  <a:gd name="connsiteY0" fmla="*/ 175781 h 351562"/>
-                  <a:gd name="connsiteX1" fmla="*/ 87891 w 404095"/>
-                  <a:gd name="connsiteY1" fmla="*/ 0 h 351562"/>
-                  <a:gd name="connsiteX2" fmla="*/ 316205 w 404095"/>
-                  <a:gd name="connsiteY2" fmla="*/ 0 h 351562"/>
-                  <a:gd name="connsiteX3" fmla="*/ 404095 w 404095"/>
-                  <a:gd name="connsiteY3" fmla="*/ 175781 h 351562"/>
-                  <a:gd name="connsiteX4" fmla="*/ 316205 w 404095"/>
-                  <a:gd name="connsiteY4" fmla="*/ 351562 h 351562"/>
-                  <a:gd name="connsiteX5" fmla="*/ 87891 w 404095"/>
-                  <a:gd name="connsiteY5" fmla="*/ 351562 h 351562"/>
-                  <a:gd name="connsiteX6" fmla="*/ 0 w 404095"/>
-                  <a:gd name="connsiteY6" fmla="*/ 175781 h 351562"/>
-                </a:gdLst>
-                <a:ahLst/>
-                <a:cxnLst>
-                  <a:cxn ang="0">
-                    <a:pos x="connsiteX0" y="connsiteY0"/>
-                  </a:cxn>
-                  <a:cxn ang="0">
-                    <a:pos x="connsiteX1" y="connsiteY1"/>
-                  </a:cxn>
-                  <a:cxn ang="0">
-                    <a:pos x="connsiteX2" y="connsiteY2"/>
-                  </a:cxn>
-                  <a:cxn ang="0">
-                    <a:pos x="connsiteX3" y="connsiteY3"/>
-                  </a:cxn>
-                  <a:cxn ang="0">
-                    <a:pos x="connsiteX4" y="connsiteY4"/>
-                  </a:cxn>
-                  <a:cxn ang="0">
-                    <a:pos x="connsiteX5" y="connsiteY5"/>
-                  </a:cxn>
-                  <a:cxn ang="0">
-                    <a:pos x="connsiteX6" y="connsiteY6"/>
-                  </a:cxn>
-                </a:cxnLst>
-                <a:rect l="l" t="t" r="r" b="b"/>
-                <a:pathLst>
-                  <a:path w="404095" h="351562">
-                    <a:moveTo>
-                      <a:pt x="202048" y="0"/>
-                    </a:moveTo>
-                    <a:lnTo>
-                      <a:pt x="404094" y="76465"/>
-                    </a:lnTo>
-                    <a:lnTo>
-                      <a:pt x="404094" y="275098"/>
-                    </a:lnTo>
-                    <a:lnTo>
-                      <a:pt x="202048" y="351562"/>
-                    </a:lnTo>
-                    <a:lnTo>
-                      <a:pt x="1" y="275098"/>
-                    </a:lnTo>
-                    <a:lnTo>
-                      <a:pt x="1" y="76465"/>
-                    </a:lnTo>
-                    <a:lnTo>
-                      <a:pt x="202048" y="0"/>
-                    </a:lnTo>
-                    <a:close/>
-                  </a:path>
-                </a:pathLst>
-              </a:custGeom>
-              <a:solidFill>
-                <a:srgbClr val="4EB3CF">
-                  <a:lumMod val="75000"/>
-                </a:srgbClr>
-              </a:solidFill>
-              <a:ln w="12700" cap="flat" cmpd="sng" algn="ctr">
-                <a:solidFill>
-                  <a:sysClr val="window" lastClr="FFFFFF">
-                    <a:hueOff val="0"/>
-                    <a:satOff val="0"/>
-                    <a:lumOff val="0"/>
-                    <a:alphaOff val="0"/>
-                  </a:sysClr>
-                </a:solidFill>
-                <a:prstDash val="solid"/>
-                <a:miter lim="800000"/>
-              </a:ln>
-              <a:effectLst/>
-            </p:spPr>
-            <p:txBody>
-              <a:bodyPr spcFirstLastPara="0" vert="horz" wrap="square" lIns="104315" tIns="112502" rIns="104316" bIns="112501" numCol="1" spcCol="1270" anchor="ctr" anchorCtr="0">
-                <a:noAutofit/>
-              </a:bodyPr>
-              <a:lstStyle/>
-              <a:p>
-                <a:pPr marL="0" marR="0" lvl="0" indent="0" algn="ctr" defTabSz="577850" rtl="1" eaLnBrk="1" fontAlgn="auto" latinLnBrk="0" hangingPunct="1">
-                  <a:lnSpc>
-                    <a:spcPct val="90000"/>
-                  </a:lnSpc>
-                  <a:spcBef>
-                    <a:spcPct val="0"/>
-                  </a:spcBef>
-                  <a:spcAft>
-                    <a:spcPct val="35000"/>
-                  </a:spcAft>
-                  <a:buClrTx/>
-                  <a:buSzTx/>
-                  <a:buFontTx/>
-                  <a:buNone/>
-                  <a:tabLst/>
-                  <a:defRPr/>
-                </a:pPr>
-                <a:r>
-                  <a:rPr kumimoji="0" lang="he-IL" sz="1300" b="0" i="0" u="none" strike="noStrike" kern="0" cap="none" spc="0" normalizeH="0" baseline="0" noProof="0" dirty="0">
-                    <a:ln>
-                      <a:noFill/>
-                    </a:ln>
-                    <a:solidFill>
-                      <a:prstClr val="white"/>
-                    </a:solidFill>
-                    <a:effectLst/>
-                    <a:uLnTx/>
-                    <a:uFillTx/>
-                    <a:latin typeface="Calibri" panose="020F0502020204030204"/>
-                    <a:ea typeface="+mn-ea"/>
-                    <a:cs typeface="Arial" panose="020B0604020202020204" pitchFamily="34" charset="0"/>
-                  </a:rPr>
-                  <a:t> </a:t>
-                </a:r>
-              </a:p>
-            </p:txBody>
-          </p:sp>
-          <p:sp>
-            <p:nvSpPr>
-              <p:cNvPr id="60" name="Freeform: Shape 59">
-                <a:extLst>
-                  <a:ext uri="{FF2B5EF4-FFF2-40B4-BE49-F238E27FC236}">
-                    <a16:creationId xmlns:a16="http://schemas.microsoft.com/office/drawing/2014/main" id="{F9B92F7A-B1F4-4BB3-B7B6-442C2976AAD2}"/>
-                  </a:ext>
-                </a:extLst>
-              </p:cNvPr>
-              <p:cNvSpPr/>
-              <p:nvPr/>
-            </p:nvSpPr>
-            <p:spPr>
-              <a:xfrm>
-                <a:off x="10040470" y="4340381"/>
-                <a:ext cx="351563" cy="404096"/>
-              </a:xfrm>
-              <a:custGeom>
-                <a:avLst/>
-                <a:gdLst>
-                  <a:gd name="connsiteX0" fmla="*/ 0 w 404095"/>
-                  <a:gd name="connsiteY0" fmla="*/ 175781 h 351562"/>
-                  <a:gd name="connsiteX1" fmla="*/ 87891 w 404095"/>
-                  <a:gd name="connsiteY1" fmla="*/ 0 h 351562"/>
-                  <a:gd name="connsiteX2" fmla="*/ 316205 w 404095"/>
-                  <a:gd name="connsiteY2" fmla="*/ 0 h 351562"/>
-                  <a:gd name="connsiteX3" fmla="*/ 404095 w 404095"/>
-                  <a:gd name="connsiteY3" fmla="*/ 175781 h 351562"/>
-                  <a:gd name="connsiteX4" fmla="*/ 316205 w 404095"/>
-                  <a:gd name="connsiteY4" fmla="*/ 351562 h 351562"/>
-                  <a:gd name="connsiteX5" fmla="*/ 87891 w 404095"/>
-                  <a:gd name="connsiteY5" fmla="*/ 351562 h 351562"/>
-                  <a:gd name="connsiteX6" fmla="*/ 0 w 404095"/>
-                  <a:gd name="connsiteY6" fmla="*/ 175781 h 351562"/>
-                </a:gdLst>
-                <a:ahLst/>
-                <a:cxnLst>
-                  <a:cxn ang="0">
-                    <a:pos x="connsiteX0" y="connsiteY0"/>
-                  </a:cxn>
-                  <a:cxn ang="0">
-                    <a:pos x="connsiteX1" y="connsiteY1"/>
-                  </a:cxn>
-                  <a:cxn ang="0">
-                    <a:pos x="connsiteX2" y="connsiteY2"/>
-                  </a:cxn>
-                  <a:cxn ang="0">
-                    <a:pos x="connsiteX3" y="connsiteY3"/>
-                  </a:cxn>
-                  <a:cxn ang="0">
-                    <a:pos x="connsiteX4" y="connsiteY4"/>
-                  </a:cxn>
-                  <a:cxn ang="0">
-                    <a:pos x="connsiteX5" y="connsiteY5"/>
-                  </a:cxn>
-                  <a:cxn ang="0">
-                    <a:pos x="connsiteX6" y="connsiteY6"/>
-                  </a:cxn>
-                </a:cxnLst>
-                <a:rect l="l" t="t" r="r" b="b"/>
-                <a:pathLst>
-                  <a:path w="404095" h="351562">
-                    <a:moveTo>
-                      <a:pt x="202048" y="0"/>
-                    </a:moveTo>
-                    <a:lnTo>
-                      <a:pt x="404094" y="76465"/>
-                    </a:lnTo>
-                    <a:lnTo>
-                      <a:pt x="404094" y="275098"/>
-                    </a:lnTo>
-                    <a:lnTo>
-                      <a:pt x="202048" y="351562"/>
-                    </a:lnTo>
-                    <a:lnTo>
-                      <a:pt x="1" y="275098"/>
-                    </a:lnTo>
-                    <a:lnTo>
-                      <a:pt x="1" y="76465"/>
-                    </a:lnTo>
-                    <a:lnTo>
-                      <a:pt x="202048" y="0"/>
-                    </a:lnTo>
-                    <a:close/>
-                  </a:path>
-                </a:pathLst>
-              </a:custGeom>
-              <a:solidFill>
-                <a:srgbClr val="4EB3CF">
-                  <a:lumMod val="50000"/>
-                </a:srgbClr>
-              </a:solidFill>
-              <a:ln w="12700" cap="flat" cmpd="sng" algn="ctr">
-                <a:solidFill>
-                  <a:sysClr val="window" lastClr="FFFFFF">
-                    <a:hueOff val="0"/>
-                    <a:satOff val="0"/>
-                    <a:lumOff val="0"/>
-                    <a:alphaOff val="0"/>
-                  </a:sysClr>
-                </a:solidFill>
-                <a:prstDash val="solid"/>
-                <a:miter lim="800000"/>
-              </a:ln>
-              <a:effectLst/>
-            </p:spPr>
-            <p:txBody>
-              <a:bodyPr spcFirstLastPara="0" vert="horz" wrap="square" lIns="54785" tIns="62972" rIns="54786" bIns="62971" numCol="1" spcCol="1270" anchor="ctr" anchorCtr="0">
-                <a:noAutofit/>
-              </a:bodyPr>
-              <a:lstStyle/>
-              <a:p>
-                <a:pPr marL="0" marR="0" lvl="0" indent="0" algn="ctr" defTabSz="933450" rtl="1" eaLnBrk="1" fontAlgn="auto" latinLnBrk="0" hangingPunct="1">
-                  <a:lnSpc>
-                    <a:spcPct val="90000"/>
-                  </a:lnSpc>
-                  <a:spcBef>
-                    <a:spcPct val="0"/>
-                  </a:spcBef>
-                  <a:spcAft>
-                    <a:spcPct val="35000"/>
-                  </a:spcAft>
-                  <a:buClrTx/>
-                  <a:buSzTx/>
-                  <a:buFontTx/>
-                  <a:buNone/>
-                  <a:tabLst/>
-                  <a:defRPr/>
-                </a:pPr>
-                <a:endParaRPr kumimoji="0" lang="he-IL" sz="2100" b="0" i="0" u="none" strike="noStrike" kern="0" cap="none" spc="0" normalizeH="0" baseline="0" noProof="0">
-                  <a:ln>
-                    <a:noFill/>
-                  </a:ln>
-                  <a:solidFill>
-                    <a:prstClr val="white"/>
-                  </a:solidFill>
-                  <a:effectLst/>
-                  <a:uLnTx/>
-                  <a:uFillTx/>
-                  <a:latin typeface="Calibri" panose="020F0502020204030204"/>
-                  <a:ea typeface="+mn-ea"/>
-                  <a:cs typeface="Arial" panose="020B0604020202020204" pitchFamily="34" charset="0"/>
-                </a:endParaRPr>
-              </a:p>
-            </p:txBody>
-          </p:sp>
-          <p:sp>
-            <p:nvSpPr>
-              <p:cNvPr id="61" name="Freeform: Shape 60">
-                <a:extLst>
-                  <a:ext uri="{FF2B5EF4-FFF2-40B4-BE49-F238E27FC236}">
-                    <a16:creationId xmlns:a16="http://schemas.microsoft.com/office/drawing/2014/main" id="{0F95B52E-1C8B-47E9-8D2B-AD1A0FFD0E97}"/>
-                  </a:ext>
-                </a:extLst>
-              </p:cNvPr>
-              <p:cNvSpPr/>
-              <p:nvPr/>
-            </p:nvSpPr>
-            <p:spPr>
-              <a:xfrm>
-                <a:off x="9450558" y="3990020"/>
-                <a:ext cx="351563" cy="404096"/>
-              </a:xfrm>
-              <a:custGeom>
-                <a:avLst/>
-                <a:gdLst>
-                  <a:gd name="connsiteX0" fmla="*/ 0 w 404095"/>
-                  <a:gd name="connsiteY0" fmla="*/ 175781 h 351562"/>
-                  <a:gd name="connsiteX1" fmla="*/ 87891 w 404095"/>
-                  <a:gd name="connsiteY1" fmla="*/ 0 h 351562"/>
-                  <a:gd name="connsiteX2" fmla="*/ 316205 w 404095"/>
-                  <a:gd name="connsiteY2" fmla="*/ 0 h 351562"/>
-                  <a:gd name="connsiteX3" fmla="*/ 404095 w 404095"/>
-                  <a:gd name="connsiteY3" fmla="*/ 175781 h 351562"/>
-                  <a:gd name="connsiteX4" fmla="*/ 316205 w 404095"/>
-                  <a:gd name="connsiteY4" fmla="*/ 351562 h 351562"/>
-                  <a:gd name="connsiteX5" fmla="*/ 87891 w 404095"/>
-                  <a:gd name="connsiteY5" fmla="*/ 351562 h 351562"/>
-                  <a:gd name="connsiteX6" fmla="*/ 0 w 404095"/>
-                  <a:gd name="connsiteY6" fmla="*/ 175781 h 351562"/>
-                </a:gdLst>
-                <a:ahLst/>
-                <a:cxnLst>
-                  <a:cxn ang="0">
-                    <a:pos x="connsiteX0" y="connsiteY0"/>
-                  </a:cxn>
-                  <a:cxn ang="0">
-                    <a:pos x="connsiteX1" y="connsiteY1"/>
-                  </a:cxn>
-                  <a:cxn ang="0">
-                    <a:pos x="connsiteX2" y="connsiteY2"/>
-                  </a:cxn>
-                  <a:cxn ang="0">
-                    <a:pos x="connsiteX3" y="connsiteY3"/>
-                  </a:cxn>
-                  <a:cxn ang="0">
-                    <a:pos x="connsiteX4" y="connsiteY4"/>
-                  </a:cxn>
-                  <a:cxn ang="0">
-                    <a:pos x="connsiteX5" y="connsiteY5"/>
-                  </a:cxn>
-                  <a:cxn ang="0">
-                    <a:pos x="connsiteX6" y="connsiteY6"/>
-                  </a:cxn>
-                </a:cxnLst>
-                <a:rect l="l" t="t" r="r" b="b"/>
-                <a:pathLst>
-                  <a:path w="404095" h="351562">
-                    <a:moveTo>
-                      <a:pt x="202048" y="0"/>
-                    </a:moveTo>
-                    <a:lnTo>
-                      <a:pt x="404094" y="76465"/>
-                    </a:lnTo>
-                    <a:lnTo>
-                      <a:pt x="404094" y="275098"/>
-                    </a:lnTo>
-                    <a:lnTo>
-                      <a:pt x="202048" y="351562"/>
-                    </a:lnTo>
-                    <a:lnTo>
-                      <a:pt x="1" y="275098"/>
-                    </a:lnTo>
-                    <a:lnTo>
-                      <a:pt x="1" y="76465"/>
-                    </a:lnTo>
-                    <a:lnTo>
-                      <a:pt x="202048" y="0"/>
-                    </a:lnTo>
-                    <a:close/>
-                  </a:path>
-                </a:pathLst>
-              </a:custGeom>
-              <a:solidFill>
-                <a:srgbClr val="44C1A3">
-                  <a:hueOff val="0"/>
-                  <a:satOff val="0"/>
-                  <a:lumOff val="0"/>
-                  <a:alphaOff val="0"/>
-                </a:srgbClr>
-              </a:solidFill>
-              <a:ln w="12700" cap="flat" cmpd="sng" algn="ctr">
-                <a:solidFill>
-                  <a:sysClr val="window" lastClr="FFFFFF">
-                    <a:hueOff val="0"/>
-                    <a:satOff val="0"/>
-                    <a:lumOff val="0"/>
-                    <a:alphaOff val="0"/>
-                  </a:sysClr>
-                </a:solidFill>
-                <a:prstDash val="solid"/>
-                <a:miter lim="800000"/>
-              </a:ln>
-              <a:effectLst/>
-            </p:spPr>
-            <p:txBody>
-              <a:bodyPr spcFirstLastPara="0" vert="horz" wrap="square" lIns="104315" tIns="112502" rIns="104316" bIns="112501" numCol="1" spcCol="1270" anchor="ctr" anchorCtr="0">
-                <a:noAutofit/>
-              </a:bodyPr>
-              <a:lstStyle/>
-              <a:p>
-                <a:pPr marL="0" marR="0" lvl="0" indent="0" algn="ctr" defTabSz="577850" rtl="1" eaLnBrk="1" fontAlgn="auto" latinLnBrk="0" hangingPunct="1">
-                  <a:lnSpc>
-                    <a:spcPct val="90000"/>
-                  </a:lnSpc>
-                  <a:spcBef>
-                    <a:spcPct val="0"/>
-                  </a:spcBef>
-                  <a:spcAft>
-                    <a:spcPct val="35000"/>
-                  </a:spcAft>
-                  <a:buClrTx/>
-                  <a:buSzTx/>
-                  <a:buFontTx/>
-                  <a:buNone/>
-                  <a:tabLst/>
-                  <a:defRPr/>
-                </a:pPr>
-                <a:r>
-                  <a:rPr kumimoji="0" lang="he-IL" sz="1300" b="0" i="0" u="none" strike="noStrike" kern="0" cap="none" spc="0" normalizeH="0" baseline="0" noProof="0" dirty="0">
-                    <a:ln>
-                      <a:noFill/>
-                    </a:ln>
-                    <a:solidFill>
-                      <a:prstClr val="white"/>
-                    </a:solidFill>
-                    <a:effectLst/>
-                    <a:uLnTx/>
-                    <a:uFillTx/>
-                    <a:latin typeface="Calibri" panose="020F0502020204030204"/>
-                    <a:ea typeface="+mn-ea"/>
-                    <a:cs typeface="Arial" panose="020B0604020202020204" pitchFamily="34" charset="0"/>
-                  </a:rPr>
-                  <a:t> </a:t>
-                </a:r>
-              </a:p>
-            </p:txBody>
-          </p:sp>
-          <p:sp>
-            <p:nvSpPr>
-              <p:cNvPr id="62" name="Freeform: Shape 61">
-                <a:extLst>
-                  <a:ext uri="{FF2B5EF4-FFF2-40B4-BE49-F238E27FC236}">
-                    <a16:creationId xmlns:a16="http://schemas.microsoft.com/office/drawing/2014/main" id="{515293AB-A056-4256-9FD4-773CB893AD02}"/>
-                  </a:ext>
-                </a:extLst>
-              </p:cNvPr>
-              <p:cNvSpPr/>
-              <p:nvPr/>
-            </p:nvSpPr>
-            <p:spPr>
-              <a:xfrm>
-                <a:off x="10231580" y="3990020"/>
-                <a:ext cx="351563" cy="404096"/>
-              </a:xfrm>
-              <a:custGeom>
-                <a:avLst/>
-                <a:gdLst>
-                  <a:gd name="connsiteX0" fmla="*/ 0 w 404095"/>
-                  <a:gd name="connsiteY0" fmla="*/ 175781 h 351562"/>
-                  <a:gd name="connsiteX1" fmla="*/ 87891 w 404095"/>
-                  <a:gd name="connsiteY1" fmla="*/ 0 h 351562"/>
-                  <a:gd name="connsiteX2" fmla="*/ 316205 w 404095"/>
-                  <a:gd name="connsiteY2" fmla="*/ 0 h 351562"/>
-                  <a:gd name="connsiteX3" fmla="*/ 404095 w 404095"/>
-                  <a:gd name="connsiteY3" fmla="*/ 175781 h 351562"/>
-                  <a:gd name="connsiteX4" fmla="*/ 316205 w 404095"/>
-                  <a:gd name="connsiteY4" fmla="*/ 351562 h 351562"/>
-                  <a:gd name="connsiteX5" fmla="*/ 87891 w 404095"/>
-                  <a:gd name="connsiteY5" fmla="*/ 351562 h 351562"/>
-                  <a:gd name="connsiteX6" fmla="*/ 0 w 404095"/>
-                  <a:gd name="connsiteY6" fmla="*/ 175781 h 351562"/>
-                </a:gdLst>
-                <a:ahLst/>
-                <a:cxnLst>
-                  <a:cxn ang="0">
-                    <a:pos x="connsiteX0" y="connsiteY0"/>
-                  </a:cxn>
-                  <a:cxn ang="0">
-                    <a:pos x="connsiteX1" y="connsiteY1"/>
-                  </a:cxn>
-                  <a:cxn ang="0">
-                    <a:pos x="connsiteX2" y="connsiteY2"/>
-                  </a:cxn>
-                  <a:cxn ang="0">
-                    <a:pos x="connsiteX3" y="connsiteY3"/>
-                  </a:cxn>
-                  <a:cxn ang="0">
-                    <a:pos x="connsiteX4" y="connsiteY4"/>
-                  </a:cxn>
-                  <a:cxn ang="0">
-                    <a:pos x="connsiteX5" y="connsiteY5"/>
-                  </a:cxn>
-                  <a:cxn ang="0">
-                    <a:pos x="connsiteX6" y="connsiteY6"/>
-                  </a:cxn>
-                </a:cxnLst>
-                <a:rect l="l" t="t" r="r" b="b"/>
-                <a:pathLst>
-                  <a:path w="404095" h="351562">
-                    <a:moveTo>
-                      <a:pt x="202048" y="0"/>
-                    </a:moveTo>
-                    <a:lnTo>
-                      <a:pt x="404094" y="76465"/>
-                    </a:lnTo>
-                    <a:lnTo>
-                      <a:pt x="404094" y="275098"/>
-                    </a:lnTo>
-                    <a:lnTo>
-                      <a:pt x="202048" y="351562"/>
-                    </a:lnTo>
-                    <a:lnTo>
-                      <a:pt x="1" y="275098"/>
-                    </a:lnTo>
-                    <a:lnTo>
-                      <a:pt x="1" y="76465"/>
-                    </a:lnTo>
-                    <a:lnTo>
-                      <a:pt x="202048" y="0"/>
-                    </a:lnTo>
-                    <a:close/>
-                  </a:path>
-                </a:pathLst>
-              </a:custGeom>
-              <a:solidFill>
-                <a:srgbClr val="4EB3CF">
-                  <a:lumMod val="75000"/>
-                </a:srgbClr>
-              </a:solidFill>
-              <a:ln w="12700" cap="flat" cmpd="sng" algn="ctr">
-                <a:solidFill>
-                  <a:sysClr val="window" lastClr="FFFFFF">
-                    <a:hueOff val="0"/>
-                    <a:satOff val="0"/>
-                    <a:lumOff val="0"/>
-                    <a:alphaOff val="0"/>
-                  </a:sysClr>
-                </a:solidFill>
-                <a:prstDash val="solid"/>
-                <a:miter lim="800000"/>
-              </a:ln>
-              <a:effectLst/>
-            </p:spPr>
-            <p:txBody>
-              <a:bodyPr spcFirstLastPara="0" vert="horz" wrap="square" lIns="104315" tIns="112502" rIns="104316" bIns="112501" numCol="1" spcCol="1270" anchor="ctr" anchorCtr="0">
-                <a:noAutofit/>
-              </a:bodyPr>
-              <a:lstStyle/>
-              <a:p>
-                <a:pPr marL="0" marR="0" lvl="0" indent="0" algn="ctr" defTabSz="577850" rtl="1" eaLnBrk="1" fontAlgn="auto" latinLnBrk="0" hangingPunct="1">
-                  <a:lnSpc>
-                    <a:spcPct val="90000"/>
-                  </a:lnSpc>
-                  <a:spcBef>
-                    <a:spcPct val="0"/>
-                  </a:spcBef>
-                  <a:spcAft>
-                    <a:spcPct val="35000"/>
-                  </a:spcAft>
-                  <a:buClrTx/>
-                  <a:buSzTx/>
-                  <a:buFontTx/>
-                  <a:buNone/>
-                  <a:tabLst/>
-                  <a:defRPr/>
-                </a:pPr>
-                <a:r>
-                  <a:rPr kumimoji="0" lang="he-IL" sz="1300" b="0" i="0" u="none" strike="noStrike" kern="0" cap="none" spc="0" normalizeH="0" baseline="0" noProof="0" dirty="0">
-                    <a:ln>
-                      <a:noFill/>
-                    </a:ln>
-                    <a:solidFill>
-                      <a:prstClr val="white"/>
-                    </a:solidFill>
-                    <a:effectLst/>
-                    <a:uLnTx/>
-                    <a:uFillTx/>
-                    <a:latin typeface="Calibri" panose="020F0502020204030204"/>
-                    <a:ea typeface="+mn-ea"/>
-                    <a:cs typeface="Arial" panose="020B0604020202020204" pitchFamily="34" charset="0"/>
-                  </a:rPr>
-                  <a:t> </a:t>
-                </a:r>
-              </a:p>
-            </p:txBody>
-          </p:sp>
-        </p:grpSp>
-        <p:pic>
-          <p:nvPicPr>
-            <p:cNvPr id="54" name="Graphic 53" descr="World">
-              <a:extLst>
-                <a:ext uri="{FF2B5EF4-FFF2-40B4-BE49-F238E27FC236}">
-                  <a16:creationId xmlns:a16="http://schemas.microsoft.com/office/drawing/2014/main" id="{873ECC83-F51E-4A13-AF45-A651C89BD802}"/>
-                </a:ext>
-              </a:extLst>
-            </p:cNvPr>
-            <p:cNvPicPr>
-              <a:picLocks noChangeAspect="1"/>
-            </p:cNvPicPr>
-            <p:nvPr/>
-          </p:nvPicPr>
-          <p:blipFill>
-            <a:blip r:embed="rId6">
-              <a:extLst>
-                <a:ext uri="{28A0092B-C50C-407E-A947-70E740481C1C}">
-                  <a14:useLocalDpi xmlns:a14="http://schemas.microsoft.com/office/drawing/2010/main" val="0"/>
-                </a:ext>
-                <a:ext uri="{96DAC541-7B7A-43D3-8B79-37D633B846F1}">
-                  <asvg:svgBlip xmlns:asvg="http://schemas.microsoft.com/office/drawing/2016/SVG/main" r:embed="rId7"/>
-                </a:ext>
-              </a:extLst>
-            </a:blip>
-            <a:stretch>
-              <a:fillRect/>
-            </a:stretch>
-          </p:blipFill>
-          <p:spPr>
-            <a:xfrm>
-              <a:off x="1028638" y="5183124"/>
-              <a:ext cx="114641" cy="114641"/>
-            </a:xfrm>
-            <a:prstGeom prst="rect">
-              <a:avLst/>
-            </a:prstGeom>
-          </p:spPr>
-        </p:pic>
-        <p:pic>
-          <p:nvPicPr>
-            <p:cNvPr id="55" name="Graphic 54" descr="World">
-              <a:extLst>
-                <a:ext uri="{FF2B5EF4-FFF2-40B4-BE49-F238E27FC236}">
-                  <a16:creationId xmlns:a16="http://schemas.microsoft.com/office/drawing/2014/main" id="{F3677E17-38F3-4AC4-90BC-1EF5EF439FAA}"/>
-                </a:ext>
-              </a:extLst>
-            </p:cNvPr>
-            <p:cNvPicPr>
-              <a:picLocks noChangeAspect="1"/>
-            </p:cNvPicPr>
-            <p:nvPr/>
-          </p:nvPicPr>
-          <p:blipFill>
-            <a:blip r:embed="rId6">
-              <a:extLst>
-                <a:ext uri="{28A0092B-C50C-407E-A947-70E740481C1C}">
-                  <a14:useLocalDpi xmlns:a14="http://schemas.microsoft.com/office/drawing/2010/main" val="0"/>
-                </a:ext>
-                <a:ext uri="{96DAC541-7B7A-43D3-8B79-37D633B846F1}">
-                  <asvg:svgBlip xmlns:asvg="http://schemas.microsoft.com/office/drawing/2016/SVG/main" r:embed="rId7"/>
-                </a:ext>
-              </a:extLst>
-            </a:blip>
-            <a:stretch>
-              <a:fillRect/>
-            </a:stretch>
-          </p:blipFill>
-          <p:spPr>
-            <a:xfrm>
-              <a:off x="1196776" y="5181564"/>
-              <a:ext cx="114641" cy="114641"/>
-            </a:xfrm>
-            <a:prstGeom prst="rect">
-              <a:avLst/>
-            </a:prstGeom>
-          </p:spPr>
-        </p:pic>
-      </p:grpSp>
-      <p:grpSp>
-        <p:nvGrpSpPr>
-          <p:cNvPr id="74" name="Group 73">
-            <a:extLst>
-              <a:ext uri="{FF2B5EF4-FFF2-40B4-BE49-F238E27FC236}">
-                <a16:creationId xmlns:a16="http://schemas.microsoft.com/office/drawing/2014/main" id="{A0D6C6E9-73A2-48A7-B668-23A90EF8CE1E}"/>
-              </a:ext>
-            </a:extLst>
-          </p:cNvPr>
-          <p:cNvGrpSpPr/>
-          <p:nvPr/>
-        </p:nvGrpSpPr>
-        <p:grpSpPr>
-          <a:xfrm>
-            <a:off x="2063681" y="699878"/>
-            <a:ext cx="1921833" cy="779352"/>
-            <a:chOff x="567389" y="5318992"/>
-            <a:chExt cx="1921833" cy="779352"/>
+            <a:off x="4710307" y="1203948"/>
+            <a:ext cx="2391520" cy="779352"/>
+            <a:chOff x="3104335" y="5311700"/>
+            <a:chExt cx="2391520" cy="779352"/>
           </a:xfrm>
         </p:grpSpPr>
         <p:sp>
           <p:nvSpPr>
-            <p:cNvPr id="71" name="Title 1">
+            <p:cNvPr id="34" name="Title 1">
               <a:extLst>
                 <a:ext uri="{FF2B5EF4-FFF2-40B4-BE49-F238E27FC236}">
-                  <a16:creationId xmlns:a16="http://schemas.microsoft.com/office/drawing/2014/main" id="{E0709EF4-80A7-495C-AE3D-333FC240D5BD}"/>
+                  <a16:creationId xmlns:a16="http://schemas.microsoft.com/office/drawing/2014/main" id="{5659742E-BEB4-47E1-A598-A6527676D461}"/>
                 </a:ext>
               </a:extLst>
             </p:cNvPr>
@@ -20215,8 +19455,8 @@
           </p:nvSpPr>
           <p:spPr>
             <a:xfrm>
-              <a:off x="980084" y="5318992"/>
-              <a:ext cx="1509138" cy="779352"/>
+              <a:off x="3528734" y="5311700"/>
+              <a:ext cx="1967121" cy="779352"/>
             </a:xfrm>
             <a:prstGeom prst="rect">
               <a:avLst/>
@@ -20247,7 +19487,7 @@
               </a:lvl1pPr>
             </a:lstStyle>
             <a:p>
-              <a:pPr>
+              <a:pPr lvl="0">
                 <a:lnSpc>
                   <a:spcPct val="100000"/>
                 </a:lnSpc>
@@ -20256,31 +19496,40 @@
               <a:r>
                 <a:rPr lang="en-US" spc="60" dirty="0" err="1">
                   <a:solidFill>
-                    <a:srgbClr val="31937B"/>
+                    <a:srgbClr val="4EB3CF">
+                      <a:lumMod val="50000"/>
+                    </a:srgbClr>
                   </a:solidFill>
                   <a:latin typeface="Agency FB" panose="020B0503020202020204" pitchFamily="34" charset="0"/>
                   <a:ea typeface="Segoe UI Black" panose="020B0A02040204020203" pitchFamily="34" charset="0"/>
                   <a:cs typeface="Vrinda" panose="020B0502040204020203" pitchFamily="34" charset="0"/>
                 </a:rPr>
-                <a:t>bdDwC</a:t>
+                <a:t>bdchecks</a:t>
               </a:r>
-              <a:endParaRPr lang="en-US" spc="60" dirty="0">
+              <a:endParaRPr kumimoji="0" lang="en-US" sz="4000" b="1" i="0" u="none" strike="noStrike" kern="1200" cap="none" spc="60" normalizeH="0" baseline="0" noProof="0" dirty="0">
+                <a:ln>
+                  <a:noFill/>
+                </a:ln>
                 <a:solidFill>
-                  <a:srgbClr val="31937B"/>
+                  <a:srgbClr val="066E9F"/>
                 </a:solidFill>
+                <a:effectLst/>
+                <a:uLnTx/>
+                <a:uFillTx/>
                 <a:latin typeface="Agency FB" panose="020B0503020202020204" pitchFamily="34" charset="0"/>
                 <a:ea typeface="Segoe UI Black" panose="020B0A02040204020203" pitchFamily="34" charset="0"/>
                 <a:cs typeface="Vrinda" panose="020B0502040204020203" pitchFamily="34" charset="0"/>
+                <a:sym typeface="Oswald"/>
               </a:endParaRPr>
             </a:p>
           </p:txBody>
         </p:sp>
         <p:pic>
           <p:nvPicPr>
-            <p:cNvPr id="72" name="Picture 71">
+            <p:cNvPr id="35" name="Picture 34">
               <a:extLst>
                 <a:ext uri="{FF2B5EF4-FFF2-40B4-BE49-F238E27FC236}">
-                  <a16:creationId xmlns:a16="http://schemas.microsoft.com/office/drawing/2014/main" id="{17D9C1AE-AD60-4DFD-8356-2CC44D4C0839}"/>
+                  <a16:creationId xmlns:a16="http://schemas.microsoft.com/office/drawing/2014/main" id="{532EB5D2-9719-49AF-A5F2-A1BE690BD64E}"/>
                 </a:ext>
               </a:extLst>
             </p:cNvPr>
@@ -20290,15 +19539,15 @@
             <p:nvPr/>
           </p:nvPicPr>
           <p:blipFill>
-            <a:blip r:embed="rId8"/>
+            <a:blip r:embed="rId3"/>
             <a:stretch>
               <a:fillRect/>
             </a:stretch>
           </p:blipFill>
           <p:spPr>
             <a:xfrm>
-              <a:off x="567389" y="5504725"/>
-              <a:ext cx="378911" cy="447804"/>
+              <a:off x="3104335" y="5504725"/>
+              <a:ext cx="382738" cy="447804"/>
             </a:xfrm>
             <a:prstGeom prst="rect">
               <a:avLst/>
@@ -20306,6 +19555,232 @@
           </p:spPr>
         </p:pic>
       </p:grpSp>
+      <p:grpSp>
+        <p:nvGrpSpPr>
+          <p:cNvPr id="6" name="Group 5">
+            <a:extLst>
+              <a:ext uri="{FF2B5EF4-FFF2-40B4-BE49-F238E27FC236}">
+                <a16:creationId xmlns:a16="http://schemas.microsoft.com/office/drawing/2014/main" id="{528411FE-A037-48C1-885D-D22AE88D75A3}"/>
+              </a:ext>
+            </a:extLst>
+          </p:cNvPr>
+          <p:cNvGrpSpPr/>
+          <p:nvPr/>
+        </p:nvGrpSpPr>
+        <p:grpSpPr>
+          <a:xfrm>
+            <a:off x="7719203" y="1783830"/>
+            <a:ext cx="1285855" cy="1164412"/>
+            <a:chOff x="1475394" y="4555814"/>
+            <a:chExt cx="1285855" cy="1164412"/>
+          </a:xfrm>
+        </p:grpSpPr>
+        <p:pic>
+          <p:nvPicPr>
+            <p:cNvPr id="48" name="Content Placeholder 7" descr="A picture containing clipart&#10;&#10;Description generated with high confidence">
+              <a:extLst>
+                <a:ext uri="{FF2B5EF4-FFF2-40B4-BE49-F238E27FC236}">
+                  <a16:creationId xmlns:a16="http://schemas.microsoft.com/office/drawing/2014/main" id="{56F7BC34-B003-4536-9CB4-1F24B3221AF6}"/>
+                </a:ext>
+              </a:extLst>
+            </p:cNvPr>
+            <p:cNvPicPr>
+              <a:picLocks noChangeAspect="1"/>
+            </p:cNvPicPr>
+            <p:nvPr/>
+          </p:nvPicPr>
+          <p:blipFill rotWithShape="1">
+            <a:blip r:embed="rId4">
+              <a:clrChange>
+                <a:clrFrom>
+                  <a:srgbClr val="FFFFFF"/>
+                </a:clrFrom>
+                <a:clrTo>
+                  <a:srgbClr val="FFFFFF">
+                    <a:alpha val="0"/>
+                  </a:srgbClr>
+                </a:clrTo>
+              </a:clrChange>
+              <a:duotone>
+                <a:srgbClr val="51C3F9">
+                  <a:shade val="45000"/>
+                  <a:satMod val="135000"/>
+                </a:srgbClr>
+                <a:prstClr val="white"/>
+              </a:duotone>
+              <a:extLst>
+                <a:ext uri="{28A0092B-C50C-407E-A947-70E740481C1C}">
+                  <a14:useLocalDpi xmlns:a14="http://schemas.microsoft.com/office/drawing/2010/main" val="0"/>
+                </a:ext>
+              </a:extLst>
+            </a:blip>
+            <a:srcRect l="21290" r="20645"/>
+            <a:stretch/>
+          </p:blipFill>
+          <p:spPr>
+            <a:xfrm>
+              <a:off x="1475394" y="4555814"/>
+              <a:ext cx="1285855" cy="1164412"/>
+            </a:xfrm>
+            <a:prstGeom prst="rect">
+              <a:avLst/>
+            </a:prstGeom>
+          </p:spPr>
+        </p:pic>
+        <p:pic>
+          <p:nvPicPr>
+            <p:cNvPr id="69" name="Picture 68">
+              <a:extLst>
+                <a:ext uri="{FF2B5EF4-FFF2-40B4-BE49-F238E27FC236}">
+                  <a16:creationId xmlns:a16="http://schemas.microsoft.com/office/drawing/2014/main" id="{E36C71DB-FCD8-4089-BA23-788C00771712}"/>
+                </a:ext>
+              </a:extLst>
+            </p:cNvPr>
+            <p:cNvPicPr>
+              <a:picLocks noChangeAspect="1"/>
+            </p:cNvPicPr>
+            <p:nvPr/>
+          </p:nvPicPr>
+          <p:blipFill>
+            <a:blip r:embed="rId5"/>
+            <a:stretch>
+              <a:fillRect/>
+            </a:stretch>
+          </p:blipFill>
+          <p:spPr>
+            <a:xfrm>
+              <a:off x="1920347" y="4903774"/>
+              <a:ext cx="406386" cy="457185"/>
+            </a:xfrm>
+            <a:prstGeom prst="rect">
+              <a:avLst/>
+            </a:prstGeom>
+          </p:spPr>
+        </p:pic>
+      </p:grpSp>
+      <p:pic>
+        <p:nvPicPr>
+          <p:cNvPr id="75" name="Picture 74">
+            <a:extLst>
+              <a:ext uri="{FF2B5EF4-FFF2-40B4-BE49-F238E27FC236}">
+                <a16:creationId xmlns:a16="http://schemas.microsoft.com/office/drawing/2014/main" id="{0F109BF1-532E-4A2F-8EDB-2315258159A6}"/>
+              </a:ext>
+            </a:extLst>
+          </p:cNvPr>
+          <p:cNvPicPr>
+            <a:picLocks noChangeAspect="1"/>
+          </p:cNvPicPr>
+          <p:nvPr/>
+        </p:nvPicPr>
+        <p:blipFill rotWithShape="1">
+          <a:blip r:embed="rId6"/>
+          <a:srcRect l="158" r="8763" b="13793"/>
+          <a:stretch/>
+        </p:blipFill>
+        <p:spPr>
+          <a:xfrm>
+            <a:off x="2049542" y="1433334"/>
+            <a:ext cx="2266201" cy="1141980"/>
+          </a:xfrm>
+          <a:prstGeom prst="rect">
+            <a:avLst/>
+          </a:prstGeom>
+          <a:ln w="57150">
+            <a:solidFill>
+              <a:srgbClr val="1E5E70"/>
+            </a:solidFill>
+          </a:ln>
+          <a:effectLst>
+            <a:outerShdw blurRad="190500" algn="tl" rotWithShape="0">
+              <a:srgbClr val="000000">
+                <a:alpha val="70000"/>
+              </a:srgbClr>
+            </a:outerShdw>
+          </a:effectLst>
+        </p:spPr>
+      </p:pic>
+      <p:pic>
+        <p:nvPicPr>
+          <p:cNvPr id="73" name="Picture 72">
+            <a:extLst>
+              <a:ext uri="{FF2B5EF4-FFF2-40B4-BE49-F238E27FC236}">
+                <a16:creationId xmlns:a16="http://schemas.microsoft.com/office/drawing/2014/main" id="{A2280F6B-D498-4158-AEA3-46FE52289EA1}"/>
+              </a:ext>
+            </a:extLst>
+          </p:cNvPr>
+          <p:cNvPicPr>
+            <a:picLocks noChangeAspect="1"/>
+          </p:cNvPicPr>
+          <p:nvPr/>
+        </p:nvPicPr>
+        <p:blipFill rotWithShape="1">
+          <a:blip r:embed="rId7"/>
+          <a:srcRect l="3802"/>
+          <a:stretch/>
+        </p:blipFill>
+        <p:spPr>
+          <a:xfrm>
+            <a:off x="3675679" y="2246302"/>
+            <a:ext cx="3820713" cy="1497844"/>
+          </a:xfrm>
+          <a:prstGeom prst="rect">
+            <a:avLst/>
+          </a:prstGeom>
+          <a:ln w="57150">
+            <a:solidFill>
+              <a:srgbClr val="1E5E70"/>
+            </a:solidFill>
+          </a:ln>
+          <a:effectLst>
+            <a:outerShdw blurRad="190500" algn="tl" rotWithShape="0">
+              <a:srgbClr val="000000">
+                <a:alpha val="70000"/>
+              </a:srgbClr>
+            </a:outerShdw>
+          </a:effectLst>
+        </p:spPr>
+      </p:pic>
+      <p:pic>
+        <p:nvPicPr>
+          <p:cNvPr id="70" name="Picture 69">
+            <a:extLst>
+              <a:ext uri="{FF2B5EF4-FFF2-40B4-BE49-F238E27FC236}">
+                <a16:creationId xmlns:a16="http://schemas.microsoft.com/office/drawing/2014/main" id="{1EA4C58A-8096-489B-9D2F-0ECDC0E4006A}"/>
+              </a:ext>
+            </a:extLst>
+          </p:cNvPr>
+          <p:cNvPicPr>
+            <a:picLocks noChangeAspect="1"/>
+          </p:cNvPicPr>
+          <p:nvPr/>
+        </p:nvPicPr>
+        <p:blipFill rotWithShape="1">
+          <a:blip r:embed="rId8"/>
+          <a:srcRect l="2305" r="18516"/>
+          <a:stretch/>
+        </p:blipFill>
+        <p:spPr>
+          <a:xfrm>
+            <a:off x="6388719" y="3286300"/>
+            <a:ext cx="2660969" cy="1427283"/>
+          </a:xfrm>
+          <a:prstGeom prst="rect">
+            <a:avLst/>
+          </a:prstGeom>
+          <a:ln w="57150">
+            <a:solidFill>
+              <a:srgbClr val="1E5E70"/>
+            </a:solidFill>
+          </a:ln>
+          <a:effectLst>
+            <a:outerShdw blurRad="190500" algn="tl" rotWithShape="0">
+              <a:srgbClr val="000000">
+                <a:alpha val="70000"/>
+              </a:srgbClr>
+            </a:outerShdw>
+          </a:effectLst>
+        </p:spPr>
+      </p:pic>
     </p:spTree>
     <p:extLst>
       <p:ext uri="{BB962C8B-B14F-4D97-AF65-F5344CB8AC3E}">
@@ -20319,7 +19794,899 @@
 </p:sld>
 </file>
 
-<file path=ppt/slides/slide2.xml><?xml version="1.0" encoding="utf-8"?>
+<file path=ppt/slides/slide6.xml><?xml version="1.0" encoding="utf-8"?>
+<p:sld xmlns:a="http://schemas.openxmlformats.org/drawingml/2006/main" xmlns:r="http://schemas.openxmlformats.org/officeDocument/2006/relationships" xmlns:p="http://schemas.openxmlformats.org/presentationml/2006/main">
+  <p:cSld>
+    <p:spTree>
+      <p:nvGrpSpPr>
+        <p:cNvPr id="1" name=""/>
+        <p:cNvGrpSpPr/>
+        <p:nvPr/>
+      </p:nvGrpSpPr>
+      <p:grpSpPr>
+        <a:xfrm>
+          <a:off x="0" y="0"/>
+          <a:ext cx="0" cy="0"/>
+          <a:chOff x="0" y="0"/>
+          <a:chExt cx="0" cy="0"/>
+        </a:xfrm>
+      </p:grpSpPr>
+      <p:pic>
+        <p:nvPicPr>
+          <p:cNvPr id="2" name="Picture 1">
+            <a:extLst>
+              <a:ext uri="{FF2B5EF4-FFF2-40B4-BE49-F238E27FC236}">
+                <a16:creationId xmlns:a16="http://schemas.microsoft.com/office/drawing/2014/main" id="{7B4E9891-4BA9-449E-AC9F-9C1E34A3176C}"/>
+              </a:ext>
+            </a:extLst>
+          </p:cNvPr>
+          <p:cNvPicPr>
+            <a:picLocks noChangeAspect="1"/>
+          </p:cNvPicPr>
+          <p:nvPr/>
+        </p:nvPicPr>
+        <p:blipFill>
+          <a:blip r:embed="rId2"/>
+          <a:stretch>
+            <a:fillRect/>
+          </a:stretch>
+        </p:blipFill>
+        <p:spPr>
+          <a:xfrm>
+            <a:off x="0" y="565036"/>
+            <a:ext cx="12192000" cy="4477626"/>
+          </a:xfrm>
+          <a:prstGeom prst="rect">
+            <a:avLst/>
+          </a:prstGeom>
+          <a:ln>
+            <a:noFill/>
+          </a:ln>
+          <a:effectLst>
+            <a:outerShdw blurRad="190500" algn="tl" rotWithShape="0">
+              <a:srgbClr val="000000">
+                <a:alpha val="70000"/>
+              </a:srgbClr>
+            </a:outerShdw>
+          </a:effectLst>
+        </p:spPr>
+      </p:pic>
+      <p:sp>
+        <p:nvSpPr>
+          <p:cNvPr id="3" name="Rectangle: Rounded Corners 2">
+            <a:extLst>
+              <a:ext uri="{FF2B5EF4-FFF2-40B4-BE49-F238E27FC236}">
+                <a16:creationId xmlns:a16="http://schemas.microsoft.com/office/drawing/2014/main" id="{CD7B379B-6E2C-4976-8D26-DAC99BD19405}"/>
+              </a:ext>
+            </a:extLst>
+          </p:cNvPr>
+          <p:cNvSpPr/>
+          <p:nvPr/>
+        </p:nvSpPr>
+        <p:spPr>
+          <a:xfrm>
+            <a:off x="-1695" y="928905"/>
+            <a:ext cx="1494985" cy="2700703"/>
+          </a:xfrm>
+          <a:prstGeom prst="roundRect">
+            <a:avLst/>
+          </a:prstGeom>
+          <a:noFill/>
+          <a:ln w="57150">
+            <a:solidFill>
+              <a:srgbClr val="893BC3"/>
+            </a:solidFill>
+          </a:ln>
+          <a:effectLst>
+            <a:outerShdw blurRad="50800" dist="38100" dir="2700000" algn="tl" rotWithShape="0">
+              <a:prstClr val="black">
+                <a:alpha val="40000"/>
+              </a:prstClr>
+            </a:outerShdw>
+          </a:effectLst>
+          <a:scene3d>
+            <a:camera prst="orthographicFront"/>
+            <a:lightRig rig="threePt" dir="t"/>
+          </a:scene3d>
+          <a:sp3d>
+            <a:bevelT/>
+          </a:sp3d>
+        </p:spPr>
+        <p:style>
+          <a:lnRef idx="1">
+            <a:schemeClr val="accent4"/>
+          </a:lnRef>
+          <a:fillRef idx="3">
+            <a:schemeClr val="accent4"/>
+          </a:fillRef>
+          <a:effectRef idx="2">
+            <a:schemeClr val="accent4"/>
+          </a:effectRef>
+          <a:fontRef idx="minor">
+            <a:schemeClr val="lt1"/>
+          </a:fontRef>
+        </p:style>
+        <p:txBody>
+          <a:bodyPr rtlCol="0" anchor="ctr"/>
+          <a:lstStyle/>
+          <a:p>
+            <a:pPr algn="ctr"/>
+            <a:endParaRPr lang="en-GB"/>
+          </a:p>
+        </p:txBody>
+      </p:sp>
+      <p:sp>
+        <p:nvSpPr>
+          <p:cNvPr id="5" name="Rectangle: Rounded Corners 4">
+            <a:extLst>
+              <a:ext uri="{FF2B5EF4-FFF2-40B4-BE49-F238E27FC236}">
+                <a16:creationId xmlns:a16="http://schemas.microsoft.com/office/drawing/2014/main" id="{73B61C5D-89B7-48E2-95F8-1F6545207CC0}"/>
+              </a:ext>
+            </a:extLst>
+          </p:cNvPr>
+          <p:cNvSpPr/>
+          <p:nvPr/>
+        </p:nvSpPr>
+        <p:spPr>
+          <a:xfrm>
+            <a:off x="10677333" y="5654351"/>
+            <a:ext cx="827314" cy="842866"/>
+          </a:xfrm>
+          <a:prstGeom prst="roundRect">
+            <a:avLst/>
+          </a:prstGeom>
+          <a:noFill/>
+          <a:ln w="57150">
+            <a:solidFill>
+              <a:srgbClr val="7030A0"/>
+            </a:solidFill>
+          </a:ln>
+          <a:effectLst>
+            <a:outerShdw blurRad="50800" dist="38100" dir="2700000" algn="tl" rotWithShape="0">
+              <a:prstClr val="black">
+                <a:alpha val="40000"/>
+              </a:prstClr>
+            </a:outerShdw>
+          </a:effectLst>
+          <a:scene3d>
+            <a:camera prst="orthographicFront"/>
+            <a:lightRig rig="threePt" dir="t"/>
+          </a:scene3d>
+          <a:sp3d>
+            <a:bevelT/>
+          </a:sp3d>
+        </p:spPr>
+        <p:style>
+          <a:lnRef idx="1">
+            <a:schemeClr val="accent4"/>
+          </a:lnRef>
+          <a:fillRef idx="3">
+            <a:schemeClr val="accent4"/>
+          </a:fillRef>
+          <a:effectRef idx="2">
+            <a:schemeClr val="accent4"/>
+          </a:effectRef>
+          <a:fontRef idx="minor">
+            <a:schemeClr val="lt1"/>
+          </a:fontRef>
+        </p:style>
+        <p:txBody>
+          <a:bodyPr rtlCol="0" anchor="ctr"/>
+          <a:lstStyle/>
+          <a:p>
+            <a:pPr algn="ctr"/>
+            <a:endParaRPr lang="en-GB"/>
+          </a:p>
+        </p:txBody>
+      </p:sp>
+      <p:sp>
+        <p:nvSpPr>
+          <p:cNvPr id="6" name="Rectangle: Rounded Corners 5">
+            <a:extLst>
+              <a:ext uri="{FF2B5EF4-FFF2-40B4-BE49-F238E27FC236}">
+                <a16:creationId xmlns:a16="http://schemas.microsoft.com/office/drawing/2014/main" id="{39D6D9C0-B58E-4A05-8603-1362F6A51F93}"/>
+              </a:ext>
+            </a:extLst>
+          </p:cNvPr>
+          <p:cNvSpPr/>
+          <p:nvPr/>
+        </p:nvSpPr>
+        <p:spPr>
+          <a:xfrm>
+            <a:off x="9147111" y="5374943"/>
+            <a:ext cx="976603" cy="1150776"/>
+          </a:xfrm>
+          <a:prstGeom prst="roundRect">
+            <a:avLst/>
+          </a:prstGeom>
+          <a:noFill/>
+          <a:ln w="57150">
+            <a:solidFill>
+              <a:srgbClr val="7030A0"/>
+            </a:solidFill>
+          </a:ln>
+          <a:effectLst>
+            <a:outerShdw blurRad="50800" dist="38100" dir="2700000" algn="tl" rotWithShape="0">
+              <a:prstClr val="black">
+                <a:alpha val="40000"/>
+              </a:prstClr>
+            </a:outerShdw>
+          </a:effectLst>
+          <a:scene3d>
+            <a:camera prst="orthographicFront"/>
+            <a:lightRig rig="threePt" dir="t"/>
+          </a:scene3d>
+          <a:sp3d>
+            <a:bevelT/>
+          </a:sp3d>
+        </p:spPr>
+        <p:style>
+          <a:lnRef idx="1">
+            <a:schemeClr val="accent4"/>
+          </a:lnRef>
+          <a:fillRef idx="3">
+            <a:schemeClr val="accent4"/>
+          </a:fillRef>
+          <a:effectRef idx="2">
+            <a:schemeClr val="accent4"/>
+          </a:effectRef>
+          <a:fontRef idx="minor">
+            <a:schemeClr val="lt1"/>
+          </a:fontRef>
+        </p:style>
+        <p:txBody>
+          <a:bodyPr rtlCol="0" anchor="ctr"/>
+          <a:lstStyle/>
+          <a:p>
+            <a:pPr algn="ctr"/>
+            <a:endParaRPr lang="en-GB"/>
+          </a:p>
+        </p:txBody>
+      </p:sp>
+      <p:sp>
+        <p:nvSpPr>
+          <p:cNvPr id="7" name="Rectangle: Rounded Corners 6">
+            <a:extLst>
+              <a:ext uri="{FF2B5EF4-FFF2-40B4-BE49-F238E27FC236}">
+                <a16:creationId xmlns:a16="http://schemas.microsoft.com/office/drawing/2014/main" id="{62D63681-C9E4-42F0-9B40-3ABFBE33F240}"/>
+              </a:ext>
+            </a:extLst>
+          </p:cNvPr>
+          <p:cNvSpPr/>
+          <p:nvPr/>
+        </p:nvSpPr>
+        <p:spPr>
+          <a:xfrm>
+            <a:off x="7243666" y="5230319"/>
+            <a:ext cx="1489787" cy="1440024"/>
+          </a:xfrm>
+          <a:prstGeom prst="roundRect">
+            <a:avLst/>
+          </a:prstGeom>
+          <a:noFill/>
+          <a:ln w="57150">
+            <a:solidFill>
+              <a:srgbClr val="7030A0"/>
+            </a:solidFill>
+          </a:ln>
+          <a:effectLst>
+            <a:outerShdw blurRad="50800" dist="38100" dir="2700000" algn="tl" rotWithShape="0">
+              <a:prstClr val="black">
+                <a:alpha val="40000"/>
+              </a:prstClr>
+            </a:outerShdw>
+          </a:effectLst>
+          <a:scene3d>
+            <a:camera prst="orthographicFront"/>
+            <a:lightRig rig="threePt" dir="t"/>
+          </a:scene3d>
+          <a:sp3d>
+            <a:bevelT/>
+          </a:sp3d>
+        </p:spPr>
+        <p:style>
+          <a:lnRef idx="1">
+            <a:schemeClr val="accent4"/>
+          </a:lnRef>
+          <a:fillRef idx="3">
+            <a:schemeClr val="accent4"/>
+          </a:fillRef>
+          <a:effectRef idx="2">
+            <a:schemeClr val="accent4"/>
+          </a:effectRef>
+          <a:fontRef idx="minor">
+            <a:schemeClr val="lt1"/>
+          </a:fontRef>
+        </p:style>
+        <p:txBody>
+          <a:bodyPr rtlCol="0" anchor="ctr"/>
+          <a:lstStyle/>
+          <a:p>
+            <a:pPr algn="ctr"/>
+            <a:endParaRPr lang="en-GB"/>
+          </a:p>
+        </p:txBody>
+      </p:sp>
+      <p:sp>
+        <p:nvSpPr>
+          <p:cNvPr id="8" name="Rectangle: Rounded Corners 7">
+            <a:extLst>
+              <a:ext uri="{FF2B5EF4-FFF2-40B4-BE49-F238E27FC236}">
+                <a16:creationId xmlns:a16="http://schemas.microsoft.com/office/drawing/2014/main" id="{E766DDCC-5906-40E1-8FF4-FE392FFE1A10}"/>
+              </a:ext>
+            </a:extLst>
+          </p:cNvPr>
+          <p:cNvSpPr/>
+          <p:nvPr/>
+        </p:nvSpPr>
+        <p:spPr>
+          <a:xfrm>
+            <a:off x="5340221" y="5230319"/>
+            <a:ext cx="1489787" cy="1440024"/>
+          </a:xfrm>
+          <a:prstGeom prst="roundRect">
+            <a:avLst/>
+          </a:prstGeom>
+          <a:noFill/>
+          <a:ln w="57150">
+            <a:solidFill>
+              <a:srgbClr val="7030A0"/>
+            </a:solidFill>
+          </a:ln>
+          <a:effectLst>
+            <a:outerShdw blurRad="50800" dist="38100" dir="2700000" algn="tl" rotWithShape="0">
+              <a:prstClr val="black">
+                <a:alpha val="40000"/>
+              </a:prstClr>
+            </a:outerShdw>
+          </a:effectLst>
+          <a:scene3d>
+            <a:camera prst="orthographicFront"/>
+            <a:lightRig rig="threePt" dir="t"/>
+          </a:scene3d>
+          <a:sp3d>
+            <a:bevelT/>
+          </a:sp3d>
+        </p:spPr>
+        <p:style>
+          <a:lnRef idx="1">
+            <a:schemeClr val="accent4"/>
+          </a:lnRef>
+          <a:fillRef idx="3">
+            <a:schemeClr val="accent4"/>
+          </a:fillRef>
+          <a:effectRef idx="2">
+            <a:schemeClr val="accent4"/>
+          </a:effectRef>
+          <a:fontRef idx="minor">
+            <a:schemeClr val="lt1"/>
+          </a:fontRef>
+        </p:style>
+        <p:txBody>
+          <a:bodyPr rtlCol="0" anchor="ctr"/>
+          <a:lstStyle/>
+          <a:p>
+            <a:pPr algn="ctr"/>
+            <a:endParaRPr lang="en-GB"/>
+          </a:p>
+        </p:txBody>
+      </p:sp>
+      <p:sp>
+        <p:nvSpPr>
+          <p:cNvPr id="13" name="Rectangle: Rounded Corners 12">
+            <a:extLst>
+              <a:ext uri="{FF2B5EF4-FFF2-40B4-BE49-F238E27FC236}">
+                <a16:creationId xmlns:a16="http://schemas.microsoft.com/office/drawing/2014/main" id="{8683C4ED-7E2E-4AE3-8F2D-9664C90DFFCD}"/>
+              </a:ext>
+            </a:extLst>
+          </p:cNvPr>
+          <p:cNvSpPr/>
+          <p:nvPr/>
+        </p:nvSpPr>
+        <p:spPr>
+          <a:xfrm>
+            <a:off x="1696911" y="928906"/>
+            <a:ext cx="4982447" cy="2700702"/>
+          </a:xfrm>
+          <a:prstGeom prst="roundRect">
+            <a:avLst/>
+          </a:prstGeom>
+          <a:noFill/>
+          <a:ln w="57150">
+            <a:solidFill>
+              <a:srgbClr val="7030A0"/>
+            </a:solidFill>
+          </a:ln>
+          <a:effectLst>
+            <a:outerShdw blurRad="50800" dist="38100" dir="2700000" algn="tl" rotWithShape="0">
+              <a:prstClr val="black">
+                <a:alpha val="40000"/>
+              </a:prstClr>
+            </a:outerShdw>
+          </a:effectLst>
+          <a:scene3d>
+            <a:camera prst="orthographicFront"/>
+            <a:lightRig rig="threePt" dir="t"/>
+          </a:scene3d>
+          <a:sp3d>
+            <a:bevelT/>
+          </a:sp3d>
+        </p:spPr>
+        <p:style>
+          <a:lnRef idx="1">
+            <a:schemeClr val="accent4"/>
+          </a:lnRef>
+          <a:fillRef idx="3">
+            <a:schemeClr val="accent4"/>
+          </a:fillRef>
+          <a:effectRef idx="2">
+            <a:schemeClr val="accent4"/>
+          </a:effectRef>
+          <a:fontRef idx="minor">
+            <a:schemeClr val="lt1"/>
+          </a:fontRef>
+        </p:style>
+        <p:txBody>
+          <a:bodyPr rtlCol="0" anchor="ctr"/>
+          <a:lstStyle/>
+          <a:p>
+            <a:pPr algn="ctr"/>
+            <a:endParaRPr lang="en-GB"/>
+          </a:p>
+        </p:txBody>
+      </p:sp>
+      <p:sp>
+        <p:nvSpPr>
+          <p:cNvPr id="15" name="Rectangle: Rounded Corners 14">
+            <a:extLst>
+              <a:ext uri="{FF2B5EF4-FFF2-40B4-BE49-F238E27FC236}">
+                <a16:creationId xmlns:a16="http://schemas.microsoft.com/office/drawing/2014/main" id="{7F0ACFB8-46E4-4E91-B793-4BBF52A681B1}"/>
+              </a:ext>
+            </a:extLst>
+          </p:cNvPr>
+          <p:cNvSpPr/>
+          <p:nvPr/>
+        </p:nvSpPr>
+        <p:spPr>
+          <a:xfrm>
+            <a:off x="2601926" y="1009258"/>
+            <a:ext cx="3172416" cy="325017"/>
+          </a:xfrm>
+          <a:prstGeom prst="roundRect">
+            <a:avLst/>
+          </a:prstGeom>
+          <a:solidFill>
+            <a:srgbClr val="4F2270"/>
+          </a:solidFill>
+          <a:ln>
+            <a:noFill/>
+          </a:ln>
+          <a:effectLst>
+            <a:outerShdw blurRad="50800" dist="38100" dir="2700000" algn="tl" rotWithShape="0">
+              <a:prstClr val="black">
+                <a:alpha val="40000"/>
+              </a:prstClr>
+            </a:outerShdw>
+          </a:effectLst>
+          <a:scene3d>
+            <a:camera prst="orthographicFront">
+              <a:rot lat="0" lon="0" rev="0"/>
+            </a:camera>
+            <a:lightRig rig="contrasting" dir="t">
+              <a:rot lat="0" lon="0" rev="1500000"/>
+            </a:lightRig>
+          </a:scene3d>
+          <a:sp3d prstMaterial="metal">
+            <a:bevelT w="88900" h="88900"/>
+          </a:sp3d>
+        </p:spPr>
+        <p:style>
+          <a:lnRef idx="0">
+            <a:schemeClr val="accent1"/>
+          </a:lnRef>
+          <a:fillRef idx="3">
+            <a:schemeClr val="accent1"/>
+          </a:fillRef>
+          <a:effectRef idx="3">
+            <a:schemeClr val="accent1"/>
+          </a:effectRef>
+          <a:fontRef idx="minor">
+            <a:schemeClr val="lt1"/>
+          </a:fontRef>
+        </p:style>
+        <p:txBody>
+          <a:bodyPr rtlCol="0" anchor="ctr"/>
+          <a:lstStyle/>
+          <a:p>
+            <a:pPr algn="ctr"/>
+            <a:r>
+              <a:rPr lang="en-US" sz="1600" dirty="0">
+                <a:latin typeface="Segoe Print" panose="02000600000000000000" pitchFamily="2" charset="0"/>
+              </a:rPr>
+              <a:t>Upload or download data</a:t>
+            </a:r>
+            <a:endParaRPr lang="en-GB" sz="1600" dirty="0">
+              <a:latin typeface="Segoe Print" panose="02000600000000000000" pitchFamily="2" charset="0"/>
+            </a:endParaRPr>
+          </a:p>
+        </p:txBody>
+      </p:sp>
+      <p:sp>
+        <p:nvSpPr>
+          <p:cNvPr id="16" name="Rectangle: Rounded Corners 15">
+            <a:extLst>
+              <a:ext uri="{FF2B5EF4-FFF2-40B4-BE49-F238E27FC236}">
+                <a16:creationId xmlns:a16="http://schemas.microsoft.com/office/drawing/2014/main" id="{10552067-E519-4AB9-99FA-CF09AB28A4E6}"/>
+              </a:ext>
+            </a:extLst>
+          </p:cNvPr>
+          <p:cNvSpPr/>
+          <p:nvPr/>
+        </p:nvSpPr>
+        <p:spPr>
+          <a:xfrm>
+            <a:off x="319702" y="3172411"/>
+            <a:ext cx="852190" cy="325017"/>
+          </a:xfrm>
+          <a:prstGeom prst="roundRect">
+            <a:avLst/>
+          </a:prstGeom>
+          <a:solidFill>
+            <a:srgbClr val="4F2270"/>
+          </a:solidFill>
+          <a:ln>
+            <a:noFill/>
+          </a:ln>
+          <a:effectLst>
+            <a:outerShdw blurRad="50800" dist="38100" dir="2700000" algn="tl" rotWithShape="0">
+              <a:prstClr val="black">
+                <a:alpha val="40000"/>
+              </a:prstClr>
+            </a:outerShdw>
+          </a:effectLst>
+          <a:scene3d>
+            <a:camera prst="orthographicFront">
+              <a:rot lat="0" lon="0" rev="0"/>
+            </a:camera>
+            <a:lightRig rig="contrasting" dir="t">
+              <a:rot lat="0" lon="0" rev="1500000"/>
+            </a:lightRig>
+          </a:scene3d>
+          <a:sp3d prstMaterial="metal">
+            <a:bevelT w="88900" h="88900"/>
+          </a:sp3d>
+        </p:spPr>
+        <p:style>
+          <a:lnRef idx="0">
+            <a:schemeClr val="accent1"/>
+          </a:lnRef>
+          <a:fillRef idx="3">
+            <a:schemeClr val="accent1"/>
+          </a:fillRef>
+          <a:effectRef idx="3">
+            <a:schemeClr val="accent1"/>
+          </a:effectRef>
+          <a:fontRef idx="minor">
+            <a:schemeClr val="lt1"/>
+          </a:fontRef>
+        </p:style>
+        <p:txBody>
+          <a:bodyPr rtlCol="0" anchor="t"/>
+          <a:lstStyle/>
+          <a:p>
+            <a:pPr algn="ctr"/>
+            <a:r>
+              <a:rPr lang="en-US" sz="1600" dirty="0">
+                <a:latin typeface="Segoe Print" panose="02000600000000000000" pitchFamily="2" charset="0"/>
+              </a:rPr>
+              <a:t>Tabs</a:t>
+            </a:r>
+            <a:endParaRPr lang="en-GB" sz="1400" dirty="0">
+              <a:latin typeface="Segoe Print" panose="02000600000000000000" pitchFamily="2" charset="0"/>
+            </a:endParaRPr>
+          </a:p>
+        </p:txBody>
+      </p:sp>
+      <p:sp>
+        <p:nvSpPr>
+          <p:cNvPr id="17" name="Rectangle: Rounded Corners 16">
+            <a:extLst>
+              <a:ext uri="{FF2B5EF4-FFF2-40B4-BE49-F238E27FC236}">
+                <a16:creationId xmlns:a16="http://schemas.microsoft.com/office/drawing/2014/main" id="{B2A0CE68-D68C-44A0-87A4-1400F7401755}"/>
+              </a:ext>
+            </a:extLst>
+          </p:cNvPr>
+          <p:cNvSpPr/>
+          <p:nvPr/>
+        </p:nvSpPr>
+        <p:spPr>
+          <a:xfrm>
+            <a:off x="6856247" y="901959"/>
+            <a:ext cx="5158270" cy="2700702"/>
+          </a:xfrm>
+          <a:prstGeom prst="roundRect">
+            <a:avLst/>
+          </a:prstGeom>
+          <a:noFill/>
+          <a:ln w="57150">
+            <a:solidFill>
+              <a:srgbClr val="7030A0"/>
+            </a:solidFill>
+          </a:ln>
+          <a:effectLst>
+            <a:outerShdw blurRad="50800" dist="38100" dir="2700000" algn="tl" rotWithShape="0">
+              <a:prstClr val="black">
+                <a:alpha val="40000"/>
+              </a:prstClr>
+            </a:outerShdw>
+          </a:effectLst>
+          <a:scene3d>
+            <a:camera prst="orthographicFront"/>
+            <a:lightRig rig="threePt" dir="t"/>
+          </a:scene3d>
+          <a:sp3d>
+            <a:bevelT/>
+          </a:sp3d>
+        </p:spPr>
+        <p:style>
+          <a:lnRef idx="1">
+            <a:schemeClr val="accent4"/>
+          </a:lnRef>
+          <a:fillRef idx="3">
+            <a:schemeClr val="accent4"/>
+          </a:fillRef>
+          <a:effectRef idx="2">
+            <a:schemeClr val="accent4"/>
+          </a:effectRef>
+          <a:fontRef idx="minor">
+            <a:schemeClr val="lt1"/>
+          </a:fontRef>
+        </p:style>
+        <p:txBody>
+          <a:bodyPr rtlCol="0" anchor="ctr"/>
+          <a:lstStyle/>
+          <a:p>
+            <a:pPr algn="ctr"/>
+            <a:endParaRPr lang="en-GB"/>
+          </a:p>
+        </p:txBody>
+      </p:sp>
+      <p:sp>
+        <p:nvSpPr>
+          <p:cNvPr id="18" name="Rectangle: Rounded Corners 17">
+            <a:extLst>
+              <a:ext uri="{FF2B5EF4-FFF2-40B4-BE49-F238E27FC236}">
+                <a16:creationId xmlns:a16="http://schemas.microsoft.com/office/drawing/2014/main" id="{AC8B7FF1-BB5D-4693-8163-217F84BCE04E}"/>
+              </a:ext>
+            </a:extLst>
+          </p:cNvPr>
+          <p:cNvSpPr/>
+          <p:nvPr/>
+        </p:nvSpPr>
+        <p:spPr>
+          <a:xfrm>
+            <a:off x="8392042" y="1009258"/>
+            <a:ext cx="2086680" cy="325017"/>
+          </a:xfrm>
+          <a:prstGeom prst="roundRect">
+            <a:avLst/>
+          </a:prstGeom>
+          <a:solidFill>
+            <a:srgbClr val="4F2270"/>
+          </a:solidFill>
+          <a:ln>
+            <a:noFill/>
+          </a:ln>
+          <a:effectLst>
+            <a:outerShdw blurRad="50800" dist="38100" dir="2700000" algn="tl" rotWithShape="0">
+              <a:prstClr val="black">
+                <a:alpha val="40000"/>
+              </a:prstClr>
+            </a:outerShdw>
+          </a:effectLst>
+          <a:scene3d>
+            <a:camera prst="orthographicFront">
+              <a:rot lat="0" lon="0" rev="0"/>
+            </a:camera>
+            <a:lightRig rig="contrasting" dir="t">
+              <a:rot lat="0" lon="0" rev="1500000"/>
+            </a:lightRig>
+          </a:scene3d>
+          <a:sp3d prstMaterial="metal">
+            <a:bevelT w="88900" h="88900"/>
+          </a:sp3d>
+        </p:spPr>
+        <p:style>
+          <a:lnRef idx="0">
+            <a:schemeClr val="accent1"/>
+          </a:lnRef>
+          <a:fillRef idx="3">
+            <a:schemeClr val="accent1"/>
+          </a:fillRef>
+          <a:effectRef idx="3">
+            <a:schemeClr val="accent1"/>
+          </a:effectRef>
+          <a:fontRef idx="minor">
+            <a:schemeClr val="lt1"/>
+          </a:fontRef>
+        </p:style>
+        <p:txBody>
+          <a:bodyPr rtlCol="0" anchor="ctr"/>
+          <a:lstStyle/>
+          <a:p>
+            <a:pPr algn="ctr"/>
+            <a:r>
+              <a:rPr lang="en-US" sz="1600" dirty="0">
+                <a:latin typeface="Segoe Print" panose="02000600000000000000" pitchFamily="2" charset="0"/>
+              </a:rPr>
+              <a:t>Add dictionary</a:t>
+            </a:r>
+            <a:endParaRPr lang="en-GB" sz="1600" dirty="0">
+              <a:latin typeface="Segoe Print" panose="02000600000000000000" pitchFamily="2" charset="0"/>
+            </a:endParaRPr>
+          </a:p>
+        </p:txBody>
+      </p:sp>
+      <p:sp>
+        <p:nvSpPr>
+          <p:cNvPr id="19" name="Rectangle: Rounded Corners 18">
+            <a:extLst>
+              <a:ext uri="{FF2B5EF4-FFF2-40B4-BE49-F238E27FC236}">
+                <a16:creationId xmlns:a16="http://schemas.microsoft.com/office/drawing/2014/main" id="{40C542D8-9AA8-4EC0-95B2-CE735B8AE1E0}"/>
+              </a:ext>
+            </a:extLst>
+          </p:cNvPr>
+          <p:cNvSpPr/>
+          <p:nvPr/>
+        </p:nvSpPr>
+        <p:spPr>
+          <a:xfrm>
+            <a:off x="1671737" y="3791340"/>
+            <a:ext cx="5007621" cy="594048"/>
+          </a:xfrm>
+          <a:prstGeom prst="roundRect">
+            <a:avLst/>
+          </a:prstGeom>
+          <a:noFill/>
+          <a:ln w="57150">
+            <a:solidFill>
+              <a:srgbClr val="7030A0"/>
+            </a:solidFill>
+          </a:ln>
+          <a:effectLst>
+            <a:outerShdw blurRad="50800" dist="38100" dir="2700000" algn="tl" rotWithShape="0">
+              <a:prstClr val="black">
+                <a:alpha val="40000"/>
+              </a:prstClr>
+            </a:outerShdw>
+          </a:effectLst>
+          <a:scene3d>
+            <a:camera prst="orthographicFront"/>
+            <a:lightRig rig="threePt" dir="t"/>
+          </a:scene3d>
+          <a:sp3d>
+            <a:bevelT/>
+          </a:sp3d>
+        </p:spPr>
+        <p:style>
+          <a:lnRef idx="1">
+            <a:schemeClr val="accent4"/>
+          </a:lnRef>
+          <a:fillRef idx="3">
+            <a:schemeClr val="accent4"/>
+          </a:fillRef>
+          <a:effectRef idx="2">
+            <a:schemeClr val="accent4"/>
+          </a:effectRef>
+          <a:fontRef idx="minor">
+            <a:schemeClr val="lt1"/>
+          </a:fontRef>
+        </p:style>
+        <p:txBody>
+          <a:bodyPr rtlCol="0" anchor="ctr"/>
+          <a:lstStyle/>
+          <a:p>
+            <a:pPr algn="ctr"/>
+            <a:endParaRPr lang="en-GB"/>
+          </a:p>
+        </p:txBody>
+      </p:sp>
+      <p:sp>
+        <p:nvSpPr>
+          <p:cNvPr id="20" name="Rectangle: Rounded Corners 19">
+            <a:extLst>
+              <a:ext uri="{FF2B5EF4-FFF2-40B4-BE49-F238E27FC236}">
+                <a16:creationId xmlns:a16="http://schemas.microsoft.com/office/drawing/2014/main" id="{13E1F524-2C0E-4836-97CC-408D664A5176}"/>
+              </a:ext>
+            </a:extLst>
+          </p:cNvPr>
+          <p:cNvSpPr/>
+          <p:nvPr/>
+        </p:nvSpPr>
+        <p:spPr>
+          <a:xfrm>
+            <a:off x="4064000" y="3925856"/>
+            <a:ext cx="2425700" cy="325017"/>
+          </a:xfrm>
+          <a:prstGeom prst="roundRect">
+            <a:avLst/>
+          </a:prstGeom>
+          <a:solidFill>
+            <a:srgbClr val="4F2270"/>
+          </a:solidFill>
+          <a:ln>
+            <a:noFill/>
+          </a:ln>
+          <a:effectLst>
+            <a:outerShdw blurRad="50800" dist="38100" dir="2700000" algn="tl" rotWithShape="0">
+              <a:prstClr val="black">
+                <a:alpha val="40000"/>
+              </a:prstClr>
+            </a:outerShdw>
+          </a:effectLst>
+          <a:scene3d>
+            <a:camera prst="orthographicFront">
+              <a:rot lat="0" lon="0" rev="0"/>
+            </a:camera>
+            <a:lightRig rig="contrasting" dir="t">
+              <a:rot lat="0" lon="0" rev="1500000"/>
+            </a:lightRig>
+          </a:scene3d>
+          <a:sp3d prstMaterial="metal">
+            <a:bevelT w="88900" h="88900"/>
+          </a:sp3d>
+        </p:spPr>
+        <p:style>
+          <a:lnRef idx="0">
+            <a:schemeClr val="accent1"/>
+          </a:lnRef>
+          <a:fillRef idx="3">
+            <a:schemeClr val="accent1"/>
+          </a:fillRef>
+          <a:effectRef idx="3">
+            <a:schemeClr val="accent1"/>
+          </a:effectRef>
+          <a:fontRef idx="minor">
+            <a:schemeClr val="lt1"/>
+          </a:fontRef>
+        </p:style>
+        <p:txBody>
+          <a:bodyPr rtlCol="0" anchor="ctr"/>
+          <a:lstStyle/>
+          <a:p>
+            <a:pPr algn="ctr"/>
+            <a:r>
+              <a:rPr lang="en-US" sz="1600" dirty="0">
+                <a:latin typeface="Segoe Print" panose="02000600000000000000" pitchFamily="2" charset="0"/>
+              </a:rPr>
+              <a:t>Execute </a:t>
+            </a:r>
+            <a:r>
+              <a:rPr lang="en-US" sz="1600" dirty="0" err="1">
+                <a:latin typeface="Segoe Print" panose="02000600000000000000" pitchFamily="2" charset="0"/>
+              </a:rPr>
+              <a:t>Darwinizer</a:t>
+            </a:r>
+            <a:endParaRPr lang="en-GB" sz="1600" dirty="0">
+              <a:latin typeface="Segoe Print" panose="02000600000000000000" pitchFamily="2" charset="0"/>
+            </a:endParaRPr>
+          </a:p>
+        </p:txBody>
+      </p:sp>
+    </p:spTree>
+    <p:extLst>
+      <p:ext uri="{BB962C8B-B14F-4D97-AF65-F5344CB8AC3E}">
+        <p14:creationId xmlns:p14="http://schemas.microsoft.com/office/powerpoint/2010/main" val="3687270441"/>
+      </p:ext>
+    </p:extLst>
+  </p:cSld>
+  <p:clrMapOvr>
+    <a:masterClrMapping/>
+  </p:clrMapOvr>
+</p:sld>
+</file>
+
+<file path=ppt/slides/slide7.xml><?xml version="1.0" encoding="utf-8"?>
 <p:sld xmlns:a="http://schemas.openxmlformats.org/drawingml/2006/main" xmlns:r="http://schemas.openxmlformats.org/officeDocument/2006/relationships" xmlns:p="http://schemas.openxmlformats.org/presentationml/2006/main">
   <p:cSld>
     <p:spTree>
@@ -21218,7 +21585,7 @@
 </p:sld>
 </file>
 
-<file path=ppt/slides/slide3.xml><?xml version="1.0" encoding="utf-8"?>
+<file path=ppt/slides/slide8.xml><?xml version="1.0" encoding="utf-8"?>
 <p:sld xmlns:a="http://schemas.openxmlformats.org/drawingml/2006/main" xmlns:r="http://schemas.openxmlformats.org/officeDocument/2006/relationships" xmlns:p="http://schemas.openxmlformats.org/presentationml/2006/main">
   <p:cSld>
     <p:spTree>
@@ -21287,7 +21654,7 @@
 </p:sld>
 </file>
 
-<file path=ppt/slides/slide4.xml><?xml version="1.0" encoding="utf-8"?>
+<file path=ppt/slides/slide9.xml><?xml version="1.0" encoding="utf-8"?>
 <p:sld xmlns:a="http://schemas.openxmlformats.org/drawingml/2006/main" xmlns:r="http://schemas.openxmlformats.org/officeDocument/2006/relationships" xmlns:p="http://schemas.openxmlformats.org/presentationml/2006/main">
   <p:cSld>
     <p:spTree>
@@ -21348,2218 +21715,6 @@
     <p:extLst>
       <p:ext uri="{BB962C8B-B14F-4D97-AF65-F5344CB8AC3E}">
         <p14:creationId xmlns:p14="http://schemas.microsoft.com/office/powerpoint/2010/main" val="1750554015"/>
-      </p:ext>
-    </p:extLst>
-  </p:cSld>
-  <p:clrMapOvr>
-    <a:masterClrMapping/>
-  </p:clrMapOvr>
-</p:sld>
-</file>
-
-<file path=ppt/slides/slide5.xml><?xml version="1.0" encoding="utf-8"?>
-<p:sld xmlns:a="http://schemas.openxmlformats.org/drawingml/2006/main" xmlns:r="http://schemas.openxmlformats.org/officeDocument/2006/relationships" xmlns:p="http://schemas.openxmlformats.org/presentationml/2006/main">
-  <p:cSld>
-    <p:spTree>
-      <p:nvGrpSpPr>
-        <p:cNvPr id="1" name=""/>
-        <p:cNvGrpSpPr/>
-        <p:nvPr/>
-      </p:nvGrpSpPr>
-      <p:grpSpPr>
-        <a:xfrm>
-          <a:off x="0" y="0"/>
-          <a:ext cx="0" cy="0"/>
-          <a:chOff x="0" y="0"/>
-          <a:chExt cx="0" cy="0"/>
-        </a:xfrm>
-      </p:grpSpPr>
-      <p:pic>
-        <p:nvPicPr>
-          <p:cNvPr id="2" name="Picture 1">
-            <a:extLst>
-              <a:ext uri="{FF2B5EF4-FFF2-40B4-BE49-F238E27FC236}">
-                <a16:creationId xmlns:a16="http://schemas.microsoft.com/office/drawing/2014/main" id="{0A1C8CAC-9F95-4B48-814A-790CA571AD5E}"/>
-              </a:ext>
-            </a:extLst>
-          </p:cNvPr>
-          <p:cNvPicPr>
-            <a:picLocks noChangeAspect="1"/>
-          </p:cNvPicPr>
-          <p:nvPr/>
-        </p:nvPicPr>
-        <p:blipFill>
-          <a:blip r:embed="rId2"/>
-          <a:stretch>
-            <a:fillRect/>
-          </a:stretch>
-        </p:blipFill>
-        <p:spPr>
-          <a:xfrm>
-            <a:off x="709612" y="633412"/>
-            <a:ext cx="2276475" cy="676275"/>
-          </a:xfrm>
-          <a:prstGeom prst="rect">
-            <a:avLst/>
-          </a:prstGeom>
-          <a:ln>
-            <a:noFill/>
-          </a:ln>
-          <a:effectLst>
-            <a:outerShdw blurRad="190500" algn="tl" rotWithShape="0">
-              <a:srgbClr val="000000">
-                <a:alpha val="70000"/>
-              </a:srgbClr>
-            </a:outerShdw>
-          </a:effectLst>
-        </p:spPr>
-      </p:pic>
-      <p:pic>
-        <p:nvPicPr>
-          <p:cNvPr id="3" name="Picture 2">
-            <a:extLst>
-              <a:ext uri="{FF2B5EF4-FFF2-40B4-BE49-F238E27FC236}">
-                <a16:creationId xmlns:a16="http://schemas.microsoft.com/office/drawing/2014/main" id="{33EDA5F0-E126-4B81-BB6E-D16611F555A2}"/>
-              </a:ext>
-            </a:extLst>
-          </p:cNvPr>
-          <p:cNvPicPr>
-            <a:picLocks noChangeAspect="1"/>
-          </p:cNvPicPr>
-          <p:nvPr/>
-        </p:nvPicPr>
-        <p:blipFill>
-          <a:blip r:embed="rId3"/>
-          <a:stretch>
-            <a:fillRect/>
-          </a:stretch>
-        </p:blipFill>
-        <p:spPr>
-          <a:xfrm>
-            <a:off x="709612" y="4786312"/>
-            <a:ext cx="2686050" cy="666750"/>
-          </a:xfrm>
-          <a:prstGeom prst="rect">
-            <a:avLst/>
-          </a:prstGeom>
-          <a:ln>
-            <a:noFill/>
-          </a:ln>
-          <a:effectLst>
-            <a:outerShdw blurRad="190500" algn="tl" rotWithShape="0">
-              <a:srgbClr val="000000">
-                <a:alpha val="70000"/>
-              </a:srgbClr>
-            </a:outerShdw>
-          </a:effectLst>
-        </p:spPr>
-      </p:pic>
-      <p:pic>
-        <p:nvPicPr>
-          <p:cNvPr id="4" name="Picture 3">
-            <a:extLst>
-              <a:ext uri="{FF2B5EF4-FFF2-40B4-BE49-F238E27FC236}">
-                <a16:creationId xmlns:a16="http://schemas.microsoft.com/office/drawing/2014/main" id="{0D719D84-B151-474F-BD49-1ADE60513A01}"/>
-              </a:ext>
-            </a:extLst>
-          </p:cNvPr>
-          <p:cNvPicPr>
-            <a:picLocks noChangeAspect="1"/>
-          </p:cNvPicPr>
-          <p:nvPr/>
-        </p:nvPicPr>
-        <p:blipFill>
-          <a:blip r:embed="rId4"/>
-          <a:stretch>
-            <a:fillRect/>
-          </a:stretch>
-        </p:blipFill>
-        <p:spPr>
-          <a:xfrm>
-            <a:off x="709612" y="1814512"/>
-            <a:ext cx="6677025" cy="2466975"/>
-          </a:xfrm>
-          <a:prstGeom prst="rect">
-            <a:avLst/>
-          </a:prstGeom>
-          <a:ln>
-            <a:noFill/>
-          </a:ln>
-          <a:effectLst>
-            <a:outerShdw blurRad="190500" algn="tl" rotWithShape="0">
-              <a:srgbClr val="000000">
-                <a:alpha val="70000"/>
-              </a:srgbClr>
-            </a:outerShdw>
-          </a:effectLst>
-        </p:spPr>
-      </p:pic>
-    </p:spTree>
-    <p:extLst>
-      <p:ext uri="{BB962C8B-B14F-4D97-AF65-F5344CB8AC3E}">
-        <p14:creationId xmlns:p14="http://schemas.microsoft.com/office/powerpoint/2010/main" val="738038341"/>
-      </p:ext>
-    </p:extLst>
-  </p:cSld>
-  <p:clrMapOvr>
-    <a:masterClrMapping/>
-  </p:clrMapOvr>
-</p:sld>
-</file>
-
-<file path=ppt/slides/slide6.xml><?xml version="1.0" encoding="utf-8"?>
-<p:sld xmlns:a="http://schemas.openxmlformats.org/drawingml/2006/main" xmlns:r="http://schemas.openxmlformats.org/officeDocument/2006/relationships" xmlns:p="http://schemas.openxmlformats.org/presentationml/2006/main">
-  <p:cSld>
-    <p:spTree>
-      <p:nvGrpSpPr>
-        <p:cNvPr id="1" name=""/>
-        <p:cNvGrpSpPr/>
-        <p:nvPr/>
-      </p:nvGrpSpPr>
-      <p:grpSpPr>
-        <a:xfrm>
-          <a:off x="0" y="0"/>
-          <a:ext cx="0" cy="0"/>
-          <a:chOff x="0" y="0"/>
-          <a:chExt cx="0" cy="0"/>
-        </a:xfrm>
-      </p:grpSpPr>
-      <p:pic>
-        <p:nvPicPr>
-          <p:cNvPr id="3" name="Picture 2">
-            <a:extLst>
-              <a:ext uri="{FF2B5EF4-FFF2-40B4-BE49-F238E27FC236}">
-                <a16:creationId xmlns:a16="http://schemas.microsoft.com/office/drawing/2014/main" id="{914CF819-BF4C-420E-B9BB-C0E102B697BC}"/>
-              </a:ext>
-            </a:extLst>
-          </p:cNvPr>
-          <p:cNvPicPr>
-            <a:picLocks noChangeAspect="1"/>
-          </p:cNvPicPr>
-          <p:nvPr/>
-        </p:nvPicPr>
-        <p:blipFill rotWithShape="1">
-          <a:blip r:embed="rId2"/>
-          <a:srcRect t="755"/>
-          <a:stretch/>
-        </p:blipFill>
-        <p:spPr>
-          <a:xfrm>
-            <a:off x="0" y="495299"/>
-            <a:ext cx="12192000" cy="5912389"/>
-          </a:xfrm>
-          <a:prstGeom prst="rect">
-            <a:avLst/>
-          </a:prstGeom>
-          <a:ln>
-            <a:noFill/>
-          </a:ln>
-          <a:effectLst>
-            <a:outerShdw blurRad="190500" algn="tl" rotWithShape="0">
-              <a:srgbClr val="000000">
-                <a:alpha val="70000"/>
-              </a:srgbClr>
-            </a:outerShdw>
-          </a:effectLst>
-        </p:spPr>
-      </p:pic>
-      <p:sp>
-        <p:nvSpPr>
-          <p:cNvPr id="8" name="Rectangle: Rounded Corners 7">
-            <a:extLst>
-              <a:ext uri="{FF2B5EF4-FFF2-40B4-BE49-F238E27FC236}">
-                <a16:creationId xmlns:a16="http://schemas.microsoft.com/office/drawing/2014/main" id="{C44F1B61-BF65-4186-A198-2DB3A0DDA01B}"/>
-              </a:ext>
-            </a:extLst>
-          </p:cNvPr>
-          <p:cNvSpPr/>
-          <p:nvPr/>
-        </p:nvSpPr>
-        <p:spPr>
-          <a:xfrm>
-            <a:off x="1612900" y="495299"/>
-            <a:ext cx="10156270" cy="1181102"/>
-          </a:xfrm>
-          <a:prstGeom prst="roundRect">
-            <a:avLst/>
-          </a:prstGeom>
-          <a:noFill/>
-          <a:ln w="57150">
-            <a:solidFill>
-              <a:srgbClr val="7030A0"/>
-            </a:solidFill>
-          </a:ln>
-          <a:effectLst>
-            <a:outerShdw blurRad="50800" dist="38100" dir="2700000" algn="tl" rotWithShape="0">
-              <a:prstClr val="black">
-                <a:alpha val="40000"/>
-              </a:prstClr>
-            </a:outerShdw>
-          </a:effectLst>
-          <a:scene3d>
-            <a:camera prst="orthographicFront"/>
-            <a:lightRig rig="threePt" dir="t"/>
-          </a:scene3d>
-          <a:sp3d>
-            <a:bevelT/>
-          </a:sp3d>
-        </p:spPr>
-        <p:style>
-          <a:lnRef idx="1">
-            <a:schemeClr val="accent4"/>
-          </a:lnRef>
-          <a:fillRef idx="3">
-            <a:schemeClr val="accent4"/>
-          </a:fillRef>
-          <a:effectRef idx="2">
-            <a:schemeClr val="accent4"/>
-          </a:effectRef>
-          <a:fontRef idx="minor">
-            <a:schemeClr val="lt1"/>
-          </a:fontRef>
-        </p:style>
-        <p:txBody>
-          <a:bodyPr rtlCol="0" anchor="ctr"/>
-          <a:lstStyle/>
-          <a:p>
-            <a:pPr algn="ctr"/>
-            <a:endParaRPr lang="en-GB"/>
-          </a:p>
-        </p:txBody>
-      </p:sp>
-      <p:sp>
-        <p:nvSpPr>
-          <p:cNvPr id="12" name="Rectangle: Rounded Corners 11">
-            <a:extLst>
-              <a:ext uri="{FF2B5EF4-FFF2-40B4-BE49-F238E27FC236}">
-                <a16:creationId xmlns:a16="http://schemas.microsoft.com/office/drawing/2014/main" id="{7889CDE5-472A-4A2A-817D-D70048AAE591}"/>
-              </a:ext>
-            </a:extLst>
-          </p:cNvPr>
-          <p:cNvSpPr/>
-          <p:nvPr/>
-        </p:nvSpPr>
-        <p:spPr>
-          <a:xfrm>
-            <a:off x="6458321" y="584199"/>
-            <a:ext cx="1345457" cy="325017"/>
-          </a:xfrm>
-          <a:prstGeom prst="roundRect">
-            <a:avLst/>
-          </a:prstGeom>
-          <a:solidFill>
-            <a:srgbClr val="4F2270"/>
-          </a:solidFill>
-          <a:ln>
-            <a:noFill/>
-          </a:ln>
-          <a:effectLst>
-            <a:outerShdw blurRad="50800" dist="38100" dir="2700000" algn="tl" rotWithShape="0">
-              <a:prstClr val="black">
-                <a:alpha val="40000"/>
-              </a:prstClr>
-            </a:outerShdw>
-          </a:effectLst>
-          <a:scene3d>
-            <a:camera prst="orthographicFront">
-              <a:rot lat="0" lon="0" rev="0"/>
-            </a:camera>
-            <a:lightRig rig="contrasting" dir="t">
-              <a:rot lat="0" lon="0" rev="1500000"/>
-            </a:lightRig>
-          </a:scene3d>
-          <a:sp3d prstMaterial="metal">
-            <a:bevelT w="88900" h="88900"/>
-          </a:sp3d>
-        </p:spPr>
-        <p:style>
-          <a:lnRef idx="0">
-            <a:schemeClr val="accent1"/>
-          </a:lnRef>
-          <a:fillRef idx="3">
-            <a:schemeClr val="accent1"/>
-          </a:fillRef>
-          <a:effectRef idx="3">
-            <a:schemeClr val="accent1"/>
-          </a:effectRef>
-          <a:fontRef idx="minor">
-            <a:schemeClr val="lt1"/>
-          </a:fontRef>
-        </p:style>
-        <p:txBody>
-          <a:bodyPr rtlCol="0" anchor="ctr"/>
-          <a:lstStyle/>
-          <a:p>
-            <a:pPr algn="ctr"/>
-            <a:r>
-              <a:rPr lang="en-US" sz="1600" dirty="0">
-                <a:latin typeface="Segoe Print" panose="02000600000000000000" pitchFamily="2" charset="0"/>
-              </a:rPr>
-              <a:t>Statistics</a:t>
-            </a:r>
-            <a:endParaRPr lang="en-GB" sz="1600" dirty="0">
-              <a:latin typeface="Segoe Print" panose="02000600000000000000" pitchFamily="2" charset="0"/>
-            </a:endParaRPr>
-          </a:p>
-        </p:txBody>
-      </p:sp>
-      <p:sp>
-        <p:nvSpPr>
-          <p:cNvPr id="13" name="Rectangle: Rounded Corners 12">
-            <a:extLst>
-              <a:ext uri="{FF2B5EF4-FFF2-40B4-BE49-F238E27FC236}">
-                <a16:creationId xmlns:a16="http://schemas.microsoft.com/office/drawing/2014/main" id="{CB1B280E-5E03-4CDD-BED6-F98586DF1E5D}"/>
-              </a:ext>
-            </a:extLst>
-          </p:cNvPr>
-          <p:cNvSpPr/>
-          <p:nvPr/>
-        </p:nvSpPr>
-        <p:spPr>
-          <a:xfrm>
-            <a:off x="1524000" y="1848387"/>
-            <a:ext cx="4394200" cy="4514314"/>
-          </a:xfrm>
-          <a:prstGeom prst="roundRect">
-            <a:avLst/>
-          </a:prstGeom>
-          <a:noFill/>
-          <a:ln w="57150">
-            <a:solidFill>
-              <a:srgbClr val="893BC3"/>
-            </a:solidFill>
-          </a:ln>
-          <a:effectLst>
-            <a:outerShdw blurRad="50800" dist="38100" dir="2700000" algn="tl" rotWithShape="0">
-              <a:prstClr val="black">
-                <a:alpha val="40000"/>
-              </a:prstClr>
-            </a:outerShdw>
-          </a:effectLst>
-          <a:scene3d>
-            <a:camera prst="orthographicFront"/>
-            <a:lightRig rig="threePt" dir="t"/>
-          </a:scene3d>
-          <a:sp3d>
-            <a:bevelT/>
-          </a:sp3d>
-        </p:spPr>
-        <p:style>
-          <a:lnRef idx="1">
-            <a:schemeClr val="accent4"/>
-          </a:lnRef>
-          <a:fillRef idx="3">
-            <a:schemeClr val="accent4"/>
-          </a:fillRef>
-          <a:effectRef idx="2">
-            <a:schemeClr val="accent4"/>
-          </a:effectRef>
-          <a:fontRef idx="minor">
-            <a:schemeClr val="lt1"/>
-          </a:fontRef>
-        </p:style>
-        <p:txBody>
-          <a:bodyPr rtlCol="0" anchor="ctr"/>
-          <a:lstStyle/>
-          <a:p>
-            <a:pPr algn="ctr"/>
-            <a:endParaRPr lang="en-GB"/>
-          </a:p>
-        </p:txBody>
-      </p:sp>
-      <p:sp>
-        <p:nvSpPr>
-          <p:cNvPr id="14" name="Rectangle: Rounded Corners 13">
-            <a:extLst>
-              <a:ext uri="{FF2B5EF4-FFF2-40B4-BE49-F238E27FC236}">
-                <a16:creationId xmlns:a16="http://schemas.microsoft.com/office/drawing/2014/main" id="{09A8639F-CD60-4A34-B3CE-6A2396BE1B63}"/>
-              </a:ext>
-            </a:extLst>
-          </p:cNvPr>
-          <p:cNvSpPr/>
-          <p:nvPr/>
-        </p:nvSpPr>
-        <p:spPr>
-          <a:xfrm>
-            <a:off x="2401900" y="5897671"/>
-            <a:ext cx="2232000" cy="325017"/>
-          </a:xfrm>
-          <a:prstGeom prst="roundRect">
-            <a:avLst/>
-          </a:prstGeom>
-          <a:solidFill>
-            <a:srgbClr val="4F2270"/>
-          </a:solidFill>
-          <a:ln>
-            <a:noFill/>
-          </a:ln>
-          <a:effectLst>
-            <a:outerShdw blurRad="50800" dist="38100" dir="2700000" algn="tl" rotWithShape="0">
-              <a:prstClr val="black">
-                <a:alpha val="40000"/>
-              </a:prstClr>
-            </a:outerShdw>
-          </a:effectLst>
-          <a:scene3d>
-            <a:camera prst="orthographicFront">
-              <a:rot lat="0" lon="0" rev="0"/>
-            </a:camera>
-            <a:lightRig rig="contrasting" dir="t">
-              <a:rot lat="0" lon="0" rev="1500000"/>
-            </a:lightRig>
-          </a:scene3d>
-          <a:sp3d prstMaterial="metal">
-            <a:bevelT w="88900" h="88900"/>
-          </a:sp3d>
-        </p:spPr>
-        <p:style>
-          <a:lnRef idx="0">
-            <a:schemeClr val="accent1"/>
-          </a:lnRef>
-          <a:fillRef idx="3">
-            <a:schemeClr val="accent1"/>
-          </a:fillRef>
-          <a:effectRef idx="3">
-            <a:schemeClr val="accent1"/>
-          </a:effectRef>
-          <a:fontRef idx="minor">
-            <a:schemeClr val="lt1"/>
-          </a:fontRef>
-        </p:style>
-        <p:txBody>
-          <a:bodyPr rtlCol="0" anchor="ctr"/>
-          <a:lstStyle/>
-          <a:p>
-            <a:pPr algn="ctr"/>
-            <a:r>
-              <a:rPr lang="en-US" sz="1600" dirty="0">
-                <a:latin typeface="Segoe Print" panose="02000600000000000000" pitchFamily="2" charset="0"/>
-              </a:rPr>
-              <a:t>Manual renaming</a:t>
-            </a:r>
-            <a:endParaRPr lang="en-GB" sz="1600" dirty="0">
-              <a:latin typeface="Segoe Print" panose="02000600000000000000" pitchFamily="2" charset="0"/>
-            </a:endParaRPr>
-          </a:p>
-        </p:txBody>
-      </p:sp>
-      <p:sp>
-        <p:nvSpPr>
-          <p:cNvPr id="15" name="Rectangle: Rounded Corners 14">
-            <a:extLst>
-              <a:ext uri="{FF2B5EF4-FFF2-40B4-BE49-F238E27FC236}">
-                <a16:creationId xmlns:a16="http://schemas.microsoft.com/office/drawing/2014/main" id="{541746EC-6A7A-4643-991C-8E050054D738}"/>
-              </a:ext>
-            </a:extLst>
-          </p:cNvPr>
-          <p:cNvSpPr/>
-          <p:nvPr/>
-        </p:nvSpPr>
-        <p:spPr>
-          <a:xfrm>
-            <a:off x="6096000" y="1848387"/>
-            <a:ext cx="5673170" cy="1136115"/>
-          </a:xfrm>
-          <a:prstGeom prst="roundRect">
-            <a:avLst/>
-          </a:prstGeom>
-          <a:noFill/>
-          <a:ln w="57150">
-            <a:solidFill>
-              <a:srgbClr val="7030A0"/>
-            </a:solidFill>
-          </a:ln>
-          <a:effectLst>
-            <a:outerShdw blurRad="50800" dist="38100" dir="2700000" algn="tl" rotWithShape="0">
-              <a:prstClr val="black">
-                <a:alpha val="40000"/>
-              </a:prstClr>
-            </a:outerShdw>
-          </a:effectLst>
-          <a:scene3d>
-            <a:camera prst="orthographicFront"/>
-            <a:lightRig rig="threePt" dir="t"/>
-          </a:scene3d>
-          <a:sp3d>
-            <a:bevelT/>
-          </a:sp3d>
-        </p:spPr>
-        <p:style>
-          <a:lnRef idx="1">
-            <a:schemeClr val="accent4"/>
-          </a:lnRef>
-          <a:fillRef idx="3">
-            <a:schemeClr val="accent4"/>
-          </a:fillRef>
-          <a:effectRef idx="2">
-            <a:schemeClr val="accent4"/>
-          </a:effectRef>
-          <a:fontRef idx="minor">
-            <a:schemeClr val="lt1"/>
-          </a:fontRef>
-        </p:style>
-        <p:txBody>
-          <a:bodyPr rtlCol="0" anchor="ctr"/>
-          <a:lstStyle/>
-          <a:p>
-            <a:pPr algn="ctr"/>
-            <a:endParaRPr lang="en-GB"/>
-          </a:p>
-        </p:txBody>
-      </p:sp>
-      <p:sp>
-        <p:nvSpPr>
-          <p:cNvPr id="16" name="Rectangle: Rounded Corners 15">
-            <a:extLst>
-              <a:ext uri="{FF2B5EF4-FFF2-40B4-BE49-F238E27FC236}">
-                <a16:creationId xmlns:a16="http://schemas.microsoft.com/office/drawing/2014/main" id="{79FEA730-23BC-48A1-BDFE-50B6C40E90D0}"/>
-              </a:ext>
-            </a:extLst>
-          </p:cNvPr>
-          <p:cNvSpPr/>
-          <p:nvPr/>
-        </p:nvSpPr>
-        <p:spPr>
-          <a:xfrm>
-            <a:off x="8267700" y="2535077"/>
-            <a:ext cx="2232000" cy="325017"/>
-          </a:xfrm>
-          <a:prstGeom prst="roundRect">
-            <a:avLst/>
-          </a:prstGeom>
-          <a:solidFill>
-            <a:srgbClr val="4F2270"/>
-          </a:solidFill>
-          <a:ln>
-            <a:noFill/>
-          </a:ln>
-          <a:effectLst>
-            <a:outerShdw blurRad="50800" dist="38100" dir="2700000" algn="tl" rotWithShape="0">
-              <a:prstClr val="black">
-                <a:alpha val="40000"/>
-              </a:prstClr>
-            </a:outerShdw>
-          </a:effectLst>
-          <a:scene3d>
-            <a:camera prst="orthographicFront">
-              <a:rot lat="0" lon="0" rev="0"/>
-            </a:camera>
-            <a:lightRig rig="contrasting" dir="t">
-              <a:rot lat="0" lon="0" rev="1500000"/>
-            </a:lightRig>
-          </a:scene3d>
-          <a:sp3d prstMaterial="metal">
-            <a:bevelT w="88900" h="88900"/>
-          </a:sp3d>
-        </p:spPr>
-        <p:style>
-          <a:lnRef idx="0">
-            <a:schemeClr val="accent1"/>
-          </a:lnRef>
-          <a:fillRef idx="3">
-            <a:schemeClr val="accent1"/>
-          </a:fillRef>
-          <a:effectRef idx="3">
-            <a:schemeClr val="accent1"/>
-          </a:effectRef>
-          <a:fontRef idx="minor">
-            <a:schemeClr val="lt1"/>
-          </a:fontRef>
-        </p:style>
-        <p:txBody>
-          <a:bodyPr rtlCol="0" anchor="ctr"/>
-          <a:lstStyle/>
-          <a:p>
-            <a:pPr algn="ctr"/>
-            <a:r>
-              <a:rPr lang="en-US" sz="1600" dirty="0">
-                <a:latin typeface="Segoe Print" panose="02000600000000000000" pitchFamily="2" charset="0"/>
-              </a:rPr>
-              <a:t>Action buttons</a:t>
-            </a:r>
-            <a:endParaRPr lang="en-GB" sz="1600" dirty="0">
-              <a:latin typeface="Segoe Print" panose="02000600000000000000" pitchFamily="2" charset="0"/>
-            </a:endParaRPr>
-          </a:p>
-        </p:txBody>
-      </p:sp>
-      <p:sp>
-        <p:nvSpPr>
-          <p:cNvPr id="17" name="Rectangle: Rounded Corners 16">
-            <a:extLst>
-              <a:ext uri="{FF2B5EF4-FFF2-40B4-BE49-F238E27FC236}">
-                <a16:creationId xmlns:a16="http://schemas.microsoft.com/office/drawing/2014/main" id="{4C166B73-D4E0-4772-8B39-1B28424B2D79}"/>
-              </a:ext>
-            </a:extLst>
-          </p:cNvPr>
-          <p:cNvSpPr/>
-          <p:nvPr/>
-        </p:nvSpPr>
-        <p:spPr>
-          <a:xfrm>
-            <a:off x="6282439" y="5897671"/>
-            <a:ext cx="1528390" cy="325017"/>
-          </a:xfrm>
-          <a:prstGeom prst="roundRect">
-            <a:avLst/>
-          </a:prstGeom>
-          <a:solidFill>
-            <a:srgbClr val="4F2270"/>
-          </a:solidFill>
-          <a:ln>
-            <a:noFill/>
-          </a:ln>
-          <a:effectLst>
-            <a:outerShdw blurRad="50800" dist="38100" dir="2700000" algn="tl" rotWithShape="0">
-              <a:prstClr val="black">
-                <a:alpha val="40000"/>
-              </a:prstClr>
-            </a:outerShdw>
-          </a:effectLst>
-          <a:scene3d>
-            <a:camera prst="orthographicFront">
-              <a:rot lat="0" lon="0" rev="0"/>
-            </a:camera>
-            <a:lightRig rig="contrasting" dir="t">
-              <a:rot lat="0" lon="0" rev="1500000"/>
-            </a:lightRig>
-          </a:scene3d>
-          <a:sp3d prstMaterial="metal">
-            <a:bevelT w="88900" h="88900"/>
-          </a:sp3d>
-        </p:spPr>
-        <p:style>
-          <a:lnRef idx="0">
-            <a:schemeClr val="accent1"/>
-          </a:lnRef>
-          <a:fillRef idx="3">
-            <a:schemeClr val="accent1"/>
-          </a:fillRef>
-          <a:effectRef idx="3">
-            <a:schemeClr val="accent1"/>
-          </a:effectRef>
-          <a:fontRef idx="minor">
-            <a:schemeClr val="lt1"/>
-          </a:fontRef>
-        </p:style>
-        <p:txBody>
-          <a:bodyPr rtlCol="0" anchor="ctr"/>
-          <a:lstStyle/>
-          <a:p>
-            <a:pPr algn="ctr"/>
-            <a:r>
-              <a:rPr lang="en-US" sz="1600" dirty="0">
-                <a:latin typeface="Segoe Print" panose="02000600000000000000" pitchFamily="2" charset="0"/>
-              </a:rPr>
-              <a:t>Darwinized</a:t>
-            </a:r>
-            <a:endParaRPr lang="en-GB" sz="1600" dirty="0">
-              <a:latin typeface="Segoe Print" panose="02000600000000000000" pitchFamily="2" charset="0"/>
-            </a:endParaRPr>
-          </a:p>
-        </p:txBody>
-      </p:sp>
-      <p:sp>
-        <p:nvSpPr>
-          <p:cNvPr id="18" name="Rectangle: Rounded Corners 17">
-            <a:extLst>
-              <a:ext uri="{FF2B5EF4-FFF2-40B4-BE49-F238E27FC236}">
-                <a16:creationId xmlns:a16="http://schemas.microsoft.com/office/drawing/2014/main" id="{29537D68-C8D4-4F02-BF6C-EB3C94A6926E}"/>
-              </a:ext>
-            </a:extLst>
-          </p:cNvPr>
-          <p:cNvSpPr/>
-          <p:nvPr/>
-        </p:nvSpPr>
-        <p:spPr>
-          <a:xfrm>
-            <a:off x="9953069" y="3198516"/>
-            <a:ext cx="1816101" cy="3164185"/>
-          </a:xfrm>
-          <a:prstGeom prst="roundRect">
-            <a:avLst/>
-          </a:prstGeom>
-          <a:noFill/>
-          <a:ln w="57150">
-            <a:solidFill>
-              <a:srgbClr val="7030A0"/>
-            </a:solidFill>
-          </a:ln>
-          <a:effectLst>
-            <a:outerShdw blurRad="50800" dist="38100" dir="2700000" algn="tl" rotWithShape="0">
-              <a:prstClr val="black">
-                <a:alpha val="40000"/>
-              </a:prstClr>
-            </a:outerShdw>
-          </a:effectLst>
-          <a:scene3d>
-            <a:camera prst="orthographicFront"/>
-            <a:lightRig rig="threePt" dir="t"/>
-          </a:scene3d>
-          <a:sp3d>
-            <a:bevelT/>
-          </a:sp3d>
-        </p:spPr>
-        <p:style>
-          <a:lnRef idx="1">
-            <a:schemeClr val="accent4"/>
-          </a:lnRef>
-          <a:fillRef idx="3">
-            <a:schemeClr val="accent4"/>
-          </a:fillRef>
-          <a:effectRef idx="2">
-            <a:schemeClr val="accent4"/>
-          </a:effectRef>
-          <a:fontRef idx="minor">
-            <a:schemeClr val="lt1"/>
-          </a:fontRef>
-        </p:style>
-        <p:txBody>
-          <a:bodyPr rtlCol="0" anchor="ctr"/>
-          <a:lstStyle/>
-          <a:p>
-            <a:pPr algn="ctr"/>
-            <a:endParaRPr lang="en-GB"/>
-          </a:p>
-        </p:txBody>
-      </p:sp>
-      <p:sp>
-        <p:nvSpPr>
-          <p:cNvPr id="19" name="Rectangle: Rounded Corners 18">
-            <a:extLst>
-              <a:ext uri="{FF2B5EF4-FFF2-40B4-BE49-F238E27FC236}">
-                <a16:creationId xmlns:a16="http://schemas.microsoft.com/office/drawing/2014/main" id="{08C96C67-24E5-489B-AC60-D67A73A90BEE}"/>
-              </a:ext>
-            </a:extLst>
-          </p:cNvPr>
-          <p:cNvSpPr/>
-          <p:nvPr/>
-        </p:nvSpPr>
-        <p:spPr>
-          <a:xfrm>
-            <a:off x="6138584" y="3198516"/>
-            <a:ext cx="1816100" cy="3164185"/>
-          </a:xfrm>
-          <a:prstGeom prst="roundRect">
-            <a:avLst/>
-          </a:prstGeom>
-          <a:noFill/>
-          <a:ln w="57150">
-            <a:solidFill>
-              <a:srgbClr val="7030A0"/>
-            </a:solidFill>
-          </a:ln>
-          <a:effectLst>
-            <a:outerShdw blurRad="50800" dist="38100" dir="2700000" algn="tl" rotWithShape="0">
-              <a:prstClr val="black">
-                <a:alpha val="40000"/>
-              </a:prstClr>
-            </a:outerShdw>
-          </a:effectLst>
-          <a:scene3d>
-            <a:camera prst="orthographicFront"/>
-            <a:lightRig rig="threePt" dir="t"/>
-          </a:scene3d>
-          <a:sp3d>
-            <a:bevelT/>
-          </a:sp3d>
-        </p:spPr>
-        <p:style>
-          <a:lnRef idx="1">
-            <a:schemeClr val="accent4"/>
-          </a:lnRef>
-          <a:fillRef idx="3">
-            <a:schemeClr val="accent4"/>
-          </a:fillRef>
-          <a:effectRef idx="2">
-            <a:schemeClr val="accent4"/>
-          </a:effectRef>
-          <a:fontRef idx="minor">
-            <a:schemeClr val="lt1"/>
-          </a:fontRef>
-        </p:style>
-        <p:txBody>
-          <a:bodyPr rtlCol="0" anchor="ctr"/>
-          <a:lstStyle/>
-          <a:p>
-            <a:pPr algn="ctr"/>
-            <a:endParaRPr lang="en-GB"/>
-          </a:p>
-        </p:txBody>
-      </p:sp>
-      <p:sp>
-        <p:nvSpPr>
-          <p:cNvPr id="20" name="Rectangle: Rounded Corners 19">
-            <a:extLst>
-              <a:ext uri="{FF2B5EF4-FFF2-40B4-BE49-F238E27FC236}">
-                <a16:creationId xmlns:a16="http://schemas.microsoft.com/office/drawing/2014/main" id="{2013EC83-989D-429D-BA23-BBCD106E4441}"/>
-              </a:ext>
-            </a:extLst>
-          </p:cNvPr>
-          <p:cNvSpPr/>
-          <p:nvPr/>
-        </p:nvSpPr>
-        <p:spPr>
-          <a:xfrm>
-            <a:off x="8045826" y="3198516"/>
-            <a:ext cx="1816100" cy="3164185"/>
-          </a:xfrm>
-          <a:prstGeom prst="roundRect">
-            <a:avLst/>
-          </a:prstGeom>
-          <a:noFill/>
-          <a:ln w="57150">
-            <a:solidFill>
-              <a:srgbClr val="7030A0"/>
-            </a:solidFill>
-          </a:ln>
-          <a:effectLst>
-            <a:outerShdw blurRad="50800" dist="38100" dir="2700000" algn="tl" rotWithShape="0">
-              <a:prstClr val="black">
-                <a:alpha val="40000"/>
-              </a:prstClr>
-            </a:outerShdw>
-          </a:effectLst>
-          <a:scene3d>
-            <a:camera prst="orthographicFront"/>
-            <a:lightRig rig="threePt" dir="t"/>
-          </a:scene3d>
-          <a:sp3d>
-            <a:bevelT/>
-          </a:sp3d>
-        </p:spPr>
-        <p:style>
-          <a:lnRef idx="1">
-            <a:schemeClr val="accent4"/>
-          </a:lnRef>
-          <a:fillRef idx="3">
-            <a:schemeClr val="accent4"/>
-          </a:fillRef>
-          <a:effectRef idx="2">
-            <a:schemeClr val="accent4"/>
-          </a:effectRef>
-          <a:fontRef idx="minor">
-            <a:schemeClr val="lt1"/>
-          </a:fontRef>
-        </p:style>
-        <p:txBody>
-          <a:bodyPr rtlCol="0" anchor="ctr"/>
-          <a:lstStyle/>
-          <a:p>
-            <a:pPr algn="ctr"/>
-            <a:endParaRPr lang="en-GB"/>
-          </a:p>
-        </p:txBody>
-      </p:sp>
-      <p:sp>
-        <p:nvSpPr>
-          <p:cNvPr id="22" name="Rectangle: Rounded Corners 21">
-            <a:extLst>
-              <a:ext uri="{FF2B5EF4-FFF2-40B4-BE49-F238E27FC236}">
-                <a16:creationId xmlns:a16="http://schemas.microsoft.com/office/drawing/2014/main" id="{6FEC8B9E-6426-447B-9F6B-4D9B94202E9D}"/>
-              </a:ext>
-            </a:extLst>
-          </p:cNvPr>
-          <p:cNvSpPr/>
-          <p:nvPr/>
-        </p:nvSpPr>
-        <p:spPr>
-          <a:xfrm>
-            <a:off x="8189681" y="5897671"/>
-            <a:ext cx="1528390" cy="325017"/>
-          </a:xfrm>
-          <a:prstGeom prst="roundRect">
-            <a:avLst/>
-          </a:prstGeom>
-          <a:solidFill>
-            <a:srgbClr val="4F2270"/>
-          </a:solidFill>
-          <a:ln>
-            <a:noFill/>
-          </a:ln>
-          <a:effectLst>
-            <a:outerShdw blurRad="50800" dist="38100" dir="2700000" algn="tl" rotWithShape="0">
-              <a:prstClr val="black">
-                <a:alpha val="40000"/>
-              </a:prstClr>
-            </a:outerShdw>
-          </a:effectLst>
-          <a:scene3d>
-            <a:camera prst="orthographicFront">
-              <a:rot lat="0" lon="0" rev="0"/>
-            </a:camera>
-            <a:lightRig rig="contrasting" dir="t">
-              <a:rot lat="0" lon="0" rev="1500000"/>
-            </a:lightRig>
-          </a:scene3d>
-          <a:sp3d prstMaterial="metal">
-            <a:bevelT w="88900" h="88900"/>
-          </a:sp3d>
-        </p:spPr>
-        <p:style>
-          <a:lnRef idx="0">
-            <a:schemeClr val="accent1"/>
-          </a:lnRef>
-          <a:fillRef idx="3">
-            <a:schemeClr val="accent1"/>
-          </a:fillRef>
-          <a:effectRef idx="3">
-            <a:schemeClr val="accent1"/>
-          </a:effectRef>
-          <a:fontRef idx="minor">
-            <a:schemeClr val="lt1"/>
-          </a:fontRef>
-        </p:style>
-        <p:txBody>
-          <a:bodyPr rtlCol="0" anchor="ctr"/>
-          <a:lstStyle/>
-          <a:p>
-            <a:pPr algn="ctr"/>
-            <a:r>
-              <a:rPr lang="en-US" sz="1600" dirty="0">
-                <a:latin typeface="Segoe Print" panose="02000600000000000000" pitchFamily="2" charset="0"/>
-              </a:rPr>
-              <a:t>Manual</a:t>
-            </a:r>
-            <a:endParaRPr lang="en-GB" sz="1600" dirty="0">
-              <a:latin typeface="Segoe Print" panose="02000600000000000000" pitchFamily="2" charset="0"/>
-            </a:endParaRPr>
-          </a:p>
-        </p:txBody>
-      </p:sp>
-      <p:sp>
-        <p:nvSpPr>
-          <p:cNvPr id="23" name="Rectangle: Rounded Corners 22">
-            <a:extLst>
-              <a:ext uri="{FF2B5EF4-FFF2-40B4-BE49-F238E27FC236}">
-                <a16:creationId xmlns:a16="http://schemas.microsoft.com/office/drawing/2014/main" id="{8CA80F59-583B-47CA-A1B6-11C09D4887C6}"/>
-              </a:ext>
-            </a:extLst>
-          </p:cNvPr>
-          <p:cNvSpPr/>
-          <p:nvPr/>
-        </p:nvSpPr>
-        <p:spPr>
-          <a:xfrm>
-            <a:off x="10110830" y="5897671"/>
-            <a:ext cx="1528390" cy="325017"/>
-          </a:xfrm>
-          <a:prstGeom prst="roundRect">
-            <a:avLst/>
-          </a:prstGeom>
-          <a:solidFill>
-            <a:srgbClr val="4F2270"/>
-          </a:solidFill>
-          <a:ln>
-            <a:noFill/>
-          </a:ln>
-          <a:effectLst>
-            <a:outerShdw blurRad="50800" dist="38100" dir="2700000" algn="tl" rotWithShape="0">
-              <a:prstClr val="black">
-                <a:alpha val="40000"/>
-              </a:prstClr>
-            </a:outerShdw>
-          </a:effectLst>
-          <a:scene3d>
-            <a:camera prst="orthographicFront">
-              <a:rot lat="0" lon="0" rev="0"/>
-            </a:camera>
-            <a:lightRig rig="contrasting" dir="t">
-              <a:rot lat="0" lon="0" rev="1500000"/>
-            </a:lightRig>
-          </a:scene3d>
-          <a:sp3d prstMaterial="metal">
-            <a:bevelT w="88900" h="88900"/>
-          </a:sp3d>
-        </p:spPr>
-        <p:style>
-          <a:lnRef idx="0">
-            <a:schemeClr val="accent1"/>
-          </a:lnRef>
-          <a:fillRef idx="3">
-            <a:schemeClr val="accent1"/>
-          </a:fillRef>
-          <a:effectRef idx="3">
-            <a:schemeClr val="accent1"/>
-          </a:effectRef>
-          <a:fontRef idx="minor">
-            <a:schemeClr val="lt1"/>
-          </a:fontRef>
-        </p:style>
-        <p:txBody>
-          <a:bodyPr rtlCol="0" anchor="ctr"/>
-          <a:lstStyle/>
-          <a:p>
-            <a:pPr algn="ctr"/>
-            <a:r>
-              <a:rPr lang="en-US" sz="1600" dirty="0">
-                <a:latin typeface="Segoe Print" panose="02000600000000000000" pitchFamily="2" charset="0"/>
-              </a:rPr>
-              <a:t>Identical</a:t>
-            </a:r>
-            <a:endParaRPr lang="en-GB" sz="1600" dirty="0">
-              <a:latin typeface="Segoe Print" panose="02000600000000000000" pitchFamily="2" charset="0"/>
-            </a:endParaRPr>
-          </a:p>
-        </p:txBody>
-      </p:sp>
-      <p:sp>
-        <p:nvSpPr>
-          <p:cNvPr id="24" name="Rectangle: Rounded Corners 23">
-            <a:extLst>
-              <a:ext uri="{FF2B5EF4-FFF2-40B4-BE49-F238E27FC236}">
-                <a16:creationId xmlns:a16="http://schemas.microsoft.com/office/drawing/2014/main" id="{434DD7FD-3D31-4FC8-8B55-916A66B16B5C}"/>
-              </a:ext>
-            </a:extLst>
-          </p:cNvPr>
-          <p:cNvSpPr/>
-          <p:nvPr/>
-        </p:nvSpPr>
-        <p:spPr>
-          <a:xfrm>
-            <a:off x="7529987" y="5234232"/>
-            <a:ext cx="2847778" cy="325017"/>
-          </a:xfrm>
-          <a:prstGeom prst="roundRect">
-            <a:avLst/>
-          </a:prstGeom>
-          <a:solidFill>
-            <a:srgbClr val="4F2270"/>
-          </a:solidFill>
-          <a:ln>
-            <a:noFill/>
-          </a:ln>
-          <a:effectLst>
-            <a:outerShdw blurRad="50800" dist="38100" dir="2700000" algn="tl" rotWithShape="0">
-              <a:prstClr val="black">
-                <a:alpha val="40000"/>
-              </a:prstClr>
-            </a:outerShdw>
-          </a:effectLst>
-          <a:scene3d>
-            <a:camera prst="orthographicFront">
-              <a:rot lat="0" lon="0" rev="0"/>
-            </a:camera>
-            <a:lightRig rig="contrasting" dir="t">
-              <a:rot lat="0" lon="0" rev="1500000"/>
-            </a:lightRig>
-          </a:scene3d>
-          <a:sp3d prstMaterial="metal">
-            <a:bevelT w="88900" h="88900"/>
-          </a:sp3d>
-        </p:spPr>
-        <p:style>
-          <a:lnRef idx="0">
-            <a:schemeClr val="accent1"/>
-          </a:lnRef>
-          <a:fillRef idx="3">
-            <a:schemeClr val="accent1"/>
-          </a:fillRef>
-          <a:effectRef idx="3">
-            <a:schemeClr val="accent1"/>
-          </a:effectRef>
-          <a:fontRef idx="minor">
-            <a:schemeClr val="lt1"/>
-          </a:fontRef>
-        </p:style>
-        <p:txBody>
-          <a:bodyPr rtlCol="0" anchor="ctr"/>
-          <a:lstStyle/>
-          <a:p>
-            <a:pPr algn="ctr"/>
-            <a:r>
-              <a:rPr lang="en-US" sz="1600" dirty="0">
-                <a:latin typeface="Segoe Print" panose="02000600000000000000" pitchFamily="2" charset="0"/>
-              </a:rPr>
-              <a:t>Name conversion results</a:t>
-            </a:r>
-            <a:endParaRPr lang="en-GB" sz="1600" dirty="0">
-              <a:latin typeface="Segoe Print" panose="02000600000000000000" pitchFamily="2" charset="0"/>
-            </a:endParaRPr>
-          </a:p>
-        </p:txBody>
-      </p:sp>
-    </p:spTree>
-    <p:extLst>
-      <p:ext uri="{BB962C8B-B14F-4D97-AF65-F5344CB8AC3E}">
-        <p14:creationId xmlns:p14="http://schemas.microsoft.com/office/powerpoint/2010/main" val="1956307915"/>
-      </p:ext>
-    </p:extLst>
-  </p:cSld>
-  <p:clrMapOvr>
-    <a:masterClrMapping/>
-  </p:clrMapOvr>
-</p:sld>
-</file>
-
-<file path=ppt/slides/slide7.xml><?xml version="1.0" encoding="utf-8"?>
-<p:sld xmlns:a="http://schemas.openxmlformats.org/drawingml/2006/main" xmlns:r="http://schemas.openxmlformats.org/officeDocument/2006/relationships" xmlns:p="http://schemas.openxmlformats.org/presentationml/2006/main">
-  <p:cSld>
-    <p:spTree>
-      <p:nvGrpSpPr>
-        <p:cNvPr id="1" name=""/>
-        <p:cNvGrpSpPr/>
-        <p:nvPr/>
-      </p:nvGrpSpPr>
-      <p:grpSpPr>
-        <a:xfrm>
-          <a:off x="0" y="0"/>
-          <a:ext cx="0" cy="0"/>
-          <a:chOff x="0" y="0"/>
-          <a:chExt cx="0" cy="0"/>
-        </a:xfrm>
-      </p:grpSpPr>
-      <p:sp>
-        <p:nvSpPr>
-          <p:cNvPr id="3" name="Rectangle: Rounded Corners 2">
-            <a:extLst>
-              <a:ext uri="{FF2B5EF4-FFF2-40B4-BE49-F238E27FC236}">
-                <a16:creationId xmlns:a16="http://schemas.microsoft.com/office/drawing/2014/main" id="{CD7B379B-6E2C-4976-8D26-DAC99BD19405}"/>
-              </a:ext>
-            </a:extLst>
-          </p:cNvPr>
-          <p:cNvSpPr/>
-          <p:nvPr/>
-        </p:nvSpPr>
-        <p:spPr>
-          <a:xfrm>
-            <a:off x="-111964" y="928906"/>
-            <a:ext cx="1586204" cy="3073925"/>
-          </a:xfrm>
-          <a:prstGeom prst="roundRect">
-            <a:avLst/>
-          </a:prstGeom>
-          <a:noFill/>
-          <a:ln w="57150">
-            <a:solidFill>
-              <a:srgbClr val="893BC3"/>
-            </a:solidFill>
-          </a:ln>
-          <a:effectLst>
-            <a:outerShdw blurRad="50800" dist="38100" dir="2700000" algn="tl" rotWithShape="0">
-              <a:prstClr val="black">
-                <a:alpha val="40000"/>
-              </a:prstClr>
-            </a:outerShdw>
-          </a:effectLst>
-          <a:scene3d>
-            <a:camera prst="orthographicFront"/>
-            <a:lightRig rig="threePt" dir="t"/>
-          </a:scene3d>
-          <a:sp3d>
-            <a:bevelT/>
-          </a:sp3d>
-        </p:spPr>
-        <p:style>
-          <a:lnRef idx="1">
-            <a:schemeClr val="accent4"/>
-          </a:lnRef>
-          <a:fillRef idx="3">
-            <a:schemeClr val="accent4"/>
-          </a:fillRef>
-          <a:effectRef idx="2">
-            <a:schemeClr val="accent4"/>
-          </a:effectRef>
-          <a:fontRef idx="minor">
-            <a:schemeClr val="lt1"/>
-          </a:fontRef>
-        </p:style>
-        <p:txBody>
-          <a:bodyPr rtlCol="0" anchor="ctr"/>
-          <a:lstStyle/>
-          <a:p>
-            <a:pPr algn="ctr"/>
-            <a:endParaRPr lang="en-GB"/>
-          </a:p>
-        </p:txBody>
-      </p:sp>
-      <p:sp>
-        <p:nvSpPr>
-          <p:cNvPr id="5" name="Rectangle: Rounded Corners 4">
-            <a:extLst>
-              <a:ext uri="{FF2B5EF4-FFF2-40B4-BE49-F238E27FC236}">
-                <a16:creationId xmlns:a16="http://schemas.microsoft.com/office/drawing/2014/main" id="{73B61C5D-89B7-48E2-95F8-1F6545207CC0}"/>
-              </a:ext>
-            </a:extLst>
-          </p:cNvPr>
-          <p:cNvSpPr/>
-          <p:nvPr/>
-        </p:nvSpPr>
-        <p:spPr>
-          <a:xfrm>
-            <a:off x="10677333" y="5654351"/>
-            <a:ext cx="827314" cy="842866"/>
-          </a:xfrm>
-          <a:prstGeom prst="roundRect">
-            <a:avLst/>
-          </a:prstGeom>
-          <a:noFill/>
-          <a:ln w="57150">
-            <a:solidFill>
-              <a:srgbClr val="7030A0"/>
-            </a:solidFill>
-          </a:ln>
-          <a:effectLst>
-            <a:outerShdw blurRad="50800" dist="38100" dir="2700000" algn="tl" rotWithShape="0">
-              <a:prstClr val="black">
-                <a:alpha val="40000"/>
-              </a:prstClr>
-            </a:outerShdw>
-          </a:effectLst>
-          <a:scene3d>
-            <a:camera prst="orthographicFront"/>
-            <a:lightRig rig="threePt" dir="t"/>
-          </a:scene3d>
-          <a:sp3d>
-            <a:bevelT/>
-          </a:sp3d>
-        </p:spPr>
-        <p:style>
-          <a:lnRef idx="1">
-            <a:schemeClr val="accent4"/>
-          </a:lnRef>
-          <a:fillRef idx="3">
-            <a:schemeClr val="accent4"/>
-          </a:fillRef>
-          <a:effectRef idx="2">
-            <a:schemeClr val="accent4"/>
-          </a:effectRef>
-          <a:fontRef idx="minor">
-            <a:schemeClr val="lt1"/>
-          </a:fontRef>
-        </p:style>
-        <p:txBody>
-          <a:bodyPr rtlCol="0" anchor="ctr"/>
-          <a:lstStyle/>
-          <a:p>
-            <a:pPr algn="ctr"/>
-            <a:endParaRPr lang="en-GB"/>
-          </a:p>
-        </p:txBody>
-      </p:sp>
-      <p:sp>
-        <p:nvSpPr>
-          <p:cNvPr id="6" name="Rectangle: Rounded Corners 5">
-            <a:extLst>
-              <a:ext uri="{FF2B5EF4-FFF2-40B4-BE49-F238E27FC236}">
-                <a16:creationId xmlns:a16="http://schemas.microsoft.com/office/drawing/2014/main" id="{39D6D9C0-B58E-4A05-8603-1362F6A51F93}"/>
-              </a:ext>
-            </a:extLst>
-          </p:cNvPr>
-          <p:cNvSpPr/>
-          <p:nvPr/>
-        </p:nvSpPr>
-        <p:spPr>
-          <a:xfrm>
-            <a:off x="9147111" y="5374943"/>
-            <a:ext cx="976603" cy="1150776"/>
-          </a:xfrm>
-          <a:prstGeom prst="roundRect">
-            <a:avLst/>
-          </a:prstGeom>
-          <a:noFill/>
-          <a:ln w="57150">
-            <a:solidFill>
-              <a:srgbClr val="7030A0"/>
-            </a:solidFill>
-          </a:ln>
-          <a:effectLst>
-            <a:outerShdw blurRad="50800" dist="38100" dir="2700000" algn="tl" rotWithShape="0">
-              <a:prstClr val="black">
-                <a:alpha val="40000"/>
-              </a:prstClr>
-            </a:outerShdw>
-          </a:effectLst>
-          <a:scene3d>
-            <a:camera prst="orthographicFront"/>
-            <a:lightRig rig="threePt" dir="t"/>
-          </a:scene3d>
-          <a:sp3d>
-            <a:bevelT/>
-          </a:sp3d>
-        </p:spPr>
-        <p:style>
-          <a:lnRef idx="1">
-            <a:schemeClr val="accent4"/>
-          </a:lnRef>
-          <a:fillRef idx="3">
-            <a:schemeClr val="accent4"/>
-          </a:fillRef>
-          <a:effectRef idx="2">
-            <a:schemeClr val="accent4"/>
-          </a:effectRef>
-          <a:fontRef idx="minor">
-            <a:schemeClr val="lt1"/>
-          </a:fontRef>
-        </p:style>
-        <p:txBody>
-          <a:bodyPr rtlCol="0" anchor="ctr"/>
-          <a:lstStyle/>
-          <a:p>
-            <a:pPr algn="ctr"/>
-            <a:endParaRPr lang="en-GB"/>
-          </a:p>
-        </p:txBody>
-      </p:sp>
-      <p:sp>
-        <p:nvSpPr>
-          <p:cNvPr id="7" name="Rectangle: Rounded Corners 6">
-            <a:extLst>
-              <a:ext uri="{FF2B5EF4-FFF2-40B4-BE49-F238E27FC236}">
-                <a16:creationId xmlns:a16="http://schemas.microsoft.com/office/drawing/2014/main" id="{62D63681-C9E4-42F0-9B40-3ABFBE33F240}"/>
-              </a:ext>
-            </a:extLst>
-          </p:cNvPr>
-          <p:cNvSpPr/>
-          <p:nvPr/>
-        </p:nvSpPr>
-        <p:spPr>
-          <a:xfrm>
-            <a:off x="7243666" y="5230319"/>
-            <a:ext cx="1489787" cy="1440024"/>
-          </a:xfrm>
-          <a:prstGeom prst="roundRect">
-            <a:avLst/>
-          </a:prstGeom>
-          <a:noFill/>
-          <a:ln w="57150">
-            <a:solidFill>
-              <a:srgbClr val="7030A0"/>
-            </a:solidFill>
-          </a:ln>
-          <a:effectLst>
-            <a:outerShdw blurRad="50800" dist="38100" dir="2700000" algn="tl" rotWithShape="0">
-              <a:prstClr val="black">
-                <a:alpha val="40000"/>
-              </a:prstClr>
-            </a:outerShdw>
-          </a:effectLst>
-          <a:scene3d>
-            <a:camera prst="orthographicFront"/>
-            <a:lightRig rig="threePt" dir="t"/>
-          </a:scene3d>
-          <a:sp3d>
-            <a:bevelT/>
-          </a:sp3d>
-        </p:spPr>
-        <p:style>
-          <a:lnRef idx="1">
-            <a:schemeClr val="accent4"/>
-          </a:lnRef>
-          <a:fillRef idx="3">
-            <a:schemeClr val="accent4"/>
-          </a:fillRef>
-          <a:effectRef idx="2">
-            <a:schemeClr val="accent4"/>
-          </a:effectRef>
-          <a:fontRef idx="minor">
-            <a:schemeClr val="lt1"/>
-          </a:fontRef>
-        </p:style>
-        <p:txBody>
-          <a:bodyPr rtlCol="0" anchor="ctr"/>
-          <a:lstStyle/>
-          <a:p>
-            <a:pPr algn="ctr"/>
-            <a:endParaRPr lang="en-GB"/>
-          </a:p>
-        </p:txBody>
-      </p:sp>
-      <p:sp>
-        <p:nvSpPr>
-          <p:cNvPr id="8" name="Rectangle: Rounded Corners 7">
-            <a:extLst>
-              <a:ext uri="{FF2B5EF4-FFF2-40B4-BE49-F238E27FC236}">
-                <a16:creationId xmlns:a16="http://schemas.microsoft.com/office/drawing/2014/main" id="{E766DDCC-5906-40E1-8FF4-FE392FFE1A10}"/>
-              </a:ext>
-            </a:extLst>
-          </p:cNvPr>
-          <p:cNvSpPr/>
-          <p:nvPr/>
-        </p:nvSpPr>
-        <p:spPr>
-          <a:xfrm>
-            <a:off x="5340221" y="5230319"/>
-            <a:ext cx="1489787" cy="1440024"/>
-          </a:xfrm>
-          <a:prstGeom prst="roundRect">
-            <a:avLst/>
-          </a:prstGeom>
-          <a:noFill/>
-          <a:ln w="57150">
-            <a:solidFill>
-              <a:srgbClr val="7030A0"/>
-            </a:solidFill>
-          </a:ln>
-          <a:effectLst>
-            <a:outerShdw blurRad="50800" dist="38100" dir="2700000" algn="tl" rotWithShape="0">
-              <a:prstClr val="black">
-                <a:alpha val="40000"/>
-              </a:prstClr>
-            </a:outerShdw>
-          </a:effectLst>
-          <a:scene3d>
-            <a:camera prst="orthographicFront"/>
-            <a:lightRig rig="threePt" dir="t"/>
-          </a:scene3d>
-          <a:sp3d>
-            <a:bevelT/>
-          </a:sp3d>
-        </p:spPr>
-        <p:style>
-          <a:lnRef idx="1">
-            <a:schemeClr val="accent4"/>
-          </a:lnRef>
-          <a:fillRef idx="3">
-            <a:schemeClr val="accent4"/>
-          </a:fillRef>
-          <a:effectRef idx="2">
-            <a:schemeClr val="accent4"/>
-          </a:effectRef>
-          <a:fontRef idx="minor">
-            <a:schemeClr val="lt1"/>
-          </a:fontRef>
-        </p:style>
-        <p:txBody>
-          <a:bodyPr rtlCol="0" anchor="ctr"/>
-          <a:lstStyle/>
-          <a:p>
-            <a:pPr algn="ctr"/>
-            <a:endParaRPr lang="en-GB"/>
-          </a:p>
-        </p:txBody>
-      </p:sp>
-      <p:sp>
-        <p:nvSpPr>
-          <p:cNvPr id="9" name="Action Button: Blank 8">
-            <a:hlinkClick r:id="" action="ppaction://noaction" highlightClick="1"/>
-            <a:extLst>
-              <a:ext uri="{FF2B5EF4-FFF2-40B4-BE49-F238E27FC236}">
-                <a16:creationId xmlns:a16="http://schemas.microsoft.com/office/drawing/2014/main" id="{D5AB0C11-996A-400F-B24A-CAFBC3EF2249}"/>
-              </a:ext>
-            </a:extLst>
-          </p:cNvPr>
-          <p:cNvSpPr/>
-          <p:nvPr/>
-        </p:nvSpPr>
-        <p:spPr>
-          <a:xfrm>
-            <a:off x="1474240" y="5417953"/>
-            <a:ext cx="942392" cy="289249"/>
-          </a:xfrm>
-          <a:prstGeom prst="actionButtonBlank">
-            <a:avLst/>
-          </a:prstGeom>
-        </p:spPr>
-        <p:style>
-          <a:lnRef idx="2">
-            <a:schemeClr val="accent1">
-              <a:shade val="50000"/>
-            </a:schemeClr>
-          </a:lnRef>
-          <a:fillRef idx="1">
-            <a:schemeClr val="accent1"/>
-          </a:fillRef>
-          <a:effectRef idx="0">
-            <a:schemeClr val="accent1"/>
-          </a:effectRef>
-          <a:fontRef idx="minor">
-            <a:schemeClr val="lt1"/>
-          </a:fontRef>
-        </p:style>
-        <p:txBody>
-          <a:bodyPr rtlCol="0" anchor="ctr"/>
-          <a:lstStyle/>
-          <a:p>
-            <a:pPr algn="ctr"/>
-            <a:endParaRPr lang="en-GB"/>
-          </a:p>
-        </p:txBody>
-      </p:sp>
-      <p:sp>
-        <p:nvSpPr>
-          <p:cNvPr id="13" name="Rectangle: Rounded Corners 12">
-            <a:extLst>
-              <a:ext uri="{FF2B5EF4-FFF2-40B4-BE49-F238E27FC236}">
-                <a16:creationId xmlns:a16="http://schemas.microsoft.com/office/drawing/2014/main" id="{8683C4ED-7E2E-4AE3-8F2D-9664C90DFFCD}"/>
-              </a:ext>
-            </a:extLst>
-          </p:cNvPr>
-          <p:cNvSpPr/>
-          <p:nvPr/>
-        </p:nvSpPr>
-        <p:spPr>
-          <a:xfrm>
-            <a:off x="1671738" y="928906"/>
-            <a:ext cx="5158270" cy="2700702"/>
-          </a:xfrm>
-          <a:prstGeom prst="roundRect">
-            <a:avLst/>
-          </a:prstGeom>
-          <a:noFill/>
-          <a:ln w="57150">
-            <a:solidFill>
-              <a:srgbClr val="7030A0"/>
-            </a:solidFill>
-          </a:ln>
-          <a:effectLst>
-            <a:outerShdw blurRad="50800" dist="38100" dir="2700000" algn="tl" rotWithShape="0">
-              <a:prstClr val="black">
-                <a:alpha val="40000"/>
-              </a:prstClr>
-            </a:outerShdw>
-          </a:effectLst>
-          <a:scene3d>
-            <a:camera prst="orthographicFront"/>
-            <a:lightRig rig="threePt" dir="t"/>
-          </a:scene3d>
-          <a:sp3d>
-            <a:bevelT/>
-          </a:sp3d>
-        </p:spPr>
-        <p:style>
-          <a:lnRef idx="1">
-            <a:schemeClr val="accent4"/>
-          </a:lnRef>
-          <a:fillRef idx="3">
-            <a:schemeClr val="accent4"/>
-          </a:fillRef>
-          <a:effectRef idx="2">
-            <a:schemeClr val="accent4"/>
-          </a:effectRef>
-          <a:fontRef idx="minor">
-            <a:schemeClr val="lt1"/>
-          </a:fontRef>
-        </p:style>
-        <p:txBody>
-          <a:bodyPr rtlCol="0" anchor="ctr"/>
-          <a:lstStyle/>
-          <a:p>
-            <a:pPr algn="ctr"/>
-            <a:endParaRPr lang="en-GB"/>
-          </a:p>
-        </p:txBody>
-      </p:sp>
-      <p:sp>
-        <p:nvSpPr>
-          <p:cNvPr id="15" name="Rectangle: Rounded Corners 14">
-            <a:extLst>
-              <a:ext uri="{FF2B5EF4-FFF2-40B4-BE49-F238E27FC236}">
-                <a16:creationId xmlns:a16="http://schemas.microsoft.com/office/drawing/2014/main" id="{7F0ACFB8-46E4-4E91-B793-4BBF52A681B1}"/>
-              </a:ext>
-            </a:extLst>
-          </p:cNvPr>
-          <p:cNvSpPr/>
-          <p:nvPr/>
-        </p:nvSpPr>
-        <p:spPr>
-          <a:xfrm>
-            <a:off x="2954891" y="1009258"/>
-            <a:ext cx="2591965" cy="325017"/>
-          </a:xfrm>
-          <a:prstGeom prst="roundRect">
-            <a:avLst/>
-          </a:prstGeom>
-          <a:solidFill>
-            <a:srgbClr val="4F2270"/>
-          </a:solidFill>
-          <a:ln>
-            <a:noFill/>
-          </a:ln>
-          <a:effectLst>
-            <a:outerShdw blurRad="50800" dist="38100" dir="2700000" algn="tl" rotWithShape="0">
-              <a:prstClr val="black">
-                <a:alpha val="40000"/>
-              </a:prstClr>
-            </a:outerShdw>
-          </a:effectLst>
-          <a:scene3d>
-            <a:camera prst="orthographicFront">
-              <a:rot lat="0" lon="0" rev="0"/>
-            </a:camera>
-            <a:lightRig rig="contrasting" dir="t">
-              <a:rot lat="0" lon="0" rev="1500000"/>
-            </a:lightRig>
-          </a:scene3d>
-          <a:sp3d prstMaterial="metal">
-            <a:bevelT w="88900" h="88900"/>
-          </a:sp3d>
-        </p:spPr>
-        <p:style>
-          <a:lnRef idx="0">
-            <a:schemeClr val="accent1"/>
-          </a:lnRef>
-          <a:fillRef idx="3">
-            <a:schemeClr val="accent1"/>
-          </a:fillRef>
-          <a:effectRef idx="3">
-            <a:schemeClr val="accent1"/>
-          </a:effectRef>
-          <a:fontRef idx="minor">
-            <a:schemeClr val="lt1"/>
-          </a:fontRef>
-        </p:style>
-        <p:txBody>
-          <a:bodyPr rtlCol="0" anchor="ctr"/>
-          <a:lstStyle/>
-          <a:p>
-            <a:pPr algn="ctr"/>
-            <a:r>
-              <a:rPr lang="en-US" sz="1400" dirty="0">
-                <a:latin typeface="Segoe Print" panose="02000600000000000000" pitchFamily="2" charset="0"/>
-              </a:rPr>
-              <a:t>Upload or download data</a:t>
-            </a:r>
-            <a:endParaRPr lang="en-GB" sz="1400" dirty="0">
-              <a:latin typeface="Segoe Print" panose="02000600000000000000" pitchFamily="2" charset="0"/>
-            </a:endParaRPr>
-          </a:p>
-        </p:txBody>
-      </p:sp>
-      <p:sp>
-        <p:nvSpPr>
-          <p:cNvPr id="16" name="Rectangle: Rounded Corners 15">
-            <a:extLst>
-              <a:ext uri="{FF2B5EF4-FFF2-40B4-BE49-F238E27FC236}">
-                <a16:creationId xmlns:a16="http://schemas.microsoft.com/office/drawing/2014/main" id="{10552067-E519-4AB9-99FA-CF09AB28A4E6}"/>
-              </a:ext>
-            </a:extLst>
-          </p:cNvPr>
-          <p:cNvSpPr/>
-          <p:nvPr/>
-        </p:nvSpPr>
-        <p:spPr>
-          <a:xfrm>
-            <a:off x="255043" y="3023384"/>
-            <a:ext cx="852190" cy="325017"/>
-          </a:xfrm>
-          <a:prstGeom prst="roundRect">
-            <a:avLst/>
-          </a:prstGeom>
-          <a:solidFill>
-            <a:srgbClr val="4F2270"/>
-          </a:solidFill>
-          <a:ln>
-            <a:noFill/>
-          </a:ln>
-          <a:effectLst>
-            <a:outerShdw blurRad="50800" dist="38100" dir="2700000" algn="tl" rotWithShape="0">
-              <a:prstClr val="black">
-                <a:alpha val="40000"/>
-              </a:prstClr>
-            </a:outerShdw>
-          </a:effectLst>
-          <a:scene3d>
-            <a:camera prst="orthographicFront">
-              <a:rot lat="0" lon="0" rev="0"/>
-            </a:camera>
-            <a:lightRig rig="contrasting" dir="t">
-              <a:rot lat="0" lon="0" rev="1500000"/>
-            </a:lightRig>
-          </a:scene3d>
-          <a:sp3d prstMaterial="metal">
-            <a:bevelT w="88900" h="88900"/>
-          </a:sp3d>
-        </p:spPr>
-        <p:style>
-          <a:lnRef idx="0">
-            <a:schemeClr val="accent1"/>
-          </a:lnRef>
-          <a:fillRef idx="3">
-            <a:schemeClr val="accent1"/>
-          </a:fillRef>
-          <a:effectRef idx="3">
-            <a:schemeClr val="accent1"/>
-          </a:effectRef>
-          <a:fontRef idx="minor">
-            <a:schemeClr val="lt1"/>
-          </a:fontRef>
-        </p:style>
-        <p:txBody>
-          <a:bodyPr rtlCol="0" anchor="ctr"/>
-          <a:lstStyle/>
-          <a:p>
-            <a:pPr algn="ctr"/>
-            <a:r>
-              <a:rPr lang="en-US" sz="1400" dirty="0">
-                <a:latin typeface="Segoe Print" panose="02000600000000000000" pitchFamily="2" charset="0"/>
-              </a:rPr>
-              <a:t>Tabs</a:t>
-            </a:r>
-            <a:endParaRPr lang="en-GB" sz="1400" dirty="0">
-              <a:latin typeface="Segoe Print" panose="02000600000000000000" pitchFamily="2" charset="0"/>
-            </a:endParaRPr>
-          </a:p>
-        </p:txBody>
-      </p:sp>
-      <p:sp>
-        <p:nvSpPr>
-          <p:cNvPr id="17" name="Rectangle: Rounded Corners 16">
-            <a:extLst>
-              <a:ext uri="{FF2B5EF4-FFF2-40B4-BE49-F238E27FC236}">
-                <a16:creationId xmlns:a16="http://schemas.microsoft.com/office/drawing/2014/main" id="{B2A0CE68-D68C-44A0-87A4-1400F7401755}"/>
-              </a:ext>
-            </a:extLst>
-          </p:cNvPr>
-          <p:cNvSpPr/>
-          <p:nvPr/>
-        </p:nvSpPr>
-        <p:spPr>
-          <a:xfrm>
-            <a:off x="6941972" y="901959"/>
-            <a:ext cx="5158270" cy="2700702"/>
-          </a:xfrm>
-          <a:prstGeom prst="roundRect">
-            <a:avLst/>
-          </a:prstGeom>
-          <a:noFill/>
-          <a:ln w="57150">
-            <a:solidFill>
-              <a:srgbClr val="7030A0"/>
-            </a:solidFill>
-          </a:ln>
-          <a:effectLst>
-            <a:outerShdw blurRad="50800" dist="38100" dir="2700000" algn="tl" rotWithShape="0">
-              <a:prstClr val="black">
-                <a:alpha val="40000"/>
-              </a:prstClr>
-            </a:outerShdw>
-          </a:effectLst>
-          <a:scene3d>
-            <a:camera prst="orthographicFront"/>
-            <a:lightRig rig="threePt" dir="t"/>
-          </a:scene3d>
-          <a:sp3d>
-            <a:bevelT/>
-          </a:sp3d>
-        </p:spPr>
-        <p:style>
-          <a:lnRef idx="1">
-            <a:schemeClr val="accent4"/>
-          </a:lnRef>
-          <a:fillRef idx="3">
-            <a:schemeClr val="accent4"/>
-          </a:fillRef>
-          <a:effectRef idx="2">
-            <a:schemeClr val="accent4"/>
-          </a:effectRef>
-          <a:fontRef idx="minor">
-            <a:schemeClr val="lt1"/>
-          </a:fontRef>
-        </p:style>
-        <p:txBody>
-          <a:bodyPr rtlCol="0" anchor="ctr"/>
-          <a:lstStyle/>
-          <a:p>
-            <a:pPr algn="ctr"/>
-            <a:endParaRPr lang="en-GB"/>
-          </a:p>
-        </p:txBody>
-      </p:sp>
-      <p:sp>
-        <p:nvSpPr>
-          <p:cNvPr id="18" name="Rectangle: Rounded Corners 17">
-            <a:extLst>
-              <a:ext uri="{FF2B5EF4-FFF2-40B4-BE49-F238E27FC236}">
-                <a16:creationId xmlns:a16="http://schemas.microsoft.com/office/drawing/2014/main" id="{AC8B7FF1-BB5D-4693-8163-217F84BCE04E}"/>
-              </a:ext>
-            </a:extLst>
-          </p:cNvPr>
-          <p:cNvSpPr/>
-          <p:nvPr/>
-        </p:nvSpPr>
-        <p:spPr>
-          <a:xfrm>
-            <a:off x="8613800" y="1009258"/>
-            <a:ext cx="2232000" cy="325017"/>
-          </a:xfrm>
-          <a:prstGeom prst="roundRect">
-            <a:avLst/>
-          </a:prstGeom>
-          <a:solidFill>
-            <a:srgbClr val="4F2270"/>
-          </a:solidFill>
-          <a:ln>
-            <a:noFill/>
-          </a:ln>
-          <a:effectLst>
-            <a:outerShdw blurRad="50800" dist="38100" dir="2700000" algn="tl" rotWithShape="0">
-              <a:prstClr val="black">
-                <a:alpha val="40000"/>
-              </a:prstClr>
-            </a:outerShdw>
-          </a:effectLst>
-          <a:scene3d>
-            <a:camera prst="orthographicFront">
-              <a:rot lat="0" lon="0" rev="0"/>
-            </a:camera>
-            <a:lightRig rig="contrasting" dir="t">
-              <a:rot lat="0" lon="0" rev="1500000"/>
-            </a:lightRig>
-          </a:scene3d>
-          <a:sp3d prstMaterial="metal">
-            <a:bevelT w="88900" h="88900"/>
-          </a:sp3d>
-        </p:spPr>
-        <p:style>
-          <a:lnRef idx="0">
-            <a:schemeClr val="accent1"/>
-          </a:lnRef>
-          <a:fillRef idx="3">
-            <a:schemeClr val="accent1"/>
-          </a:fillRef>
-          <a:effectRef idx="3">
-            <a:schemeClr val="accent1"/>
-          </a:effectRef>
-          <a:fontRef idx="minor">
-            <a:schemeClr val="lt1"/>
-          </a:fontRef>
-        </p:style>
-        <p:txBody>
-          <a:bodyPr rtlCol="0" anchor="ctr"/>
-          <a:lstStyle/>
-          <a:p>
-            <a:pPr algn="ctr"/>
-            <a:r>
-              <a:rPr lang="en-US" sz="1600" dirty="0">
-                <a:latin typeface="Segoe Print" panose="02000600000000000000" pitchFamily="2" charset="0"/>
-              </a:rPr>
-              <a:t>Add dictionary</a:t>
-            </a:r>
-            <a:endParaRPr lang="en-GB" sz="1600" dirty="0">
-              <a:latin typeface="Segoe Print" panose="02000600000000000000" pitchFamily="2" charset="0"/>
-            </a:endParaRPr>
-          </a:p>
-        </p:txBody>
-      </p:sp>
-      <p:sp>
-        <p:nvSpPr>
-          <p:cNvPr id="19" name="Rectangle: Rounded Corners 18">
-            <a:extLst>
-              <a:ext uri="{FF2B5EF4-FFF2-40B4-BE49-F238E27FC236}">
-                <a16:creationId xmlns:a16="http://schemas.microsoft.com/office/drawing/2014/main" id="{40C542D8-9AA8-4EC0-95B2-CE735B8AE1E0}"/>
-              </a:ext>
-            </a:extLst>
-          </p:cNvPr>
-          <p:cNvSpPr/>
-          <p:nvPr/>
-        </p:nvSpPr>
-        <p:spPr>
-          <a:xfrm>
-            <a:off x="1671737" y="3791340"/>
-            <a:ext cx="5074296" cy="594048"/>
-          </a:xfrm>
-          <a:prstGeom prst="roundRect">
-            <a:avLst/>
-          </a:prstGeom>
-          <a:noFill/>
-          <a:ln w="57150">
-            <a:solidFill>
-              <a:srgbClr val="7030A0"/>
-            </a:solidFill>
-          </a:ln>
-          <a:effectLst>
-            <a:outerShdw blurRad="50800" dist="38100" dir="2700000" algn="tl" rotWithShape="0">
-              <a:prstClr val="black">
-                <a:alpha val="40000"/>
-              </a:prstClr>
-            </a:outerShdw>
-          </a:effectLst>
-          <a:scene3d>
-            <a:camera prst="orthographicFront"/>
-            <a:lightRig rig="threePt" dir="t"/>
-          </a:scene3d>
-          <a:sp3d>
-            <a:bevelT/>
-          </a:sp3d>
-        </p:spPr>
-        <p:style>
-          <a:lnRef idx="1">
-            <a:schemeClr val="accent4"/>
-          </a:lnRef>
-          <a:fillRef idx="3">
-            <a:schemeClr val="accent4"/>
-          </a:fillRef>
-          <a:effectRef idx="2">
-            <a:schemeClr val="accent4"/>
-          </a:effectRef>
-          <a:fontRef idx="minor">
-            <a:schemeClr val="lt1"/>
-          </a:fontRef>
-        </p:style>
-        <p:txBody>
-          <a:bodyPr rtlCol="0" anchor="ctr"/>
-          <a:lstStyle/>
-          <a:p>
-            <a:pPr algn="ctr"/>
-            <a:endParaRPr lang="en-GB"/>
-          </a:p>
-        </p:txBody>
-      </p:sp>
-      <p:sp>
-        <p:nvSpPr>
-          <p:cNvPr id="20" name="Rectangle: Rounded Corners 19">
-            <a:extLst>
-              <a:ext uri="{FF2B5EF4-FFF2-40B4-BE49-F238E27FC236}">
-                <a16:creationId xmlns:a16="http://schemas.microsoft.com/office/drawing/2014/main" id="{13E1F524-2C0E-4836-97CC-408D664A5176}"/>
-              </a:ext>
-            </a:extLst>
-          </p:cNvPr>
-          <p:cNvSpPr/>
-          <p:nvPr/>
-        </p:nvSpPr>
-        <p:spPr>
-          <a:xfrm>
-            <a:off x="4250873" y="3925855"/>
-            <a:ext cx="2132918" cy="325017"/>
-          </a:xfrm>
-          <a:prstGeom prst="roundRect">
-            <a:avLst/>
-          </a:prstGeom>
-          <a:solidFill>
-            <a:srgbClr val="4F2270"/>
-          </a:solidFill>
-          <a:ln>
-            <a:noFill/>
-          </a:ln>
-          <a:effectLst>
-            <a:outerShdw blurRad="50800" dist="38100" dir="2700000" algn="tl" rotWithShape="0">
-              <a:prstClr val="black">
-                <a:alpha val="40000"/>
-              </a:prstClr>
-            </a:outerShdw>
-          </a:effectLst>
-          <a:scene3d>
-            <a:camera prst="orthographicFront">
-              <a:rot lat="0" lon="0" rev="0"/>
-            </a:camera>
-            <a:lightRig rig="contrasting" dir="t">
-              <a:rot lat="0" lon="0" rev="1500000"/>
-            </a:lightRig>
-          </a:scene3d>
-          <a:sp3d prstMaterial="metal">
-            <a:bevelT w="88900" h="88900"/>
-          </a:sp3d>
-        </p:spPr>
-        <p:style>
-          <a:lnRef idx="0">
-            <a:schemeClr val="accent1"/>
-          </a:lnRef>
-          <a:fillRef idx="3">
-            <a:schemeClr val="accent1"/>
-          </a:fillRef>
-          <a:effectRef idx="3">
-            <a:schemeClr val="accent1"/>
-          </a:effectRef>
-          <a:fontRef idx="minor">
-            <a:schemeClr val="lt1"/>
-          </a:fontRef>
-        </p:style>
-        <p:txBody>
-          <a:bodyPr rtlCol="0" anchor="ctr"/>
-          <a:lstStyle/>
-          <a:p>
-            <a:pPr algn="ctr"/>
-            <a:r>
-              <a:rPr lang="en-US" sz="1400" dirty="0">
-                <a:latin typeface="Segoe Print" panose="02000600000000000000" pitchFamily="2" charset="0"/>
-              </a:rPr>
-              <a:t>Execute </a:t>
-            </a:r>
-            <a:r>
-              <a:rPr lang="en-US" sz="1400" dirty="0" err="1">
-                <a:latin typeface="Segoe Print" panose="02000600000000000000" pitchFamily="2" charset="0"/>
-              </a:rPr>
-              <a:t>Darwinizer</a:t>
-            </a:r>
-            <a:endParaRPr lang="en-GB" sz="1400" dirty="0">
-              <a:latin typeface="Segoe Print" panose="02000600000000000000" pitchFamily="2" charset="0"/>
-            </a:endParaRPr>
-          </a:p>
-        </p:txBody>
-      </p:sp>
-    </p:spTree>
-    <p:extLst>
-      <p:ext uri="{BB962C8B-B14F-4D97-AF65-F5344CB8AC3E}">
-        <p14:creationId xmlns:p14="http://schemas.microsoft.com/office/powerpoint/2010/main" val="1335674216"/>
-      </p:ext>
-    </p:extLst>
-  </p:cSld>
-  <p:clrMapOvr>
-    <a:masterClrMapping/>
-  </p:clrMapOvr>
-</p:sld>
-</file>
-
-<file path=ppt/slides/slide8.xml><?xml version="1.0" encoding="utf-8"?>
-<p:sld xmlns:a="http://schemas.openxmlformats.org/drawingml/2006/main" xmlns:r="http://schemas.openxmlformats.org/officeDocument/2006/relationships" xmlns:p="http://schemas.openxmlformats.org/presentationml/2006/main">
-  <p:cSld>
-    <p:spTree>
-      <p:nvGrpSpPr>
-        <p:cNvPr id="1" name=""/>
-        <p:cNvGrpSpPr/>
-        <p:nvPr/>
-      </p:nvGrpSpPr>
-      <p:grpSpPr>
-        <a:xfrm>
-          <a:off x="0" y="0"/>
-          <a:ext cx="0" cy="0"/>
-          <a:chOff x="0" y="0"/>
-          <a:chExt cx="0" cy="0"/>
-        </a:xfrm>
-      </p:grpSpPr>
-      <p:pic>
-        <p:nvPicPr>
-          <p:cNvPr id="2" name="Picture 1">
-            <a:extLst>
-              <a:ext uri="{FF2B5EF4-FFF2-40B4-BE49-F238E27FC236}">
-                <a16:creationId xmlns:a16="http://schemas.microsoft.com/office/drawing/2014/main" id="{2C1ABA05-23CD-4E8F-8089-E6A1F273D0A8}"/>
-              </a:ext>
-            </a:extLst>
-          </p:cNvPr>
-          <p:cNvPicPr>
-            <a:picLocks noChangeAspect="1"/>
-          </p:cNvPicPr>
-          <p:nvPr/>
-        </p:nvPicPr>
-        <p:blipFill>
-          <a:blip r:embed="rId2"/>
-          <a:stretch>
-            <a:fillRect/>
-          </a:stretch>
-        </p:blipFill>
-        <p:spPr>
-          <a:xfrm>
-            <a:off x="65088" y="558800"/>
-            <a:ext cx="6210300" cy="4476750"/>
-          </a:xfrm>
-          <a:prstGeom prst="rect">
-            <a:avLst/>
-          </a:prstGeom>
-          <a:ln>
-            <a:noFill/>
-          </a:ln>
-          <a:effectLst>
-            <a:outerShdw blurRad="190500" algn="tl" rotWithShape="0">
-              <a:srgbClr val="000000">
-                <a:alpha val="70000"/>
-              </a:srgbClr>
-            </a:outerShdw>
-          </a:effectLst>
-        </p:spPr>
-      </p:pic>
-      <p:pic>
-        <p:nvPicPr>
-          <p:cNvPr id="3" name="Picture 2">
-            <a:extLst>
-              <a:ext uri="{FF2B5EF4-FFF2-40B4-BE49-F238E27FC236}">
-                <a16:creationId xmlns:a16="http://schemas.microsoft.com/office/drawing/2014/main" id="{B30ECEC1-4D7E-4408-8F61-519A7D826719}"/>
-              </a:ext>
-            </a:extLst>
-          </p:cNvPr>
-          <p:cNvPicPr>
-            <a:picLocks noChangeAspect="1"/>
-          </p:cNvPicPr>
-          <p:nvPr/>
-        </p:nvPicPr>
-        <p:blipFill rotWithShape="1">
-          <a:blip r:embed="rId3"/>
-          <a:srcRect l="11314" t="28927" r="48528" b="28814"/>
-          <a:stretch/>
-        </p:blipFill>
-        <p:spPr>
-          <a:xfrm>
-            <a:off x="6459348" y="2402883"/>
-            <a:ext cx="4896039" cy="2898184"/>
-          </a:xfrm>
-          <a:prstGeom prst="rect">
-            <a:avLst/>
-          </a:prstGeom>
-          <a:ln>
-            <a:noFill/>
-          </a:ln>
-          <a:effectLst>
-            <a:outerShdw blurRad="190500" algn="tl" rotWithShape="0">
-              <a:srgbClr val="000000">
-                <a:alpha val="70000"/>
-              </a:srgbClr>
-            </a:outerShdw>
-          </a:effectLst>
-        </p:spPr>
-      </p:pic>
-    </p:spTree>
-    <p:extLst>
-      <p:ext uri="{BB962C8B-B14F-4D97-AF65-F5344CB8AC3E}">
-        <p14:creationId xmlns:p14="http://schemas.microsoft.com/office/powerpoint/2010/main" val="1177328285"/>
-      </p:ext>
-    </p:extLst>
-  </p:cSld>
-  <p:clrMapOvr>
-    <a:masterClrMapping/>
-  </p:clrMapOvr>
-</p:sld>
-</file>
-
-<file path=ppt/slides/slide9.xml><?xml version="1.0" encoding="utf-8"?>
-<p:sld xmlns:a="http://schemas.openxmlformats.org/drawingml/2006/main" xmlns:r="http://schemas.openxmlformats.org/officeDocument/2006/relationships" xmlns:p="http://schemas.openxmlformats.org/presentationml/2006/main">
-  <p:cSld>
-    <p:spTree>
-      <p:nvGrpSpPr>
-        <p:cNvPr id="1" name=""/>
-        <p:cNvGrpSpPr/>
-        <p:nvPr/>
-      </p:nvGrpSpPr>
-      <p:grpSpPr>
-        <a:xfrm>
-          <a:off x="0" y="0"/>
-          <a:ext cx="0" cy="0"/>
-          <a:chOff x="0" y="0"/>
-          <a:chExt cx="0" cy="0"/>
-        </a:xfrm>
-      </p:grpSpPr>
-      <p:pic>
-        <p:nvPicPr>
-          <p:cNvPr id="4" name="Picture 3">
-            <a:extLst>
-              <a:ext uri="{FF2B5EF4-FFF2-40B4-BE49-F238E27FC236}">
-                <a16:creationId xmlns:a16="http://schemas.microsoft.com/office/drawing/2014/main" id="{71220EA4-6764-4E19-907B-6417126EEEF8}"/>
-              </a:ext>
-            </a:extLst>
-          </p:cNvPr>
-          <p:cNvPicPr>
-            <a:picLocks noChangeAspect="1"/>
-          </p:cNvPicPr>
-          <p:nvPr/>
-        </p:nvPicPr>
-        <p:blipFill rotWithShape="1">
-          <a:blip r:embed="rId2"/>
-          <a:srcRect t="11442"/>
-          <a:stretch/>
-        </p:blipFill>
-        <p:spPr>
-          <a:xfrm>
-            <a:off x="1209675" y="1016000"/>
-            <a:ext cx="4133850" cy="3821112"/>
-          </a:xfrm>
-          <a:prstGeom prst="rect">
-            <a:avLst/>
-          </a:prstGeom>
-          <a:ln>
-            <a:noFill/>
-          </a:ln>
-          <a:effectLst>
-            <a:outerShdw blurRad="190500" algn="tl" rotWithShape="0">
-              <a:srgbClr val="000000">
-                <a:alpha val="70000"/>
-              </a:srgbClr>
-            </a:outerShdw>
-          </a:effectLst>
-        </p:spPr>
-      </p:pic>
-    </p:spTree>
-    <p:extLst>
-      <p:ext uri="{BB962C8B-B14F-4D97-AF65-F5344CB8AC3E}">
-        <p14:creationId xmlns:p14="http://schemas.microsoft.com/office/powerpoint/2010/main" val="3073105940"/>
       </p:ext>
     </p:extLst>
   </p:cSld>
